--- a/musicode展示.pptx
+++ b/musicode展示.pptx
@@ -562,6 +562,16 @@
             <a:r>
               <a:rPr lang="zh-CN" altLang="en-US" dirty="0"/>
               <a:t>文件以及五线谱。 </a:t>
+            </a:r>
+            <a:endParaRPr lang="en-US" altLang="zh-CN" dirty="0"/>
+          </a:p>
+          <a:p>
+            <a:endParaRPr lang="en-US" dirty="0"/>
+          </a:p>
+          <a:p>
+            <a:r>
+              <a:rPr lang="zh-CN" altLang="en-US" dirty="0"/>
+              <a:t>更简单的语法，错误检查</a:t>
             </a:r>
             <a:endParaRPr lang="en-US" dirty="0"/>
           </a:p>

--- a/musicode展示.pptx
+++ b/musicode展示.pptx
@@ -5,7 +5,7 @@
     <p:sldMasterId id="2147483648" r:id="rId1"/>
   </p:sldMasterIdLst>
   <p:notesMasterIdLst>
-    <p:notesMasterId r:id="rId15"/>
+    <p:notesMasterId r:id="rId14"/>
   </p:notesMasterIdLst>
   <p:sldIdLst>
     <p:sldId id="256" r:id="rId2"/>
@@ -14,13 +14,12 @@
     <p:sldId id="259" r:id="rId5"/>
     <p:sldId id="266" r:id="rId6"/>
     <p:sldId id="260" r:id="rId7"/>
-    <p:sldId id="261" r:id="rId8"/>
-    <p:sldId id="262" r:id="rId9"/>
-    <p:sldId id="263" r:id="rId10"/>
-    <p:sldId id="265" r:id="rId11"/>
-    <p:sldId id="264" r:id="rId12"/>
-    <p:sldId id="267" r:id="rId13"/>
-    <p:sldId id="268" r:id="rId14"/>
+    <p:sldId id="265" r:id="rId8"/>
+    <p:sldId id="264" r:id="rId9"/>
+    <p:sldId id="269" r:id="rId10"/>
+    <p:sldId id="270" r:id="rId11"/>
+    <p:sldId id="267" r:id="rId12"/>
+    <p:sldId id="268" r:id="rId13"/>
   </p:sldIdLst>
   <p:sldSz cx="12192000" cy="6858000"/>
   <p:notesSz cx="6858000" cy="9144000"/>
@@ -119,6 +118,11 @@
       </a:defRPr>
     </a:lvl9pPr>
   </p:defaultTextStyle>
+  <p:extLst>
+    <p:ext uri="{EFAFB233-063F-42B5-8137-9DF3F51BA10A}">
+      <p15:sldGuideLst xmlns:p15="http://schemas.microsoft.com/office/powerpoint/2012/main"/>
+    </p:ext>
+  </p:extLst>
 </p:presentation>
 </file>
 
@@ -657,65 +661,6 @@
           <a:bodyPr/>
           <a:lstStyle/>
           <a:p>
-            <a:r>
-              <a:rPr lang="zh-CN" altLang="en-US" dirty="0"/>
-              <a:t>通常的</a:t>
-            </a:r>
-            <a:r>
-              <a:rPr lang="en-US" altLang="zh-CN" dirty="0"/>
-              <a:t>AI</a:t>
-            </a:r>
-            <a:r>
-              <a:rPr lang="zh-CN" altLang="en-US" dirty="0"/>
-              <a:t>作曲，不论是使用</a:t>
-            </a:r>
-            <a:r>
-              <a:rPr lang="en-US" altLang="zh-CN" dirty="0"/>
-              <a:t>CNN</a:t>
-            </a:r>
-            <a:r>
-              <a:rPr lang="zh-CN" altLang="en-US" dirty="0"/>
-              <a:t>或是</a:t>
-            </a:r>
-            <a:r>
-              <a:rPr lang="en-US" altLang="zh-CN" dirty="0"/>
-              <a:t>RNN</a:t>
-            </a:r>
-            <a:r>
-              <a:rPr lang="zh-CN" altLang="en-US" dirty="0"/>
-              <a:t>作为特征提取器，都是将乐曲片段或是</a:t>
-            </a:r>
-            <a:r>
-              <a:rPr lang="en-US" altLang="zh-CN" dirty="0"/>
-              <a:t>midi</a:t>
-            </a:r>
-            <a:r>
-              <a:rPr lang="zh-CN" altLang="en-US" dirty="0"/>
-              <a:t>文件作为输入，这些文件单纯存储音符，力度，速度等单位化的信息，很难使网络学到乐理上的知识。</a:t>
-            </a:r>
-            <a:endParaRPr lang="en-US" altLang="zh-CN" dirty="0"/>
-          </a:p>
-          <a:p>
-            <a:r>
-              <a:rPr lang="zh-CN" altLang="en-US" dirty="0"/>
-              <a:t>我们的</a:t>
-            </a:r>
-            <a:r>
-              <a:rPr lang="en-US" altLang="zh-CN" dirty="0" err="1"/>
-              <a:t>musicode</a:t>
-            </a:r>
-            <a:r>
-              <a:rPr lang="zh-CN" altLang="en-US" dirty="0"/>
-              <a:t>语言可以作为</a:t>
-            </a:r>
-            <a:r>
-              <a:rPr lang="en-US" altLang="zh-CN" dirty="0"/>
-              <a:t>AI</a:t>
-            </a:r>
-            <a:r>
-              <a:rPr lang="zh-CN" altLang="en-US" dirty="0"/>
-              <a:t>理解音乐的接口，使机器真正学到更深层次的知识。</a:t>
-            </a:r>
             <a:endParaRPr lang="en-US" dirty="0"/>
           </a:p>
         </p:txBody>
@@ -737,7 +682,7 @@
           <a:p>
             <a:fld id="{4FFF5112-C0DC-42D7-B508-95129FC9A0B9}" type="slidenum">
               <a:rPr lang="en-US" smtClean="0"/>
-              <a:t>4</a:t>
+              <a:t>3</a:t>
             </a:fld>
             <a:endParaRPr lang="en-US"/>
           </a:p>
@@ -746,7 +691,7 @@
     </p:spTree>
     <p:extLst>
       <p:ext uri="{BB962C8B-B14F-4D97-AF65-F5344CB8AC3E}">
-        <p14:creationId xmlns:p14="http://schemas.microsoft.com/office/powerpoint/2010/main" val="3234032285"/>
+        <p14:creationId xmlns:p14="http://schemas.microsoft.com/office/powerpoint/2010/main" val="817657800"/>
       </p:ext>
     </p:extLst>
   </p:cSld>
@@ -800,6 +745,65 @@
           <a:bodyPr/>
           <a:lstStyle/>
           <a:p>
+            <a:r>
+              <a:rPr lang="zh-CN" altLang="en-US" dirty="0"/>
+              <a:t>通常的</a:t>
+            </a:r>
+            <a:r>
+              <a:rPr lang="en-US" altLang="zh-CN" dirty="0"/>
+              <a:t>AI</a:t>
+            </a:r>
+            <a:r>
+              <a:rPr lang="zh-CN" altLang="en-US" dirty="0"/>
+              <a:t>作曲，不论是使用</a:t>
+            </a:r>
+            <a:r>
+              <a:rPr lang="en-US" altLang="zh-CN" dirty="0"/>
+              <a:t>CNN</a:t>
+            </a:r>
+            <a:r>
+              <a:rPr lang="zh-CN" altLang="en-US" dirty="0"/>
+              <a:t>或是</a:t>
+            </a:r>
+            <a:r>
+              <a:rPr lang="en-US" altLang="zh-CN" dirty="0"/>
+              <a:t>RNN</a:t>
+            </a:r>
+            <a:r>
+              <a:rPr lang="zh-CN" altLang="en-US" dirty="0"/>
+              <a:t>作为特征提取器，都是将乐曲片段或是</a:t>
+            </a:r>
+            <a:r>
+              <a:rPr lang="en-US" altLang="zh-CN" dirty="0"/>
+              <a:t>midi</a:t>
+            </a:r>
+            <a:r>
+              <a:rPr lang="zh-CN" altLang="en-US" dirty="0"/>
+              <a:t>文件作为输入，这些文件单纯存储音符，力度，速度等单位化的信息，很难使网络学到乐理上的知识。</a:t>
+            </a:r>
+            <a:endParaRPr lang="en-US" altLang="zh-CN" dirty="0"/>
+          </a:p>
+          <a:p>
+            <a:r>
+              <a:rPr lang="zh-CN" altLang="en-US" dirty="0"/>
+              <a:t>我们的</a:t>
+            </a:r>
+            <a:r>
+              <a:rPr lang="en-US" altLang="zh-CN" dirty="0" err="1"/>
+              <a:t>musicode</a:t>
+            </a:r>
+            <a:r>
+              <a:rPr lang="zh-CN" altLang="en-US" dirty="0"/>
+              <a:t>语言可以作为</a:t>
+            </a:r>
+            <a:r>
+              <a:rPr lang="en-US" altLang="zh-CN" dirty="0"/>
+              <a:t>AI</a:t>
+            </a:r>
+            <a:r>
+              <a:rPr lang="zh-CN" altLang="en-US" dirty="0"/>
+              <a:t>理解音乐的接口，使机器真正学到更深层次的知识。</a:t>
+            </a:r>
             <a:endParaRPr lang="en-US" dirty="0"/>
           </a:p>
         </p:txBody>
@@ -821,7 +825,7 @@
           <a:p>
             <a:fld id="{4FFF5112-C0DC-42D7-B508-95129FC9A0B9}" type="slidenum">
               <a:rPr lang="en-US" smtClean="0"/>
-              <a:t>6</a:t>
+              <a:t>4</a:t>
             </a:fld>
             <a:endParaRPr lang="en-US"/>
           </a:p>
@@ -830,7 +834,7 @@
     </p:spTree>
     <p:extLst>
       <p:ext uri="{BB962C8B-B14F-4D97-AF65-F5344CB8AC3E}">
-        <p14:creationId xmlns:p14="http://schemas.microsoft.com/office/powerpoint/2010/main" val="1234317016"/>
+        <p14:creationId xmlns:p14="http://schemas.microsoft.com/office/powerpoint/2010/main" val="3234032285"/>
       </p:ext>
     </p:extLst>
   </p:cSld>
@@ -884,6 +888,394 @@
           <a:bodyPr/>
           <a:lstStyle/>
           <a:p>
+            <a:r>
+              <a:rPr lang="en-US" dirty="0"/>
+              <a:t>Setting </a:t>
+            </a:r>
+            <a:r>
+              <a:rPr lang="zh-CN" altLang="en-US" dirty="0"/>
+              <a:t>表示一个数，一个列表，或者列表的列表，用于</a:t>
+            </a:r>
+            <a:r>
+              <a:rPr lang="en-US" altLang="zh-CN" dirty="0"/>
+              <a:t>%</a:t>
+            </a:r>
+            <a:r>
+              <a:rPr lang="zh-CN" altLang="en-US" dirty="0"/>
+              <a:t>和</a:t>
+            </a:r>
+            <a:r>
+              <a:rPr lang="en-US" altLang="zh-CN" dirty="0"/>
+              <a:t>@</a:t>
+            </a:r>
+            <a:r>
+              <a:rPr lang="zh-CN" altLang="en-US" dirty="0"/>
+              <a:t>操作符对 </a:t>
+            </a:r>
+            <a:r>
+              <a:rPr lang="en-US" dirty="0"/>
+              <a:t>note </a:t>
+            </a:r>
+            <a:r>
+              <a:rPr lang="zh-CN" altLang="en-US" dirty="0"/>
+              <a:t>或 </a:t>
+            </a:r>
+            <a:r>
+              <a:rPr lang="en-US" dirty="0"/>
+              <a:t>chord </a:t>
+            </a:r>
+            <a:r>
+              <a:rPr lang="zh-CN" altLang="en-US" dirty="0"/>
+              <a:t>做出更改。</a:t>
+            </a:r>
+            <a:endParaRPr lang="en-US" altLang="zh-CN" dirty="0"/>
+          </a:p>
+          <a:p>
+            <a:endParaRPr lang="en-US" dirty="0"/>
+          </a:p>
+          <a:p>
+            <a:endParaRPr lang="en-US" dirty="0"/>
+          </a:p>
+          <a:p>
+            <a:pPr marL="0" marR="0" lvl="0" indent="0" algn="l" defTabSz="914400" rtl="0" eaLnBrk="1" fontAlgn="auto" latinLnBrk="0" hangingPunct="1">
+              <a:lnSpc>
+                <a:spcPct val="100000"/>
+              </a:lnSpc>
+              <a:spcBef>
+                <a:spcPts val="0"/>
+              </a:spcBef>
+              <a:spcAft>
+                <a:spcPts val="0"/>
+              </a:spcAft>
+              <a:buClrTx/>
+              <a:buSzTx/>
+              <a:buFontTx/>
+              <a:buNone/>
+              <a:tabLst/>
+              <a:defRPr/>
+            </a:pPr>
+            <a:r>
+              <a:rPr lang="en-US" altLang="zh-CN" dirty="0"/>
+              <a:t>Note </a:t>
+            </a:r>
+            <a:r>
+              <a:rPr lang="zh-CN" altLang="en-US" dirty="0"/>
+              <a:t>表示一个音符，其中包含了音名 </a:t>
+            </a:r>
+            <a:r>
+              <a:rPr lang="en-US" altLang="zh-CN" dirty="0"/>
+              <a:t>(C, E, Gb, ... </a:t>
+            </a:r>
+            <a:r>
+              <a:rPr lang="zh-CN" altLang="en-US" dirty="0"/>
+              <a:t>一个表示音名的字符串</a:t>
+            </a:r>
+            <a:r>
+              <a:rPr lang="en-US" altLang="zh-CN" dirty="0"/>
+              <a:t>) </a:t>
+            </a:r>
+            <a:r>
+              <a:rPr lang="zh-CN" altLang="en-US" dirty="0"/>
+              <a:t>，八度数</a:t>
+            </a:r>
+            <a:r>
+              <a:rPr lang="en-US" altLang="zh-CN" dirty="0"/>
+              <a:t>(</a:t>
+            </a:r>
+            <a:r>
+              <a:rPr lang="zh-CN" altLang="en-US" dirty="0"/>
+              <a:t>和音名一起确定一个音的音高</a:t>
+            </a:r>
+            <a:r>
+              <a:rPr lang="en-US" altLang="zh-CN" dirty="0"/>
+              <a:t>)</a:t>
+            </a:r>
+            <a:r>
+              <a:rPr lang="zh-CN" altLang="en-US" dirty="0"/>
+              <a:t>，时长</a:t>
+            </a:r>
+            <a:r>
+              <a:rPr lang="en-US" altLang="zh-CN" dirty="0"/>
+              <a:t>(</a:t>
+            </a:r>
+            <a:r>
+              <a:rPr lang="zh-CN" altLang="en-US" dirty="0"/>
+              <a:t>音符长度，单位为小节</a:t>
+            </a:r>
+            <a:r>
+              <a:rPr lang="en-US" altLang="zh-CN" dirty="0"/>
+              <a:t>) </a:t>
+            </a:r>
+            <a:r>
+              <a:rPr lang="zh-CN" altLang="en-US" dirty="0"/>
+              <a:t>和音量</a:t>
+            </a:r>
+            <a:r>
+              <a:rPr lang="en-US" altLang="zh-CN" dirty="0"/>
+              <a:t>(</a:t>
+            </a:r>
+            <a:r>
+              <a:rPr lang="zh-CN" altLang="en-US" dirty="0"/>
+              <a:t>音符的力度，范围为 </a:t>
+            </a:r>
+            <a:r>
+              <a:rPr lang="en-US" altLang="zh-CN" dirty="0"/>
+              <a:t>0-127) </a:t>
+            </a:r>
+            <a:r>
+              <a:rPr lang="zh-CN" altLang="en-US" dirty="0"/>
+              <a:t>等信息。可以通过 </a:t>
+            </a:r>
+            <a:r>
+              <a:rPr lang="en-US" altLang="zh-CN" dirty="0"/>
+              <a:t>1.3.1 </a:t>
+            </a:r>
+            <a:r>
+              <a:rPr lang="zh-CN" altLang="en-US" dirty="0"/>
+              <a:t>节中的特定语义的字符串对音 符进行初始化，也可以用 </a:t>
+            </a:r>
+            <a:r>
+              <a:rPr lang="en-US" altLang="zh-CN" dirty="0"/>
+              <a:t>setting </a:t>
+            </a:r>
+            <a:r>
+              <a:rPr lang="zh-CN" altLang="en-US" dirty="0"/>
+              <a:t>对音符进行初始化，还可直接使用音高数进行初始化。</a:t>
+            </a:r>
+            <a:endParaRPr lang="en-US" altLang="zh-CN" dirty="0"/>
+          </a:p>
+          <a:p>
+            <a:pPr marL="0" marR="0" lvl="0" indent="0" algn="l" defTabSz="914400" rtl="0" eaLnBrk="1" fontAlgn="auto" latinLnBrk="0" hangingPunct="1">
+              <a:lnSpc>
+                <a:spcPct val="100000"/>
+              </a:lnSpc>
+              <a:spcBef>
+                <a:spcPts val="0"/>
+              </a:spcBef>
+              <a:spcAft>
+                <a:spcPts val="0"/>
+              </a:spcAft>
+              <a:buClrTx/>
+              <a:buSzTx/>
+              <a:buFontTx/>
+              <a:buNone/>
+              <a:tabLst/>
+              <a:defRPr/>
+            </a:pPr>
+            <a:endParaRPr lang="en-US" dirty="0"/>
+          </a:p>
+          <a:p>
+            <a:pPr marL="0" marR="0" lvl="0" indent="0" algn="l" defTabSz="914400" rtl="0" eaLnBrk="1" fontAlgn="auto" latinLnBrk="0" hangingPunct="1">
+              <a:lnSpc>
+                <a:spcPct val="100000"/>
+              </a:lnSpc>
+              <a:spcBef>
+                <a:spcPts val="0"/>
+              </a:spcBef>
+              <a:spcAft>
+                <a:spcPts val="0"/>
+              </a:spcAft>
+              <a:buClrTx/>
+              <a:buSzTx/>
+              <a:buFontTx/>
+              <a:buNone/>
+              <a:tabLst/>
+              <a:defRPr/>
+            </a:pPr>
+            <a:r>
+              <a:rPr lang="en-US" altLang="zh-CN" dirty="0"/>
+              <a:t>Chord </a:t>
+            </a:r>
+            <a:r>
+              <a:rPr lang="zh-CN" altLang="en-US" dirty="0"/>
+              <a:t>被定义为一组音符的集合，这个定义或许比乐理里面的和弦定义更为 广义化，因为按照这个定义，一首完整的乐曲也可以完全装进和弦类里面。</a:t>
+            </a:r>
+            <a:r>
+              <a:rPr lang="en-US" altLang="zh-CN" dirty="0"/>
+              <a:t>Chord </a:t>
+            </a:r>
+            <a:r>
+              <a:rPr lang="zh-CN" altLang="en-US" dirty="0"/>
+              <a:t>包含了音符</a:t>
+            </a:r>
+            <a:r>
+              <a:rPr lang="en-US" altLang="zh-CN" dirty="0"/>
+              <a:t>(</a:t>
+            </a:r>
+            <a:r>
+              <a:rPr lang="zh-CN" altLang="en-US" dirty="0"/>
+              <a:t>音符列表，为一个记载着这个和弦所有音符的列表</a:t>
+            </a:r>
+            <a:r>
+              <a:rPr lang="en-US" altLang="zh-CN" dirty="0"/>
+              <a:t>)</a:t>
+            </a:r>
+            <a:r>
+              <a:rPr lang="zh-CN" altLang="en-US" dirty="0"/>
+              <a:t>，时长</a:t>
+            </a:r>
+            <a:r>
+              <a:rPr lang="en-US" altLang="zh-CN" dirty="0"/>
+              <a:t>(</a:t>
+            </a:r>
+            <a:r>
+              <a:rPr lang="zh-CN" altLang="en-US" dirty="0"/>
+              <a:t>和弦的每 个音符各自的音符长度</a:t>
+            </a:r>
+            <a:r>
+              <a:rPr lang="en-US" altLang="zh-CN" dirty="0"/>
+              <a:t>)</a:t>
+            </a:r>
+            <a:r>
+              <a:rPr lang="zh-CN" altLang="en-US" dirty="0"/>
+              <a:t>和间隔</a:t>
+            </a:r>
+            <a:r>
+              <a:rPr lang="en-US" altLang="zh-CN" dirty="0"/>
+              <a:t>(</a:t>
+            </a:r>
+            <a:r>
+              <a:rPr lang="zh-CN" altLang="en-US" dirty="0"/>
+              <a:t>每两个连续音符之间的间隔，单位为小节</a:t>
+            </a:r>
+            <a:r>
+              <a:rPr lang="en-US" altLang="zh-CN" dirty="0"/>
+              <a:t>)</a:t>
+            </a:r>
+            <a:r>
+              <a:rPr lang="zh-CN" altLang="en-US" dirty="0"/>
+              <a:t>。 </a:t>
+            </a:r>
+            <a:endParaRPr lang="en-US" altLang="zh-CN" dirty="0"/>
+          </a:p>
+          <a:p>
+            <a:pPr marL="0" marR="0" lvl="0" indent="0" algn="l" defTabSz="914400" rtl="0" eaLnBrk="1" fontAlgn="auto" latinLnBrk="0" hangingPunct="1">
+              <a:lnSpc>
+                <a:spcPct val="100000"/>
+              </a:lnSpc>
+              <a:spcBef>
+                <a:spcPts val="0"/>
+              </a:spcBef>
+              <a:spcAft>
+                <a:spcPts val="0"/>
+              </a:spcAft>
+              <a:buClrTx/>
+              <a:buSzTx/>
+              <a:buFontTx/>
+              <a:buNone/>
+              <a:tabLst/>
+              <a:defRPr/>
+            </a:pPr>
+            <a:endParaRPr lang="en-US" dirty="0"/>
+          </a:p>
+          <a:p>
+            <a:pPr marL="0" marR="0" lvl="0" indent="0" algn="l" defTabSz="914400" rtl="0" eaLnBrk="1" fontAlgn="auto" latinLnBrk="0" hangingPunct="1">
+              <a:lnSpc>
+                <a:spcPct val="100000"/>
+              </a:lnSpc>
+              <a:spcBef>
+                <a:spcPts val="0"/>
+              </a:spcBef>
+              <a:spcAft>
+                <a:spcPts val="0"/>
+              </a:spcAft>
+              <a:buClrTx/>
+              <a:buSzTx/>
+              <a:buFontTx/>
+              <a:buNone/>
+              <a:tabLst/>
+              <a:defRPr/>
+            </a:pPr>
+            <a:r>
+              <a:rPr lang="en-US" altLang="zh-CN" dirty="0"/>
+              <a:t>Piece</a:t>
+            </a:r>
+            <a:r>
+              <a:rPr lang="zh-CN" altLang="en-US" dirty="0"/>
+              <a:t>用于将多个</a:t>
+            </a:r>
+            <a:r>
+              <a:rPr lang="en-US" altLang="zh-CN" dirty="0"/>
+              <a:t>chord</a:t>
+            </a:r>
+            <a:r>
+              <a:rPr lang="zh-CN" altLang="en-US" dirty="0"/>
+              <a:t>合并起来，为每个</a:t>
+            </a:r>
+            <a:r>
+              <a:rPr lang="en-US" altLang="zh-CN" dirty="0"/>
+              <a:t>chord</a:t>
+            </a:r>
+            <a:r>
+              <a:rPr lang="zh-CN" altLang="en-US" dirty="0"/>
+              <a:t>设置不同的乐器，生成多音轨的音乐</a:t>
+            </a:r>
+            <a:endParaRPr lang="en-US" dirty="0"/>
+          </a:p>
+          <a:p>
+            <a:pPr marL="0" marR="0" lvl="0" indent="0" algn="l" defTabSz="914400" rtl="0" eaLnBrk="1" fontAlgn="auto" latinLnBrk="0" hangingPunct="1">
+              <a:lnSpc>
+                <a:spcPct val="100000"/>
+              </a:lnSpc>
+              <a:spcBef>
+                <a:spcPts val="0"/>
+              </a:spcBef>
+              <a:spcAft>
+                <a:spcPts val="0"/>
+              </a:spcAft>
+              <a:buClrTx/>
+              <a:buSzTx/>
+              <a:buFontTx/>
+              <a:buNone/>
+              <a:tabLst/>
+              <a:defRPr/>
+            </a:pPr>
+            <a:endParaRPr lang="en-US" dirty="0"/>
+          </a:p>
+          <a:p>
+            <a:pPr marL="0" marR="0" lvl="0" indent="0" algn="l" defTabSz="914400" rtl="0" eaLnBrk="1" fontAlgn="auto" latinLnBrk="0" hangingPunct="1">
+              <a:lnSpc>
+                <a:spcPct val="100000"/>
+              </a:lnSpc>
+              <a:spcBef>
+                <a:spcPts val="0"/>
+              </a:spcBef>
+              <a:spcAft>
+                <a:spcPts val="0"/>
+              </a:spcAft>
+              <a:buClrTx/>
+              <a:buSzTx/>
+              <a:buFontTx/>
+              <a:buNone/>
+              <a:tabLst/>
+              <a:defRPr/>
+            </a:pPr>
+            <a:endParaRPr lang="en-US" dirty="0"/>
+          </a:p>
+          <a:p>
+            <a:pPr marL="0" marR="0" lvl="0" indent="0" algn="l" defTabSz="914400" rtl="0" eaLnBrk="1" fontAlgn="auto" latinLnBrk="0" hangingPunct="1">
+              <a:lnSpc>
+                <a:spcPct val="100000"/>
+              </a:lnSpc>
+              <a:spcBef>
+                <a:spcPts val="0"/>
+              </a:spcBef>
+              <a:spcAft>
+                <a:spcPts val="0"/>
+              </a:spcAft>
+              <a:buClrTx/>
+              <a:buSzTx/>
+              <a:buFontTx/>
+              <a:buNone/>
+              <a:tabLst/>
+              <a:defRPr/>
+            </a:pPr>
+            <a:endParaRPr lang="en-US" dirty="0"/>
+          </a:p>
+          <a:p>
+            <a:endParaRPr lang="en-US" dirty="0"/>
+          </a:p>
+          <a:p>
             <a:endParaRPr lang="en-US" dirty="0"/>
           </a:p>
         </p:txBody>
@@ -905,7 +1297,7 @@
           <a:p>
             <a:fld id="{4FFF5112-C0DC-42D7-B508-95129FC9A0B9}" type="slidenum">
               <a:rPr lang="en-US" smtClean="0"/>
-              <a:t>7</a:t>
+              <a:t>6</a:t>
             </a:fld>
             <a:endParaRPr lang="en-US"/>
           </a:p>
@@ -914,7 +1306,7 @@
     </p:spTree>
     <p:extLst>
       <p:ext uri="{BB962C8B-B14F-4D97-AF65-F5344CB8AC3E}">
-        <p14:creationId xmlns:p14="http://schemas.microsoft.com/office/powerpoint/2010/main" val="625888305"/>
+        <p14:creationId xmlns:p14="http://schemas.microsoft.com/office/powerpoint/2010/main" val="1234317016"/>
       </p:ext>
     </p:extLst>
   </p:cSld>
@@ -989,7 +1381,7 @@
           <a:p>
             <a:fld id="{4FFF5112-C0DC-42D7-B508-95129FC9A0B9}" type="slidenum">
               <a:rPr lang="en-US" smtClean="0"/>
-              <a:t>8</a:t>
+              <a:t>7</a:t>
             </a:fld>
             <a:endParaRPr lang="en-US"/>
           </a:p>
@@ -998,7 +1390,7 @@
     </p:spTree>
     <p:extLst>
       <p:ext uri="{BB962C8B-B14F-4D97-AF65-F5344CB8AC3E}">
-        <p14:creationId xmlns:p14="http://schemas.microsoft.com/office/powerpoint/2010/main" val="1093659832"/>
+        <p14:creationId xmlns:p14="http://schemas.microsoft.com/office/powerpoint/2010/main" val="687109330"/>
       </p:ext>
     </p:extLst>
   </p:cSld>
@@ -1073,7 +1465,7 @@
           <a:p>
             <a:fld id="{4FFF5112-C0DC-42D7-B508-95129FC9A0B9}" type="slidenum">
               <a:rPr lang="en-US" smtClean="0"/>
-              <a:t>9</a:t>
+              <a:t>8</a:t>
             </a:fld>
             <a:endParaRPr lang="en-US"/>
           </a:p>
@@ -1082,7 +1474,7 @@
     </p:spTree>
     <p:extLst>
       <p:ext uri="{BB962C8B-B14F-4D97-AF65-F5344CB8AC3E}">
-        <p14:creationId xmlns:p14="http://schemas.microsoft.com/office/powerpoint/2010/main" val="1883444779"/>
+        <p14:creationId xmlns:p14="http://schemas.microsoft.com/office/powerpoint/2010/main" val="1640502136"/>
       </p:ext>
     </p:extLst>
   </p:cSld>
@@ -1157,7 +1549,7 @@
           <a:p>
             <a:fld id="{4FFF5112-C0DC-42D7-B508-95129FC9A0B9}" type="slidenum">
               <a:rPr lang="en-US" smtClean="0"/>
-              <a:t>10</a:t>
+              <a:t>9</a:t>
             </a:fld>
             <a:endParaRPr lang="en-US"/>
           </a:p>
@@ -1166,7 +1558,7 @@
     </p:spTree>
     <p:extLst>
       <p:ext uri="{BB962C8B-B14F-4D97-AF65-F5344CB8AC3E}">
-        <p14:creationId xmlns:p14="http://schemas.microsoft.com/office/powerpoint/2010/main" val="687109330"/>
+        <p14:creationId xmlns:p14="http://schemas.microsoft.com/office/powerpoint/2010/main" val="772324270"/>
       </p:ext>
     </p:extLst>
   </p:cSld>
@@ -1241,7 +1633,7 @@
           <a:p>
             <a:fld id="{4FFF5112-C0DC-42D7-B508-95129FC9A0B9}" type="slidenum">
               <a:rPr lang="en-US" smtClean="0"/>
-              <a:t>11</a:t>
+              <a:t>10</a:t>
             </a:fld>
             <a:endParaRPr lang="en-US"/>
           </a:p>
@@ -1250,7 +1642,7 @@
     </p:spTree>
     <p:extLst>
       <p:ext uri="{BB962C8B-B14F-4D97-AF65-F5344CB8AC3E}">
-        <p14:creationId xmlns:p14="http://schemas.microsoft.com/office/powerpoint/2010/main" val="1640502136"/>
+        <p14:creationId xmlns:p14="http://schemas.microsoft.com/office/powerpoint/2010/main" val="104492415"/>
       </p:ext>
     </p:extLst>
   </p:cSld>
@@ -1325,7 +1717,7 @@
           <a:p>
             <a:fld id="{4FFF5112-C0DC-42D7-B508-95129FC9A0B9}" type="slidenum">
               <a:rPr lang="en-US" smtClean="0"/>
-              <a:t>12</a:t>
+              <a:t>11</a:t>
             </a:fld>
             <a:endParaRPr lang="en-US"/>
           </a:p>
@@ -4585,7 +4977,7 @@
           <a:lstStyle/>
           <a:p>
             <a:r>
-              <a:rPr lang="en-US" altLang="zh-CN" dirty="0" err="1"/>
+              <a:rPr lang="en-US" altLang="zh-CN"/>
               <a:t>Musicode</a:t>
             </a:r>
             <a:endParaRPr lang="en-US" dirty="0"/>
@@ -4622,19 +5014,19 @@
           <a:p>
             <a:pPr algn="r"/>
             <a:r>
-              <a:rPr lang="en-US" altLang="zh-CN" sz="2800" dirty="0"/>
+              <a:rPr lang="en-US" altLang="zh-CN" sz="2800"/>
               <a:t>——</a:t>
             </a:r>
             <a:r>
-              <a:rPr lang="zh-CN" altLang="en-US" sz="2800" dirty="0"/>
+              <a:rPr lang="zh-CN" altLang="en-US" sz="2800"/>
               <a:t>基于 </a:t>
             </a:r>
             <a:r>
-              <a:rPr lang="en-US" altLang="zh-CN" sz="2800" dirty="0"/>
+              <a:rPr lang="en-US" altLang="zh-CN" sz="2800"/>
               <a:t>C </a:t>
             </a:r>
             <a:r>
-              <a:rPr lang="zh-CN" altLang="en-US" sz="2800" dirty="0"/>
+              <a:rPr lang="zh-CN" altLang="en-US" sz="2800"/>
               <a:t>的音乐编程语言 </a:t>
             </a:r>
             <a:endParaRPr lang="en-US" sz="2800" dirty="0"/>
@@ -4670,23 +5062,24 @@
           <a:lstStyle/>
           <a:p>
             <a:r>
-              <a:rPr lang="zh-CN" altLang="en-US" dirty="0"/>
+              <a:rPr lang="zh-CN" altLang="en-US"/>
               <a:t>何逸宸 </a:t>
             </a:r>
             <a:r>
-              <a:rPr lang="en-US" dirty="0"/>
+              <a:rPr lang="en-US"/>
               <a:t>ZY2106342 </a:t>
             </a:r>
           </a:p>
           <a:p>
             <a:r>
-              <a:rPr lang="zh-CN" altLang="en-US" dirty="0"/>
+              <a:rPr lang="zh-CN" altLang="en-US"/>
               <a:t>梁世俊 </a:t>
             </a:r>
             <a:r>
-              <a:rPr lang="en-US" dirty="0"/>
+              <a:rPr lang="en-US"/>
               <a:t>ZY2106323</a:t>
             </a:r>
+            <a:endParaRPr lang="en-US" dirty="0"/>
           </a:p>
         </p:txBody>
       </p:sp>
@@ -4769,7 +5162,7 @@
           <a:p>
             <a:r>
               <a:rPr lang="zh-CN" altLang="en-US" dirty="0"/>
-              <a:t>保留字</a:t>
+              <a:t>新增语言功能</a:t>
             </a:r>
             <a:endParaRPr lang="en-US" dirty="0"/>
           </a:p>
@@ -4777,10 +5170,10 @@
       </p:sp>
       <p:sp>
         <p:nvSpPr>
-          <p:cNvPr id="5" name="TextBox 4">
-            <a:extLst>
-              <a:ext uri="{FF2B5EF4-FFF2-40B4-BE49-F238E27FC236}">
-                <a16:creationId xmlns:a16="http://schemas.microsoft.com/office/drawing/2014/main" id="{B1F8633A-F87B-4C36-9F9A-26CA200EBC46}"/>
+          <p:cNvPr id="6" name="TextBox 5">
+            <a:extLst>
+              <a:ext uri="{FF2B5EF4-FFF2-40B4-BE49-F238E27FC236}">
+                <a16:creationId xmlns:a16="http://schemas.microsoft.com/office/drawing/2014/main" id="{260B4CA1-2706-4310-A54E-5B53BAD22992}"/>
               </a:ext>
             </a:extLst>
           </p:cNvPr>
@@ -4789,8 +5182,8 @@
         </p:nvSpPr>
         <p:spPr>
           <a:xfrm>
-            <a:off x="532638" y="1143197"/>
-            <a:ext cx="3752850" cy="5632311"/>
+            <a:off x="939685" y="3502861"/>
+            <a:ext cx="2981325" cy="1477328"/>
           </a:xfrm>
           <a:prstGeom prst="rect">
             <a:avLst/>
@@ -4798,1971 +5191,247 @@
           <a:noFill/>
         </p:spPr>
         <p:txBody>
-          <a:bodyPr wrap="square">
+          <a:bodyPr wrap="square" rtlCol="0">
             <a:spAutoFit/>
           </a:bodyPr>
           <a:lstStyle/>
           <a:p>
             <a:r>
-              <a:rPr lang="en-US" b="0" dirty="0">
-                <a:solidFill>
-                  <a:srgbClr val="4FC1FF"/>
-                </a:solidFill>
-                <a:effectLst/>
-                <a:latin typeface="Consolas" panose="020B0609020204030204" pitchFamily="49" charset="0"/>
-              </a:rPr>
-              <a:t>INTERVAL</a:t>
-            </a:r>
-            <a:r>
-              <a:rPr lang="en-US" b="0" dirty="0">
-                <a:solidFill>
-                  <a:srgbClr val="D4D4D4"/>
-                </a:solidFill>
-                <a:effectLst/>
-                <a:latin typeface="Consolas" panose="020B0609020204030204" pitchFamily="49" charset="0"/>
-              </a:rPr>
-              <a:t> = {</a:t>
-            </a:r>
-          </a:p>
-          <a:p>
-            <a:r>
-              <a:rPr lang="en-US" b="0" dirty="0">
-                <a:solidFill>
-                  <a:srgbClr val="D4D4D4"/>
-                </a:solidFill>
-                <a:effectLst/>
-                <a:latin typeface="Consolas" panose="020B0609020204030204" pitchFamily="49" charset="0"/>
-              </a:rPr>
-              <a:t>    </a:t>
-            </a:r>
-            <a:r>
-              <a:rPr lang="en-US" b="0" dirty="0">
-                <a:solidFill>
-                  <a:srgbClr val="B5CEA8"/>
-                </a:solidFill>
-                <a:effectLst/>
-                <a:latin typeface="Consolas" panose="020B0609020204030204" pitchFamily="49" charset="0"/>
-              </a:rPr>
-              <a:t>0</a:t>
-            </a:r>
-            <a:r>
-              <a:rPr lang="en-US" b="0" dirty="0">
-                <a:solidFill>
-                  <a:srgbClr val="D4D4D4"/>
-                </a:solidFill>
-                <a:effectLst/>
-                <a:latin typeface="Consolas" panose="020B0609020204030204" pitchFamily="49" charset="0"/>
-              </a:rPr>
-              <a:t>: </a:t>
-            </a:r>
-            <a:r>
-              <a:rPr lang="en-US" b="0" dirty="0">
-                <a:solidFill>
-                  <a:srgbClr val="CE9178"/>
-                </a:solidFill>
-                <a:effectLst/>
-                <a:latin typeface="Consolas" panose="020B0609020204030204" pitchFamily="49" charset="0"/>
-              </a:rPr>
-              <a:t>'perfect unison'</a:t>
-            </a:r>
-            <a:r>
-              <a:rPr lang="en-US" b="0" dirty="0">
-                <a:solidFill>
-                  <a:srgbClr val="D4D4D4"/>
-                </a:solidFill>
-                <a:effectLst/>
-                <a:latin typeface="Consolas" panose="020B0609020204030204" pitchFamily="49" charset="0"/>
-              </a:rPr>
-              <a:t>,</a:t>
-            </a:r>
-          </a:p>
-          <a:p>
-            <a:r>
-              <a:rPr lang="en-US" b="0" dirty="0">
-                <a:solidFill>
-                  <a:srgbClr val="D4D4D4"/>
-                </a:solidFill>
-                <a:effectLst/>
-                <a:latin typeface="Consolas" panose="020B0609020204030204" pitchFamily="49" charset="0"/>
-              </a:rPr>
-              <a:t>    </a:t>
-            </a:r>
-            <a:r>
-              <a:rPr lang="en-US" b="0" dirty="0">
-                <a:solidFill>
-                  <a:srgbClr val="B5CEA8"/>
-                </a:solidFill>
-                <a:effectLst/>
-                <a:latin typeface="Consolas" panose="020B0609020204030204" pitchFamily="49" charset="0"/>
-              </a:rPr>
-              <a:t>1</a:t>
-            </a:r>
-            <a:r>
-              <a:rPr lang="en-US" b="0" dirty="0">
-                <a:solidFill>
-                  <a:srgbClr val="D4D4D4"/>
-                </a:solidFill>
-                <a:effectLst/>
-                <a:latin typeface="Consolas" panose="020B0609020204030204" pitchFamily="49" charset="0"/>
-              </a:rPr>
-              <a:t>: </a:t>
-            </a:r>
-            <a:r>
-              <a:rPr lang="en-US" b="0" dirty="0">
-                <a:solidFill>
-                  <a:srgbClr val="CE9178"/>
-                </a:solidFill>
-                <a:effectLst/>
-                <a:latin typeface="Consolas" panose="020B0609020204030204" pitchFamily="49" charset="0"/>
-              </a:rPr>
-              <a:t>'minor second'</a:t>
-            </a:r>
-            <a:r>
-              <a:rPr lang="en-US" b="0" dirty="0">
-                <a:solidFill>
-                  <a:srgbClr val="D4D4D4"/>
-                </a:solidFill>
-                <a:effectLst/>
-                <a:latin typeface="Consolas" panose="020B0609020204030204" pitchFamily="49" charset="0"/>
-              </a:rPr>
-              <a:t>,</a:t>
-            </a:r>
-          </a:p>
-          <a:p>
-            <a:r>
-              <a:rPr lang="en-US" b="0" dirty="0">
-                <a:solidFill>
-                  <a:srgbClr val="D4D4D4"/>
-                </a:solidFill>
-                <a:effectLst/>
-                <a:latin typeface="Consolas" panose="020B0609020204030204" pitchFamily="49" charset="0"/>
-              </a:rPr>
-              <a:t>    </a:t>
-            </a:r>
-            <a:r>
-              <a:rPr lang="en-US" b="0" dirty="0">
-                <a:solidFill>
-                  <a:srgbClr val="B5CEA8"/>
-                </a:solidFill>
-                <a:effectLst/>
-                <a:latin typeface="Consolas" panose="020B0609020204030204" pitchFamily="49" charset="0"/>
-              </a:rPr>
-              <a:t>2</a:t>
-            </a:r>
-            <a:r>
-              <a:rPr lang="en-US" b="0" dirty="0">
-                <a:solidFill>
-                  <a:srgbClr val="D4D4D4"/>
-                </a:solidFill>
-                <a:effectLst/>
-                <a:latin typeface="Consolas" panose="020B0609020204030204" pitchFamily="49" charset="0"/>
-              </a:rPr>
-              <a:t>: </a:t>
-            </a:r>
-            <a:r>
-              <a:rPr lang="en-US" b="0" dirty="0">
-                <a:solidFill>
-                  <a:srgbClr val="CE9178"/>
-                </a:solidFill>
-                <a:effectLst/>
-                <a:latin typeface="Consolas" panose="020B0609020204030204" pitchFamily="49" charset="0"/>
-              </a:rPr>
-              <a:t>'major second'</a:t>
-            </a:r>
-            <a:r>
-              <a:rPr lang="en-US" b="0" dirty="0">
-                <a:solidFill>
-                  <a:srgbClr val="D4D4D4"/>
-                </a:solidFill>
-                <a:effectLst/>
-                <a:latin typeface="Consolas" panose="020B0609020204030204" pitchFamily="49" charset="0"/>
-              </a:rPr>
-              <a:t>,</a:t>
-            </a:r>
-          </a:p>
-          <a:p>
-            <a:r>
-              <a:rPr lang="en-US" b="0" dirty="0">
-                <a:solidFill>
-                  <a:srgbClr val="D4D4D4"/>
-                </a:solidFill>
-                <a:effectLst/>
-                <a:latin typeface="Consolas" panose="020B0609020204030204" pitchFamily="49" charset="0"/>
-              </a:rPr>
-              <a:t>    </a:t>
-            </a:r>
-            <a:r>
-              <a:rPr lang="en-US" b="0" dirty="0">
-                <a:solidFill>
-                  <a:srgbClr val="B5CEA8"/>
-                </a:solidFill>
-                <a:effectLst/>
-                <a:latin typeface="Consolas" panose="020B0609020204030204" pitchFamily="49" charset="0"/>
-              </a:rPr>
-              <a:t>3</a:t>
-            </a:r>
-            <a:r>
-              <a:rPr lang="en-US" b="0" dirty="0">
-                <a:solidFill>
-                  <a:srgbClr val="D4D4D4"/>
-                </a:solidFill>
-                <a:effectLst/>
-                <a:latin typeface="Consolas" panose="020B0609020204030204" pitchFamily="49" charset="0"/>
-              </a:rPr>
-              <a:t>: </a:t>
-            </a:r>
-            <a:r>
-              <a:rPr lang="en-US" b="0" dirty="0">
-                <a:solidFill>
-                  <a:srgbClr val="CE9178"/>
-                </a:solidFill>
-                <a:effectLst/>
-                <a:latin typeface="Consolas" panose="020B0609020204030204" pitchFamily="49" charset="0"/>
-              </a:rPr>
-              <a:t>'minor third'</a:t>
-            </a:r>
-            <a:r>
-              <a:rPr lang="en-US" b="0" dirty="0">
-                <a:solidFill>
-                  <a:srgbClr val="D4D4D4"/>
-                </a:solidFill>
-                <a:effectLst/>
-                <a:latin typeface="Consolas" panose="020B0609020204030204" pitchFamily="49" charset="0"/>
-              </a:rPr>
-              <a:t>,</a:t>
-            </a:r>
-          </a:p>
-          <a:p>
-            <a:r>
-              <a:rPr lang="en-US" b="0" dirty="0">
-                <a:solidFill>
-                  <a:srgbClr val="D4D4D4"/>
-                </a:solidFill>
-                <a:effectLst/>
-                <a:latin typeface="Consolas" panose="020B0609020204030204" pitchFamily="49" charset="0"/>
-              </a:rPr>
-              <a:t>    </a:t>
-            </a:r>
-            <a:r>
-              <a:rPr lang="en-US" b="0" dirty="0">
-                <a:solidFill>
-                  <a:srgbClr val="B5CEA8"/>
-                </a:solidFill>
-                <a:effectLst/>
-                <a:latin typeface="Consolas" panose="020B0609020204030204" pitchFamily="49" charset="0"/>
-              </a:rPr>
-              <a:t>4</a:t>
-            </a:r>
-            <a:r>
-              <a:rPr lang="en-US" b="0" dirty="0">
-                <a:solidFill>
-                  <a:srgbClr val="D4D4D4"/>
-                </a:solidFill>
-                <a:effectLst/>
-                <a:latin typeface="Consolas" panose="020B0609020204030204" pitchFamily="49" charset="0"/>
-              </a:rPr>
-              <a:t>: </a:t>
-            </a:r>
-            <a:r>
-              <a:rPr lang="en-US" b="0" dirty="0">
-                <a:solidFill>
-                  <a:srgbClr val="CE9178"/>
-                </a:solidFill>
-                <a:effectLst/>
-                <a:latin typeface="Consolas" panose="020B0609020204030204" pitchFamily="49" charset="0"/>
-              </a:rPr>
-              <a:t>'major third'</a:t>
-            </a:r>
-            <a:r>
-              <a:rPr lang="en-US" b="0" dirty="0">
-                <a:solidFill>
-                  <a:srgbClr val="D4D4D4"/>
-                </a:solidFill>
-                <a:effectLst/>
-                <a:latin typeface="Consolas" panose="020B0609020204030204" pitchFamily="49" charset="0"/>
-              </a:rPr>
-              <a:t>,</a:t>
-            </a:r>
-          </a:p>
-          <a:p>
-            <a:r>
-              <a:rPr lang="en-US" b="0" dirty="0">
-                <a:solidFill>
-                  <a:srgbClr val="D4D4D4"/>
-                </a:solidFill>
-                <a:effectLst/>
-                <a:latin typeface="Consolas" panose="020B0609020204030204" pitchFamily="49" charset="0"/>
-              </a:rPr>
-              <a:t>    </a:t>
-            </a:r>
-            <a:r>
-              <a:rPr lang="en-US" b="0" dirty="0">
-                <a:solidFill>
-                  <a:srgbClr val="B5CEA8"/>
-                </a:solidFill>
-                <a:effectLst/>
-                <a:latin typeface="Consolas" panose="020B0609020204030204" pitchFamily="49" charset="0"/>
-              </a:rPr>
-              <a:t>5</a:t>
-            </a:r>
-            <a:r>
-              <a:rPr lang="en-US" b="0" dirty="0">
-                <a:solidFill>
-                  <a:srgbClr val="D4D4D4"/>
-                </a:solidFill>
-                <a:effectLst/>
-                <a:latin typeface="Consolas" panose="020B0609020204030204" pitchFamily="49" charset="0"/>
-              </a:rPr>
-              <a:t>: </a:t>
-            </a:r>
-            <a:r>
-              <a:rPr lang="en-US" b="0" dirty="0">
-                <a:solidFill>
-                  <a:srgbClr val="CE9178"/>
-                </a:solidFill>
-                <a:effectLst/>
-                <a:latin typeface="Consolas" panose="020B0609020204030204" pitchFamily="49" charset="0"/>
-              </a:rPr>
-              <a:t>'perfect fourth'</a:t>
-            </a:r>
-            <a:r>
-              <a:rPr lang="en-US" b="0" dirty="0">
-                <a:solidFill>
-                  <a:srgbClr val="D4D4D4"/>
-                </a:solidFill>
-                <a:effectLst/>
-                <a:latin typeface="Consolas" panose="020B0609020204030204" pitchFamily="49" charset="0"/>
-              </a:rPr>
-              <a:t>,</a:t>
-            </a:r>
-          </a:p>
-          <a:p>
-            <a:r>
-              <a:rPr lang="en-US" b="0" dirty="0">
-                <a:solidFill>
-                  <a:srgbClr val="D4D4D4"/>
-                </a:solidFill>
-                <a:effectLst/>
-                <a:latin typeface="Consolas" panose="020B0609020204030204" pitchFamily="49" charset="0"/>
-              </a:rPr>
-              <a:t>    </a:t>
-            </a:r>
-            <a:r>
-              <a:rPr lang="en-US" b="0" dirty="0">
-                <a:solidFill>
-                  <a:srgbClr val="B5CEA8"/>
-                </a:solidFill>
-                <a:effectLst/>
-                <a:latin typeface="Consolas" panose="020B0609020204030204" pitchFamily="49" charset="0"/>
-              </a:rPr>
-              <a:t>6</a:t>
-            </a:r>
-            <a:r>
-              <a:rPr lang="en-US" b="0" dirty="0">
-                <a:solidFill>
-                  <a:srgbClr val="D4D4D4"/>
-                </a:solidFill>
-                <a:effectLst/>
-                <a:latin typeface="Consolas" panose="020B0609020204030204" pitchFamily="49" charset="0"/>
-              </a:rPr>
-              <a:t>: </a:t>
-            </a:r>
-            <a:r>
-              <a:rPr lang="en-US" b="0" dirty="0">
-                <a:solidFill>
-                  <a:srgbClr val="CE9178"/>
-                </a:solidFill>
-                <a:effectLst/>
-                <a:latin typeface="Consolas" panose="020B0609020204030204" pitchFamily="49" charset="0"/>
-              </a:rPr>
-              <a:t>'diminished fifth'</a:t>
-            </a:r>
-            <a:r>
-              <a:rPr lang="en-US" b="0" dirty="0">
-                <a:solidFill>
-                  <a:srgbClr val="D4D4D4"/>
-                </a:solidFill>
-                <a:effectLst/>
-                <a:latin typeface="Consolas" panose="020B0609020204030204" pitchFamily="49" charset="0"/>
-              </a:rPr>
-              <a:t>,</a:t>
-            </a:r>
-          </a:p>
-          <a:p>
-            <a:r>
-              <a:rPr lang="en-US" b="0" dirty="0">
-                <a:solidFill>
-                  <a:srgbClr val="D4D4D4"/>
-                </a:solidFill>
-                <a:effectLst/>
-                <a:latin typeface="Consolas" panose="020B0609020204030204" pitchFamily="49" charset="0"/>
-              </a:rPr>
-              <a:t>    </a:t>
-            </a:r>
-            <a:r>
-              <a:rPr lang="en-US" b="0" dirty="0">
-                <a:solidFill>
-                  <a:srgbClr val="B5CEA8"/>
-                </a:solidFill>
-                <a:effectLst/>
-                <a:latin typeface="Consolas" panose="020B0609020204030204" pitchFamily="49" charset="0"/>
-              </a:rPr>
-              <a:t>7</a:t>
-            </a:r>
-            <a:r>
-              <a:rPr lang="en-US" b="0" dirty="0">
-                <a:solidFill>
-                  <a:srgbClr val="D4D4D4"/>
-                </a:solidFill>
-                <a:effectLst/>
-                <a:latin typeface="Consolas" panose="020B0609020204030204" pitchFamily="49" charset="0"/>
-              </a:rPr>
-              <a:t>: </a:t>
-            </a:r>
-            <a:r>
-              <a:rPr lang="en-US" b="0" dirty="0">
-                <a:solidFill>
-                  <a:srgbClr val="CE9178"/>
-                </a:solidFill>
-                <a:effectLst/>
-                <a:latin typeface="Consolas" panose="020B0609020204030204" pitchFamily="49" charset="0"/>
-              </a:rPr>
-              <a:t>'perfect fifth'</a:t>
-            </a:r>
-            <a:r>
-              <a:rPr lang="en-US" b="0" dirty="0">
-                <a:solidFill>
-                  <a:srgbClr val="D4D4D4"/>
-                </a:solidFill>
-                <a:effectLst/>
-                <a:latin typeface="Consolas" panose="020B0609020204030204" pitchFamily="49" charset="0"/>
-              </a:rPr>
-              <a:t>,</a:t>
-            </a:r>
-          </a:p>
-          <a:p>
-            <a:r>
-              <a:rPr lang="en-US" b="0" dirty="0">
-                <a:solidFill>
-                  <a:srgbClr val="D4D4D4"/>
-                </a:solidFill>
-                <a:effectLst/>
-                <a:latin typeface="Consolas" panose="020B0609020204030204" pitchFamily="49" charset="0"/>
-              </a:rPr>
-              <a:t>    </a:t>
-            </a:r>
-            <a:r>
-              <a:rPr lang="en-US" b="0" dirty="0">
-                <a:solidFill>
-                  <a:srgbClr val="B5CEA8"/>
-                </a:solidFill>
-                <a:effectLst/>
-                <a:latin typeface="Consolas" panose="020B0609020204030204" pitchFamily="49" charset="0"/>
-              </a:rPr>
-              <a:t>8</a:t>
-            </a:r>
-            <a:r>
-              <a:rPr lang="en-US" b="0" dirty="0">
-                <a:solidFill>
-                  <a:srgbClr val="D4D4D4"/>
-                </a:solidFill>
-                <a:effectLst/>
-                <a:latin typeface="Consolas" panose="020B0609020204030204" pitchFamily="49" charset="0"/>
-              </a:rPr>
-              <a:t>: </a:t>
-            </a:r>
-            <a:r>
-              <a:rPr lang="en-US" b="0" dirty="0">
-                <a:solidFill>
-                  <a:srgbClr val="CE9178"/>
-                </a:solidFill>
-                <a:effectLst/>
-                <a:latin typeface="Consolas" panose="020B0609020204030204" pitchFamily="49" charset="0"/>
-              </a:rPr>
-              <a:t>'minor sixth'</a:t>
-            </a:r>
-            <a:r>
-              <a:rPr lang="en-US" b="0" dirty="0">
-                <a:solidFill>
-                  <a:srgbClr val="D4D4D4"/>
-                </a:solidFill>
-                <a:effectLst/>
-                <a:latin typeface="Consolas" panose="020B0609020204030204" pitchFamily="49" charset="0"/>
-              </a:rPr>
-              <a:t>,</a:t>
-            </a:r>
-          </a:p>
-          <a:p>
-            <a:r>
-              <a:rPr lang="en-US" b="0" dirty="0">
-                <a:solidFill>
-                  <a:srgbClr val="D4D4D4"/>
-                </a:solidFill>
-                <a:effectLst/>
-                <a:latin typeface="Consolas" panose="020B0609020204030204" pitchFamily="49" charset="0"/>
-              </a:rPr>
-              <a:t>    </a:t>
-            </a:r>
-            <a:r>
-              <a:rPr lang="en-US" b="0" dirty="0">
-                <a:solidFill>
-                  <a:srgbClr val="B5CEA8"/>
-                </a:solidFill>
-                <a:effectLst/>
-                <a:latin typeface="Consolas" panose="020B0609020204030204" pitchFamily="49" charset="0"/>
-              </a:rPr>
-              <a:t>9</a:t>
-            </a:r>
-            <a:r>
-              <a:rPr lang="en-US" b="0" dirty="0">
-                <a:solidFill>
-                  <a:srgbClr val="D4D4D4"/>
-                </a:solidFill>
-                <a:effectLst/>
-                <a:latin typeface="Consolas" panose="020B0609020204030204" pitchFamily="49" charset="0"/>
-              </a:rPr>
-              <a:t>: </a:t>
-            </a:r>
-            <a:r>
-              <a:rPr lang="en-US" b="0" dirty="0">
-                <a:solidFill>
-                  <a:srgbClr val="CE9178"/>
-                </a:solidFill>
-                <a:effectLst/>
-                <a:latin typeface="Consolas" panose="020B0609020204030204" pitchFamily="49" charset="0"/>
-              </a:rPr>
-              <a:t>'major sixth'</a:t>
-            </a:r>
-            <a:r>
-              <a:rPr lang="en-US" b="0" dirty="0">
-                <a:solidFill>
-                  <a:srgbClr val="D4D4D4"/>
-                </a:solidFill>
-                <a:effectLst/>
-                <a:latin typeface="Consolas" panose="020B0609020204030204" pitchFamily="49" charset="0"/>
-              </a:rPr>
-              <a:t>,</a:t>
-            </a:r>
-          </a:p>
-          <a:p>
-            <a:r>
-              <a:rPr lang="en-US" b="0" dirty="0">
-                <a:solidFill>
-                  <a:srgbClr val="D4D4D4"/>
-                </a:solidFill>
-                <a:effectLst/>
-                <a:latin typeface="Consolas" panose="020B0609020204030204" pitchFamily="49" charset="0"/>
-              </a:rPr>
-              <a:t>    </a:t>
-            </a:r>
-            <a:r>
-              <a:rPr lang="en-US" b="0" dirty="0">
-                <a:solidFill>
-                  <a:srgbClr val="B5CEA8"/>
-                </a:solidFill>
-                <a:effectLst/>
-                <a:latin typeface="Consolas" panose="020B0609020204030204" pitchFamily="49" charset="0"/>
-              </a:rPr>
-              <a:t>10</a:t>
-            </a:r>
-            <a:r>
-              <a:rPr lang="en-US" b="0" dirty="0">
-                <a:solidFill>
-                  <a:srgbClr val="D4D4D4"/>
-                </a:solidFill>
-                <a:effectLst/>
-                <a:latin typeface="Consolas" panose="020B0609020204030204" pitchFamily="49" charset="0"/>
-              </a:rPr>
-              <a:t>: </a:t>
-            </a:r>
-            <a:r>
-              <a:rPr lang="en-US" b="0" dirty="0">
-                <a:solidFill>
-                  <a:srgbClr val="CE9178"/>
-                </a:solidFill>
-                <a:effectLst/>
-                <a:latin typeface="Consolas" panose="020B0609020204030204" pitchFamily="49" charset="0"/>
-              </a:rPr>
-              <a:t>'minor seventh'</a:t>
-            </a:r>
-            <a:r>
-              <a:rPr lang="en-US" b="0" dirty="0">
-                <a:solidFill>
-                  <a:srgbClr val="D4D4D4"/>
-                </a:solidFill>
-                <a:effectLst/>
-                <a:latin typeface="Consolas" panose="020B0609020204030204" pitchFamily="49" charset="0"/>
-              </a:rPr>
-              <a:t>,</a:t>
-            </a:r>
-          </a:p>
-          <a:p>
-            <a:r>
-              <a:rPr lang="en-US" b="0" dirty="0">
-                <a:solidFill>
-                  <a:srgbClr val="D4D4D4"/>
-                </a:solidFill>
-                <a:effectLst/>
-                <a:latin typeface="Consolas" panose="020B0609020204030204" pitchFamily="49" charset="0"/>
-              </a:rPr>
-              <a:t>    </a:t>
-            </a:r>
-            <a:r>
-              <a:rPr lang="en-US" b="0" dirty="0">
-                <a:solidFill>
-                  <a:srgbClr val="B5CEA8"/>
-                </a:solidFill>
-                <a:effectLst/>
-                <a:latin typeface="Consolas" panose="020B0609020204030204" pitchFamily="49" charset="0"/>
-              </a:rPr>
-              <a:t>11</a:t>
-            </a:r>
-            <a:r>
-              <a:rPr lang="en-US" b="0" dirty="0">
-                <a:solidFill>
-                  <a:srgbClr val="D4D4D4"/>
-                </a:solidFill>
-                <a:effectLst/>
-                <a:latin typeface="Consolas" panose="020B0609020204030204" pitchFamily="49" charset="0"/>
-              </a:rPr>
-              <a:t>: </a:t>
-            </a:r>
-            <a:r>
-              <a:rPr lang="en-US" b="0" dirty="0">
-                <a:solidFill>
-                  <a:srgbClr val="CE9178"/>
-                </a:solidFill>
-                <a:effectLst/>
-                <a:latin typeface="Consolas" panose="020B0609020204030204" pitchFamily="49" charset="0"/>
-              </a:rPr>
-              <a:t>'major seventh'</a:t>
-            </a:r>
-            <a:r>
-              <a:rPr lang="en-US" b="0" dirty="0">
-                <a:solidFill>
-                  <a:srgbClr val="D4D4D4"/>
-                </a:solidFill>
-                <a:effectLst/>
-                <a:latin typeface="Consolas" panose="020B0609020204030204" pitchFamily="49" charset="0"/>
-              </a:rPr>
-              <a:t>,</a:t>
-            </a:r>
-          </a:p>
-          <a:p>
-            <a:r>
-              <a:rPr lang="en-US" b="0" dirty="0">
-                <a:solidFill>
-                  <a:srgbClr val="D4D4D4"/>
-                </a:solidFill>
-                <a:effectLst/>
-                <a:latin typeface="Consolas" panose="020B0609020204030204" pitchFamily="49" charset="0"/>
-              </a:rPr>
-              <a:t>    </a:t>
-            </a:r>
-            <a:r>
-              <a:rPr lang="en-US" b="0" dirty="0">
-                <a:solidFill>
-                  <a:srgbClr val="B5CEA8"/>
-                </a:solidFill>
-                <a:effectLst/>
-                <a:latin typeface="Consolas" panose="020B0609020204030204" pitchFamily="49" charset="0"/>
-              </a:rPr>
-              <a:t>12</a:t>
-            </a:r>
-            <a:r>
-              <a:rPr lang="en-US" b="0" dirty="0">
-                <a:solidFill>
-                  <a:srgbClr val="D4D4D4"/>
-                </a:solidFill>
-                <a:effectLst/>
-                <a:latin typeface="Consolas" panose="020B0609020204030204" pitchFamily="49" charset="0"/>
-              </a:rPr>
-              <a:t>: </a:t>
-            </a:r>
-            <a:r>
-              <a:rPr lang="en-US" b="0" dirty="0">
-                <a:solidFill>
-                  <a:srgbClr val="CE9178"/>
-                </a:solidFill>
-                <a:effectLst/>
-                <a:latin typeface="Consolas" panose="020B0609020204030204" pitchFamily="49" charset="0"/>
-              </a:rPr>
-              <a:t>'perfect octave'</a:t>
-            </a:r>
-            <a:r>
-              <a:rPr lang="en-US" b="0" dirty="0">
-                <a:solidFill>
-                  <a:srgbClr val="D4D4D4"/>
-                </a:solidFill>
-                <a:effectLst/>
-                <a:latin typeface="Consolas" panose="020B0609020204030204" pitchFamily="49" charset="0"/>
-              </a:rPr>
-              <a:t>,</a:t>
-            </a:r>
-          </a:p>
-          <a:p>
-            <a:r>
-              <a:rPr lang="en-US" b="0" dirty="0">
-                <a:solidFill>
-                  <a:srgbClr val="D4D4D4"/>
-                </a:solidFill>
-                <a:effectLst/>
-                <a:latin typeface="Consolas" panose="020B0609020204030204" pitchFamily="49" charset="0"/>
-              </a:rPr>
-              <a:t>    </a:t>
-            </a:r>
-            <a:r>
-              <a:rPr lang="en-US" b="0" dirty="0">
-                <a:solidFill>
-                  <a:srgbClr val="B5CEA8"/>
-                </a:solidFill>
-                <a:effectLst/>
-                <a:latin typeface="Consolas" panose="020B0609020204030204" pitchFamily="49" charset="0"/>
-              </a:rPr>
-              <a:t>13</a:t>
-            </a:r>
-            <a:r>
-              <a:rPr lang="en-US" b="0" dirty="0">
-                <a:solidFill>
-                  <a:srgbClr val="D4D4D4"/>
-                </a:solidFill>
-                <a:effectLst/>
-                <a:latin typeface="Consolas" panose="020B0609020204030204" pitchFamily="49" charset="0"/>
-              </a:rPr>
-              <a:t>: </a:t>
-            </a:r>
-            <a:r>
-              <a:rPr lang="en-US" b="0" dirty="0">
-                <a:solidFill>
-                  <a:srgbClr val="CE9178"/>
-                </a:solidFill>
-                <a:effectLst/>
-                <a:latin typeface="Consolas" panose="020B0609020204030204" pitchFamily="49" charset="0"/>
-              </a:rPr>
-              <a:t>'minor ninth'</a:t>
-            </a:r>
-            <a:r>
-              <a:rPr lang="en-US" b="0" dirty="0">
-                <a:solidFill>
-                  <a:srgbClr val="D4D4D4"/>
-                </a:solidFill>
-                <a:effectLst/>
-                <a:latin typeface="Consolas" panose="020B0609020204030204" pitchFamily="49" charset="0"/>
-              </a:rPr>
-              <a:t>,</a:t>
-            </a:r>
-          </a:p>
-          <a:p>
-            <a:r>
-              <a:rPr lang="en-US" b="0" dirty="0">
-                <a:solidFill>
-                  <a:srgbClr val="D4D4D4"/>
-                </a:solidFill>
-                <a:effectLst/>
-                <a:latin typeface="Consolas" panose="020B0609020204030204" pitchFamily="49" charset="0"/>
-              </a:rPr>
-              <a:t>    </a:t>
-            </a:r>
-            <a:r>
-              <a:rPr lang="en-US" b="0" dirty="0">
-                <a:solidFill>
-                  <a:srgbClr val="B5CEA8"/>
-                </a:solidFill>
-                <a:effectLst/>
-                <a:latin typeface="Consolas" panose="020B0609020204030204" pitchFamily="49" charset="0"/>
-              </a:rPr>
-              <a:t>14</a:t>
-            </a:r>
-            <a:r>
-              <a:rPr lang="en-US" b="0" dirty="0">
-                <a:solidFill>
-                  <a:srgbClr val="D4D4D4"/>
-                </a:solidFill>
-                <a:effectLst/>
-                <a:latin typeface="Consolas" panose="020B0609020204030204" pitchFamily="49" charset="0"/>
-              </a:rPr>
-              <a:t>: </a:t>
-            </a:r>
-            <a:r>
-              <a:rPr lang="en-US" b="0" dirty="0">
-                <a:solidFill>
-                  <a:srgbClr val="CE9178"/>
-                </a:solidFill>
-                <a:effectLst/>
-                <a:latin typeface="Consolas" panose="020B0609020204030204" pitchFamily="49" charset="0"/>
-              </a:rPr>
-              <a:t>'major ninth'</a:t>
-            </a:r>
-            <a:r>
-              <a:rPr lang="en-US" b="0" dirty="0">
-                <a:solidFill>
-                  <a:srgbClr val="D4D4D4"/>
-                </a:solidFill>
-                <a:effectLst/>
-                <a:latin typeface="Consolas" panose="020B0609020204030204" pitchFamily="49" charset="0"/>
-              </a:rPr>
-              <a:t>,</a:t>
-            </a:r>
-          </a:p>
-          <a:p>
-            <a:r>
-              <a:rPr lang="en-US" b="0" dirty="0">
-                <a:solidFill>
-                  <a:srgbClr val="D4D4D4"/>
-                </a:solidFill>
-                <a:effectLst/>
-                <a:latin typeface="Consolas" panose="020B0609020204030204" pitchFamily="49" charset="0"/>
-              </a:rPr>
-              <a:t>    </a:t>
-            </a:r>
-            <a:r>
-              <a:rPr lang="en-US" b="0" dirty="0">
-                <a:solidFill>
-                  <a:srgbClr val="B5CEA8"/>
-                </a:solidFill>
-                <a:effectLst/>
-                <a:latin typeface="Consolas" panose="020B0609020204030204" pitchFamily="49" charset="0"/>
-              </a:rPr>
-              <a:t>17</a:t>
-            </a:r>
-            <a:r>
-              <a:rPr lang="en-US" b="0" dirty="0">
-                <a:solidFill>
-                  <a:srgbClr val="D4D4D4"/>
-                </a:solidFill>
-                <a:effectLst/>
-                <a:latin typeface="Consolas" panose="020B0609020204030204" pitchFamily="49" charset="0"/>
-              </a:rPr>
-              <a:t>: </a:t>
-            </a:r>
-            <a:r>
-              <a:rPr lang="en-US" b="0" dirty="0">
-                <a:solidFill>
-                  <a:srgbClr val="CE9178"/>
-                </a:solidFill>
-                <a:effectLst/>
-                <a:latin typeface="Consolas" panose="020B0609020204030204" pitchFamily="49" charset="0"/>
-              </a:rPr>
-              <a:t>'perfect eleventh'</a:t>
-            </a:r>
-            <a:r>
-              <a:rPr lang="en-US" b="0" dirty="0">
-                <a:solidFill>
-                  <a:srgbClr val="D4D4D4"/>
-                </a:solidFill>
-                <a:effectLst/>
-                <a:latin typeface="Consolas" panose="020B0609020204030204" pitchFamily="49" charset="0"/>
-              </a:rPr>
-              <a:t>,</a:t>
-            </a:r>
-          </a:p>
-          <a:p>
-            <a:r>
-              <a:rPr lang="en-US" b="0" dirty="0">
-                <a:solidFill>
-                  <a:srgbClr val="D4D4D4"/>
-                </a:solidFill>
-                <a:effectLst/>
-                <a:latin typeface="Consolas" panose="020B0609020204030204" pitchFamily="49" charset="0"/>
-              </a:rPr>
-              <a:t>    </a:t>
-            </a:r>
-            <a:r>
-              <a:rPr lang="en-US" b="0" dirty="0">
-                <a:solidFill>
-                  <a:srgbClr val="B5CEA8"/>
-                </a:solidFill>
-                <a:effectLst/>
-                <a:latin typeface="Consolas" panose="020B0609020204030204" pitchFamily="49" charset="0"/>
-              </a:rPr>
-              <a:t>20</a:t>
-            </a:r>
-            <a:r>
-              <a:rPr lang="en-US" b="0" dirty="0">
-                <a:solidFill>
-                  <a:srgbClr val="D4D4D4"/>
-                </a:solidFill>
-                <a:effectLst/>
-                <a:latin typeface="Consolas" panose="020B0609020204030204" pitchFamily="49" charset="0"/>
-              </a:rPr>
-              <a:t>: </a:t>
-            </a:r>
-            <a:r>
-              <a:rPr lang="en-US" b="0" dirty="0">
-                <a:solidFill>
-                  <a:srgbClr val="CE9178"/>
-                </a:solidFill>
-                <a:effectLst/>
-                <a:latin typeface="Consolas" panose="020B0609020204030204" pitchFamily="49" charset="0"/>
-              </a:rPr>
-              <a:t>'minor thirteenth'</a:t>
-            </a:r>
-            <a:r>
-              <a:rPr lang="en-US" b="0" dirty="0">
-                <a:solidFill>
-                  <a:srgbClr val="D4D4D4"/>
-                </a:solidFill>
-                <a:effectLst/>
-                <a:latin typeface="Consolas" panose="020B0609020204030204" pitchFamily="49" charset="0"/>
-              </a:rPr>
-              <a:t>,</a:t>
-            </a:r>
-          </a:p>
-          <a:p>
-            <a:r>
-              <a:rPr lang="en-US" b="0" dirty="0">
-                <a:solidFill>
-                  <a:srgbClr val="D4D4D4"/>
-                </a:solidFill>
-                <a:effectLst/>
-                <a:latin typeface="Consolas" panose="020B0609020204030204" pitchFamily="49" charset="0"/>
-              </a:rPr>
-              <a:t>    </a:t>
-            </a:r>
-            <a:r>
-              <a:rPr lang="en-US" b="0" dirty="0">
-                <a:solidFill>
-                  <a:srgbClr val="B5CEA8"/>
-                </a:solidFill>
-                <a:effectLst/>
-                <a:latin typeface="Consolas" panose="020B0609020204030204" pitchFamily="49" charset="0"/>
-              </a:rPr>
-              <a:t>21</a:t>
-            </a:r>
-            <a:r>
-              <a:rPr lang="en-US" b="0" dirty="0">
-                <a:solidFill>
-                  <a:srgbClr val="D4D4D4"/>
-                </a:solidFill>
-                <a:effectLst/>
-                <a:latin typeface="Consolas" panose="020B0609020204030204" pitchFamily="49" charset="0"/>
-              </a:rPr>
-              <a:t>: </a:t>
-            </a:r>
-            <a:r>
-              <a:rPr lang="en-US" b="0" dirty="0">
-                <a:solidFill>
-                  <a:srgbClr val="CE9178"/>
-                </a:solidFill>
-                <a:effectLst/>
-                <a:latin typeface="Consolas" panose="020B0609020204030204" pitchFamily="49" charset="0"/>
-              </a:rPr>
-              <a:t>'major thirteenth'</a:t>
-            </a:r>
-            <a:endParaRPr lang="en-US" b="0" dirty="0">
-              <a:solidFill>
-                <a:srgbClr val="D4D4D4"/>
-              </a:solidFill>
-              <a:effectLst/>
-              <a:latin typeface="Consolas" panose="020B0609020204030204" pitchFamily="49" charset="0"/>
-            </a:endParaRPr>
-          </a:p>
-          <a:p>
-            <a:r>
-              <a:rPr lang="en-US" b="0" dirty="0">
-                <a:solidFill>
-                  <a:srgbClr val="D4D4D4"/>
-                </a:solidFill>
-                <a:effectLst/>
-                <a:latin typeface="Consolas" panose="020B0609020204030204" pitchFamily="49" charset="0"/>
-              </a:rPr>
-              <a:t>}</a:t>
-            </a:r>
-          </a:p>
-        </p:txBody>
-      </p:sp>
-      <p:sp>
-        <p:nvSpPr>
-          <p:cNvPr id="7" name="TextBox 6">
-            <a:extLst>
-              <a:ext uri="{FF2B5EF4-FFF2-40B4-BE49-F238E27FC236}">
-                <a16:creationId xmlns:a16="http://schemas.microsoft.com/office/drawing/2014/main" id="{45970BE8-668F-469E-B025-B5BC16DF7338}"/>
-              </a:ext>
-            </a:extLst>
-          </p:cNvPr>
-          <p:cNvSpPr txBox="1"/>
+              <a:rPr lang="en-US" dirty="0">
+                <a:latin typeface="Courier New" panose="02070309020205020404" pitchFamily="49" charset="0"/>
+                <a:cs typeface="Courier New" panose="02070309020205020404" pitchFamily="49" charset="0"/>
+              </a:rPr>
+              <a:t>chord C = “C”;</a:t>
+            </a:r>
+          </a:p>
+          <a:p>
+            <a:r>
+              <a:rPr lang="en-US" dirty="0">
+                <a:latin typeface="Courier New" panose="02070309020205020404" pitchFamily="49" charset="0"/>
+                <a:cs typeface="Courier New" panose="02070309020205020404" pitchFamily="49" charset="0"/>
+              </a:rPr>
+              <a:t>C = C @ {1, 2, 3};</a:t>
+            </a:r>
+          </a:p>
+          <a:p>
+            <a:r>
+              <a:rPr lang="en-US" dirty="0">
+                <a:latin typeface="Courier New" panose="02070309020205020404" pitchFamily="49" charset="0"/>
+                <a:cs typeface="Courier New" panose="02070309020205020404" pitchFamily="49" charset="0"/>
+              </a:rPr>
+              <a:t>score(C);</a:t>
+            </a:r>
+          </a:p>
+          <a:p>
+            <a:r>
+              <a:rPr lang="en-US" dirty="0">
+                <a:latin typeface="Courier New" panose="02070309020205020404" pitchFamily="49" charset="0"/>
+                <a:cs typeface="Courier New" panose="02070309020205020404" pitchFamily="49" charset="0"/>
+              </a:rPr>
+              <a:t>C = C / 2;</a:t>
+            </a:r>
+          </a:p>
+          <a:p>
+            <a:r>
+              <a:rPr lang="en-US" dirty="0">
+                <a:latin typeface="Courier New" panose="02070309020205020404" pitchFamily="49" charset="0"/>
+                <a:cs typeface="Courier New" panose="02070309020205020404" pitchFamily="49" charset="0"/>
+              </a:rPr>
+              <a:t>score(C);</a:t>
+            </a:r>
+          </a:p>
+        </p:txBody>
+      </p:sp>
+      <p:pic>
+        <p:nvPicPr>
+          <p:cNvPr id="7" name="Picture 6" descr="A picture containing chart&#10;&#10;Description automatically generated">
+            <a:extLst>
+              <a:ext uri="{FF2B5EF4-FFF2-40B4-BE49-F238E27FC236}">
+                <a16:creationId xmlns:a16="http://schemas.microsoft.com/office/drawing/2014/main" id="{81BF4C51-3FC7-4AB6-8097-B1031EC6ABEE}"/>
+              </a:ext>
+            </a:extLst>
+          </p:cNvPr>
+          <p:cNvPicPr>
+            <a:picLocks noChangeAspect="1"/>
+          </p:cNvPicPr>
           <p:nvPr/>
-        </p:nvSpPr>
+        </p:nvPicPr>
+        <p:blipFill>
+          <a:blip r:embed="rId3">
+            <a:extLst>
+              <a:ext uri="{28A0092B-C50C-407E-A947-70E740481C1C}">
+                <a14:useLocalDpi xmlns:a14="http://schemas.microsoft.com/office/drawing/2010/main" val="0"/>
+              </a:ext>
+            </a:extLst>
+          </a:blip>
+          <a:stretch>
+            <a:fillRect/>
+          </a:stretch>
+        </p:blipFill>
         <p:spPr>
           <a:xfrm>
-            <a:off x="4062222" y="1143197"/>
-            <a:ext cx="1917954" cy="5355312"/>
+            <a:off x="4153792" y="3309541"/>
+            <a:ext cx="2028825" cy="1028700"/>
           </a:xfrm>
           <a:prstGeom prst="rect">
             <a:avLst/>
           </a:prstGeom>
-          <a:noFill/>
         </p:spPr>
-        <p:txBody>
-          <a:bodyPr wrap="square">
-            <a:spAutoFit/>
-          </a:bodyPr>
-          <a:lstStyle/>
-          <a:p>
-            <a:r>
-              <a:rPr lang="en-US" b="0" dirty="0">
-                <a:solidFill>
-                  <a:srgbClr val="9CDCFE"/>
-                </a:solidFill>
-                <a:effectLst/>
-                <a:latin typeface="Consolas" panose="020B0609020204030204" pitchFamily="49" charset="0"/>
-              </a:rPr>
-              <a:t>standard</a:t>
-            </a:r>
-            <a:r>
-              <a:rPr lang="en-US" b="0" dirty="0">
-                <a:solidFill>
-                  <a:srgbClr val="D4D4D4"/>
-                </a:solidFill>
-                <a:effectLst/>
-                <a:latin typeface="Consolas" panose="020B0609020204030204" pitchFamily="49" charset="0"/>
-              </a:rPr>
-              <a:t> = {</a:t>
-            </a:r>
-          </a:p>
-          <a:p>
-            <a:r>
-              <a:rPr lang="en-US" b="0" dirty="0">
-                <a:solidFill>
-                  <a:srgbClr val="D4D4D4"/>
-                </a:solidFill>
-                <a:effectLst/>
-                <a:latin typeface="Consolas" panose="020B0609020204030204" pitchFamily="49" charset="0"/>
-              </a:rPr>
-              <a:t>    </a:t>
-            </a:r>
-            <a:r>
-              <a:rPr lang="en-US" b="0" dirty="0">
-                <a:solidFill>
-                  <a:srgbClr val="CE9178"/>
-                </a:solidFill>
-                <a:effectLst/>
-                <a:latin typeface="Consolas" panose="020B0609020204030204" pitchFamily="49" charset="0"/>
-              </a:rPr>
-              <a:t>'C'</a:t>
-            </a:r>
-            <a:r>
-              <a:rPr lang="en-US" b="0" dirty="0">
-                <a:solidFill>
-                  <a:srgbClr val="D4D4D4"/>
-                </a:solidFill>
-                <a:effectLst/>
-                <a:latin typeface="Consolas" panose="020B0609020204030204" pitchFamily="49" charset="0"/>
-              </a:rPr>
-              <a:t>: </a:t>
-            </a:r>
-            <a:r>
-              <a:rPr lang="en-US" b="0" dirty="0">
-                <a:solidFill>
-                  <a:srgbClr val="B5CEA8"/>
-                </a:solidFill>
-                <a:effectLst/>
-                <a:latin typeface="Consolas" panose="020B0609020204030204" pitchFamily="49" charset="0"/>
-              </a:rPr>
-              <a:t>0</a:t>
-            </a:r>
-            <a:r>
-              <a:rPr lang="en-US" b="0" dirty="0">
-                <a:solidFill>
-                  <a:srgbClr val="D4D4D4"/>
-                </a:solidFill>
-                <a:effectLst/>
-                <a:latin typeface="Consolas" panose="020B0609020204030204" pitchFamily="49" charset="0"/>
-              </a:rPr>
-              <a:t>,</a:t>
-            </a:r>
-          </a:p>
-          <a:p>
-            <a:r>
-              <a:rPr lang="en-US" b="0" dirty="0">
-                <a:solidFill>
-                  <a:srgbClr val="D4D4D4"/>
-                </a:solidFill>
-                <a:effectLst/>
-                <a:latin typeface="Consolas" panose="020B0609020204030204" pitchFamily="49" charset="0"/>
-              </a:rPr>
-              <a:t>    </a:t>
-            </a:r>
-            <a:r>
-              <a:rPr lang="en-US" b="0" dirty="0">
-                <a:solidFill>
-                  <a:srgbClr val="CE9178"/>
-                </a:solidFill>
-                <a:effectLst/>
-                <a:latin typeface="Consolas" panose="020B0609020204030204" pitchFamily="49" charset="0"/>
-              </a:rPr>
-              <a:t>'C#'</a:t>
-            </a:r>
-            <a:r>
-              <a:rPr lang="en-US" b="0" dirty="0">
-                <a:solidFill>
-                  <a:srgbClr val="D4D4D4"/>
-                </a:solidFill>
-                <a:effectLst/>
-                <a:latin typeface="Consolas" panose="020B0609020204030204" pitchFamily="49" charset="0"/>
-              </a:rPr>
-              <a:t>: </a:t>
-            </a:r>
-            <a:r>
-              <a:rPr lang="en-US" b="0" dirty="0">
-                <a:solidFill>
-                  <a:srgbClr val="B5CEA8"/>
-                </a:solidFill>
-                <a:effectLst/>
-                <a:latin typeface="Consolas" panose="020B0609020204030204" pitchFamily="49" charset="0"/>
-              </a:rPr>
-              <a:t>1</a:t>
-            </a:r>
-            <a:r>
-              <a:rPr lang="en-US" b="0" dirty="0">
-                <a:solidFill>
-                  <a:srgbClr val="D4D4D4"/>
-                </a:solidFill>
-                <a:effectLst/>
-                <a:latin typeface="Consolas" panose="020B0609020204030204" pitchFamily="49" charset="0"/>
-              </a:rPr>
-              <a:t>,</a:t>
-            </a:r>
-          </a:p>
-          <a:p>
-            <a:r>
-              <a:rPr lang="en-US" b="0" dirty="0">
-                <a:solidFill>
-                  <a:srgbClr val="D4D4D4"/>
-                </a:solidFill>
-                <a:effectLst/>
-                <a:latin typeface="Consolas" panose="020B0609020204030204" pitchFamily="49" charset="0"/>
-              </a:rPr>
-              <a:t>    </a:t>
-            </a:r>
-            <a:r>
-              <a:rPr lang="en-US" b="0" dirty="0">
-                <a:solidFill>
-                  <a:srgbClr val="CE9178"/>
-                </a:solidFill>
-                <a:effectLst/>
-                <a:latin typeface="Consolas" panose="020B0609020204030204" pitchFamily="49" charset="0"/>
-              </a:rPr>
-              <a:t>'D'</a:t>
-            </a:r>
-            <a:r>
-              <a:rPr lang="en-US" b="0" dirty="0">
-                <a:solidFill>
-                  <a:srgbClr val="D4D4D4"/>
-                </a:solidFill>
-                <a:effectLst/>
-                <a:latin typeface="Consolas" panose="020B0609020204030204" pitchFamily="49" charset="0"/>
-              </a:rPr>
-              <a:t>: </a:t>
-            </a:r>
-            <a:r>
-              <a:rPr lang="en-US" b="0" dirty="0">
-                <a:solidFill>
-                  <a:srgbClr val="B5CEA8"/>
-                </a:solidFill>
-                <a:effectLst/>
-                <a:latin typeface="Consolas" panose="020B0609020204030204" pitchFamily="49" charset="0"/>
-              </a:rPr>
-              <a:t>2</a:t>
-            </a:r>
-            <a:r>
-              <a:rPr lang="en-US" b="0" dirty="0">
-                <a:solidFill>
-                  <a:srgbClr val="D4D4D4"/>
-                </a:solidFill>
-                <a:effectLst/>
-                <a:latin typeface="Consolas" panose="020B0609020204030204" pitchFamily="49" charset="0"/>
-              </a:rPr>
-              <a:t>,</a:t>
-            </a:r>
-          </a:p>
-          <a:p>
-            <a:r>
-              <a:rPr lang="en-US" b="0" dirty="0">
-                <a:solidFill>
-                  <a:srgbClr val="D4D4D4"/>
-                </a:solidFill>
-                <a:effectLst/>
-                <a:latin typeface="Consolas" panose="020B0609020204030204" pitchFamily="49" charset="0"/>
-              </a:rPr>
-              <a:t>    </a:t>
-            </a:r>
-            <a:r>
-              <a:rPr lang="en-US" b="0" dirty="0">
-                <a:solidFill>
-                  <a:srgbClr val="CE9178"/>
-                </a:solidFill>
-                <a:effectLst/>
-                <a:latin typeface="Consolas" panose="020B0609020204030204" pitchFamily="49" charset="0"/>
-              </a:rPr>
-              <a:t>'D#'</a:t>
-            </a:r>
-            <a:r>
-              <a:rPr lang="en-US" b="0" dirty="0">
-                <a:solidFill>
-                  <a:srgbClr val="D4D4D4"/>
-                </a:solidFill>
-                <a:effectLst/>
-                <a:latin typeface="Consolas" panose="020B0609020204030204" pitchFamily="49" charset="0"/>
-              </a:rPr>
-              <a:t>: </a:t>
-            </a:r>
-            <a:r>
-              <a:rPr lang="en-US" b="0" dirty="0">
-                <a:solidFill>
-                  <a:srgbClr val="B5CEA8"/>
-                </a:solidFill>
-                <a:effectLst/>
-                <a:latin typeface="Consolas" panose="020B0609020204030204" pitchFamily="49" charset="0"/>
-              </a:rPr>
-              <a:t>3</a:t>
-            </a:r>
-            <a:r>
-              <a:rPr lang="en-US" b="0" dirty="0">
-                <a:solidFill>
-                  <a:srgbClr val="D4D4D4"/>
-                </a:solidFill>
-                <a:effectLst/>
-                <a:latin typeface="Consolas" panose="020B0609020204030204" pitchFamily="49" charset="0"/>
-              </a:rPr>
-              <a:t>,</a:t>
-            </a:r>
-          </a:p>
-          <a:p>
-            <a:r>
-              <a:rPr lang="en-US" b="0" dirty="0">
-                <a:solidFill>
-                  <a:srgbClr val="D4D4D4"/>
-                </a:solidFill>
-                <a:effectLst/>
-                <a:latin typeface="Consolas" panose="020B0609020204030204" pitchFamily="49" charset="0"/>
-              </a:rPr>
-              <a:t>    </a:t>
-            </a:r>
-            <a:r>
-              <a:rPr lang="en-US" b="0" dirty="0">
-                <a:solidFill>
-                  <a:srgbClr val="CE9178"/>
-                </a:solidFill>
-                <a:effectLst/>
-                <a:latin typeface="Consolas" panose="020B0609020204030204" pitchFamily="49" charset="0"/>
-              </a:rPr>
-              <a:t>'E'</a:t>
-            </a:r>
-            <a:r>
-              <a:rPr lang="en-US" b="0" dirty="0">
-                <a:solidFill>
-                  <a:srgbClr val="D4D4D4"/>
-                </a:solidFill>
-                <a:effectLst/>
-                <a:latin typeface="Consolas" panose="020B0609020204030204" pitchFamily="49" charset="0"/>
-              </a:rPr>
-              <a:t>: </a:t>
-            </a:r>
-            <a:r>
-              <a:rPr lang="en-US" b="0" dirty="0">
-                <a:solidFill>
-                  <a:srgbClr val="B5CEA8"/>
-                </a:solidFill>
-                <a:effectLst/>
-                <a:latin typeface="Consolas" panose="020B0609020204030204" pitchFamily="49" charset="0"/>
-              </a:rPr>
-              <a:t>4</a:t>
-            </a:r>
-            <a:r>
-              <a:rPr lang="en-US" b="0" dirty="0">
-                <a:solidFill>
-                  <a:srgbClr val="D4D4D4"/>
-                </a:solidFill>
-                <a:effectLst/>
-                <a:latin typeface="Consolas" panose="020B0609020204030204" pitchFamily="49" charset="0"/>
-              </a:rPr>
-              <a:t>,</a:t>
-            </a:r>
-          </a:p>
-          <a:p>
-            <a:r>
-              <a:rPr lang="en-US" b="0" dirty="0">
-                <a:solidFill>
-                  <a:srgbClr val="D4D4D4"/>
-                </a:solidFill>
-                <a:effectLst/>
-                <a:latin typeface="Consolas" panose="020B0609020204030204" pitchFamily="49" charset="0"/>
-              </a:rPr>
-              <a:t>    </a:t>
-            </a:r>
-            <a:r>
-              <a:rPr lang="en-US" b="0" dirty="0">
-                <a:solidFill>
-                  <a:srgbClr val="CE9178"/>
-                </a:solidFill>
-                <a:effectLst/>
-                <a:latin typeface="Consolas" panose="020B0609020204030204" pitchFamily="49" charset="0"/>
-              </a:rPr>
-              <a:t>'F'</a:t>
-            </a:r>
-            <a:r>
-              <a:rPr lang="en-US" b="0" dirty="0">
-                <a:solidFill>
-                  <a:srgbClr val="D4D4D4"/>
-                </a:solidFill>
-                <a:effectLst/>
-                <a:latin typeface="Consolas" panose="020B0609020204030204" pitchFamily="49" charset="0"/>
-              </a:rPr>
-              <a:t>: </a:t>
-            </a:r>
-            <a:r>
-              <a:rPr lang="en-US" b="0" dirty="0">
-                <a:solidFill>
-                  <a:srgbClr val="B5CEA8"/>
-                </a:solidFill>
-                <a:effectLst/>
-                <a:latin typeface="Consolas" panose="020B0609020204030204" pitchFamily="49" charset="0"/>
-              </a:rPr>
-              <a:t>5</a:t>
-            </a:r>
-            <a:r>
-              <a:rPr lang="en-US" b="0" dirty="0">
-                <a:solidFill>
-                  <a:srgbClr val="D4D4D4"/>
-                </a:solidFill>
-                <a:effectLst/>
-                <a:latin typeface="Consolas" panose="020B0609020204030204" pitchFamily="49" charset="0"/>
-              </a:rPr>
-              <a:t>,</a:t>
-            </a:r>
-          </a:p>
-          <a:p>
-            <a:r>
-              <a:rPr lang="en-US" b="0" dirty="0">
-                <a:solidFill>
-                  <a:srgbClr val="D4D4D4"/>
-                </a:solidFill>
-                <a:effectLst/>
-                <a:latin typeface="Consolas" panose="020B0609020204030204" pitchFamily="49" charset="0"/>
-              </a:rPr>
-              <a:t>    </a:t>
-            </a:r>
-            <a:r>
-              <a:rPr lang="en-US" b="0" dirty="0">
-                <a:solidFill>
-                  <a:srgbClr val="CE9178"/>
-                </a:solidFill>
-                <a:effectLst/>
-                <a:latin typeface="Consolas" panose="020B0609020204030204" pitchFamily="49" charset="0"/>
-              </a:rPr>
-              <a:t>'F#'</a:t>
-            </a:r>
-            <a:r>
-              <a:rPr lang="en-US" b="0" dirty="0">
-                <a:solidFill>
-                  <a:srgbClr val="D4D4D4"/>
-                </a:solidFill>
-                <a:effectLst/>
-                <a:latin typeface="Consolas" panose="020B0609020204030204" pitchFamily="49" charset="0"/>
-              </a:rPr>
-              <a:t>: </a:t>
-            </a:r>
-            <a:r>
-              <a:rPr lang="en-US" b="0" dirty="0">
-                <a:solidFill>
-                  <a:srgbClr val="B5CEA8"/>
-                </a:solidFill>
-                <a:effectLst/>
-                <a:latin typeface="Consolas" panose="020B0609020204030204" pitchFamily="49" charset="0"/>
-              </a:rPr>
-              <a:t>6</a:t>
-            </a:r>
-            <a:r>
-              <a:rPr lang="en-US" b="0" dirty="0">
-                <a:solidFill>
-                  <a:srgbClr val="D4D4D4"/>
-                </a:solidFill>
-                <a:effectLst/>
-                <a:latin typeface="Consolas" panose="020B0609020204030204" pitchFamily="49" charset="0"/>
-              </a:rPr>
-              <a:t>,</a:t>
-            </a:r>
-          </a:p>
-          <a:p>
-            <a:r>
-              <a:rPr lang="en-US" b="0" dirty="0">
-                <a:solidFill>
-                  <a:srgbClr val="D4D4D4"/>
-                </a:solidFill>
-                <a:effectLst/>
-                <a:latin typeface="Consolas" panose="020B0609020204030204" pitchFamily="49" charset="0"/>
-              </a:rPr>
-              <a:t>    </a:t>
-            </a:r>
-            <a:r>
-              <a:rPr lang="en-US" b="0" dirty="0">
-                <a:solidFill>
-                  <a:srgbClr val="CE9178"/>
-                </a:solidFill>
-                <a:effectLst/>
-                <a:latin typeface="Consolas" panose="020B0609020204030204" pitchFamily="49" charset="0"/>
-              </a:rPr>
-              <a:t>'G'</a:t>
-            </a:r>
-            <a:r>
-              <a:rPr lang="en-US" b="0" dirty="0">
-                <a:solidFill>
-                  <a:srgbClr val="D4D4D4"/>
-                </a:solidFill>
-                <a:effectLst/>
-                <a:latin typeface="Consolas" panose="020B0609020204030204" pitchFamily="49" charset="0"/>
-              </a:rPr>
-              <a:t>: </a:t>
-            </a:r>
-            <a:r>
-              <a:rPr lang="en-US" b="0" dirty="0">
-                <a:solidFill>
-                  <a:srgbClr val="B5CEA8"/>
-                </a:solidFill>
-                <a:effectLst/>
-                <a:latin typeface="Consolas" panose="020B0609020204030204" pitchFamily="49" charset="0"/>
-              </a:rPr>
-              <a:t>7</a:t>
-            </a:r>
-            <a:r>
-              <a:rPr lang="en-US" b="0" dirty="0">
-                <a:solidFill>
-                  <a:srgbClr val="D4D4D4"/>
-                </a:solidFill>
-                <a:effectLst/>
-                <a:latin typeface="Consolas" panose="020B0609020204030204" pitchFamily="49" charset="0"/>
-              </a:rPr>
-              <a:t>,</a:t>
-            </a:r>
-          </a:p>
-          <a:p>
-            <a:r>
-              <a:rPr lang="en-US" b="0" dirty="0">
-                <a:solidFill>
-                  <a:srgbClr val="D4D4D4"/>
-                </a:solidFill>
-                <a:effectLst/>
-                <a:latin typeface="Consolas" panose="020B0609020204030204" pitchFamily="49" charset="0"/>
-              </a:rPr>
-              <a:t>    </a:t>
-            </a:r>
-            <a:r>
-              <a:rPr lang="en-US" b="0" dirty="0">
-                <a:solidFill>
-                  <a:srgbClr val="CE9178"/>
-                </a:solidFill>
-                <a:effectLst/>
-                <a:latin typeface="Consolas" panose="020B0609020204030204" pitchFamily="49" charset="0"/>
-              </a:rPr>
-              <a:t>'G#'</a:t>
-            </a:r>
-            <a:r>
-              <a:rPr lang="en-US" b="0" dirty="0">
-                <a:solidFill>
-                  <a:srgbClr val="D4D4D4"/>
-                </a:solidFill>
-                <a:effectLst/>
-                <a:latin typeface="Consolas" panose="020B0609020204030204" pitchFamily="49" charset="0"/>
-              </a:rPr>
-              <a:t>: </a:t>
-            </a:r>
-            <a:r>
-              <a:rPr lang="en-US" b="0" dirty="0">
-                <a:solidFill>
-                  <a:srgbClr val="B5CEA8"/>
-                </a:solidFill>
-                <a:effectLst/>
-                <a:latin typeface="Consolas" panose="020B0609020204030204" pitchFamily="49" charset="0"/>
-              </a:rPr>
-              <a:t>8</a:t>
-            </a:r>
-            <a:r>
-              <a:rPr lang="en-US" b="0" dirty="0">
-                <a:solidFill>
-                  <a:srgbClr val="D4D4D4"/>
-                </a:solidFill>
-                <a:effectLst/>
-                <a:latin typeface="Consolas" panose="020B0609020204030204" pitchFamily="49" charset="0"/>
-              </a:rPr>
-              <a:t>,</a:t>
-            </a:r>
-          </a:p>
-          <a:p>
-            <a:r>
-              <a:rPr lang="en-US" b="0" dirty="0">
-                <a:solidFill>
-                  <a:srgbClr val="D4D4D4"/>
-                </a:solidFill>
-                <a:effectLst/>
-                <a:latin typeface="Consolas" panose="020B0609020204030204" pitchFamily="49" charset="0"/>
-              </a:rPr>
-              <a:t>    </a:t>
-            </a:r>
-            <a:r>
-              <a:rPr lang="en-US" b="0" dirty="0">
-                <a:solidFill>
-                  <a:srgbClr val="CE9178"/>
-                </a:solidFill>
-                <a:effectLst/>
-                <a:latin typeface="Consolas" panose="020B0609020204030204" pitchFamily="49" charset="0"/>
-              </a:rPr>
-              <a:t>'A'</a:t>
-            </a:r>
-            <a:r>
-              <a:rPr lang="en-US" b="0" dirty="0">
-                <a:solidFill>
-                  <a:srgbClr val="D4D4D4"/>
-                </a:solidFill>
-                <a:effectLst/>
-                <a:latin typeface="Consolas" panose="020B0609020204030204" pitchFamily="49" charset="0"/>
-              </a:rPr>
-              <a:t>: </a:t>
-            </a:r>
-            <a:r>
-              <a:rPr lang="en-US" b="0" dirty="0">
-                <a:solidFill>
-                  <a:srgbClr val="B5CEA8"/>
-                </a:solidFill>
-                <a:effectLst/>
-                <a:latin typeface="Consolas" panose="020B0609020204030204" pitchFamily="49" charset="0"/>
-              </a:rPr>
-              <a:t>9</a:t>
-            </a:r>
-            <a:r>
-              <a:rPr lang="en-US" b="0" dirty="0">
-                <a:solidFill>
-                  <a:srgbClr val="D4D4D4"/>
-                </a:solidFill>
-                <a:effectLst/>
-                <a:latin typeface="Consolas" panose="020B0609020204030204" pitchFamily="49" charset="0"/>
-              </a:rPr>
-              <a:t>,</a:t>
-            </a:r>
-          </a:p>
-          <a:p>
-            <a:r>
-              <a:rPr lang="en-US" b="0" dirty="0">
-                <a:solidFill>
-                  <a:srgbClr val="D4D4D4"/>
-                </a:solidFill>
-                <a:effectLst/>
-                <a:latin typeface="Consolas" panose="020B0609020204030204" pitchFamily="49" charset="0"/>
-              </a:rPr>
-              <a:t>    </a:t>
-            </a:r>
-            <a:r>
-              <a:rPr lang="en-US" b="0" dirty="0">
-                <a:solidFill>
-                  <a:srgbClr val="CE9178"/>
-                </a:solidFill>
-                <a:effectLst/>
-                <a:latin typeface="Consolas" panose="020B0609020204030204" pitchFamily="49" charset="0"/>
-              </a:rPr>
-              <a:t>'A#'</a:t>
-            </a:r>
-            <a:r>
-              <a:rPr lang="en-US" b="0" dirty="0">
-                <a:solidFill>
-                  <a:srgbClr val="D4D4D4"/>
-                </a:solidFill>
-                <a:effectLst/>
-                <a:latin typeface="Consolas" panose="020B0609020204030204" pitchFamily="49" charset="0"/>
-              </a:rPr>
-              <a:t>: </a:t>
-            </a:r>
-            <a:r>
-              <a:rPr lang="en-US" b="0" dirty="0">
-                <a:solidFill>
-                  <a:srgbClr val="B5CEA8"/>
-                </a:solidFill>
-                <a:effectLst/>
-                <a:latin typeface="Consolas" panose="020B0609020204030204" pitchFamily="49" charset="0"/>
-              </a:rPr>
-              <a:t>10</a:t>
-            </a:r>
-            <a:r>
-              <a:rPr lang="en-US" b="0" dirty="0">
-                <a:solidFill>
-                  <a:srgbClr val="D4D4D4"/>
-                </a:solidFill>
-                <a:effectLst/>
-                <a:latin typeface="Consolas" panose="020B0609020204030204" pitchFamily="49" charset="0"/>
-              </a:rPr>
-              <a:t>,</a:t>
-            </a:r>
-          </a:p>
-          <a:p>
-            <a:r>
-              <a:rPr lang="en-US" b="0" dirty="0">
-                <a:solidFill>
-                  <a:srgbClr val="D4D4D4"/>
-                </a:solidFill>
-                <a:effectLst/>
-                <a:latin typeface="Consolas" panose="020B0609020204030204" pitchFamily="49" charset="0"/>
-              </a:rPr>
-              <a:t>    </a:t>
-            </a:r>
-            <a:r>
-              <a:rPr lang="en-US" b="0" dirty="0">
-                <a:solidFill>
-                  <a:srgbClr val="CE9178"/>
-                </a:solidFill>
-                <a:effectLst/>
-                <a:latin typeface="Consolas" panose="020B0609020204030204" pitchFamily="49" charset="0"/>
-              </a:rPr>
-              <a:t>'B'</a:t>
-            </a:r>
-            <a:r>
-              <a:rPr lang="en-US" b="0" dirty="0">
-                <a:solidFill>
-                  <a:srgbClr val="D4D4D4"/>
-                </a:solidFill>
-                <a:effectLst/>
-                <a:latin typeface="Consolas" panose="020B0609020204030204" pitchFamily="49" charset="0"/>
-              </a:rPr>
-              <a:t>: </a:t>
-            </a:r>
-            <a:r>
-              <a:rPr lang="en-US" b="0" dirty="0">
-                <a:solidFill>
-                  <a:srgbClr val="B5CEA8"/>
-                </a:solidFill>
-                <a:effectLst/>
-                <a:latin typeface="Consolas" panose="020B0609020204030204" pitchFamily="49" charset="0"/>
-              </a:rPr>
-              <a:t>11</a:t>
-            </a:r>
-            <a:r>
-              <a:rPr lang="en-US" b="0" dirty="0">
-                <a:solidFill>
-                  <a:srgbClr val="D4D4D4"/>
-                </a:solidFill>
-                <a:effectLst/>
-                <a:latin typeface="Consolas" panose="020B0609020204030204" pitchFamily="49" charset="0"/>
-              </a:rPr>
-              <a:t>,</a:t>
-            </a:r>
-          </a:p>
-          <a:p>
-            <a:r>
-              <a:rPr lang="en-US" b="0" dirty="0">
-                <a:solidFill>
-                  <a:srgbClr val="D4D4D4"/>
-                </a:solidFill>
-                <a:effectLst/>
-                <a:latin typeface="Consolas" panose="020B0609020204030204" pitchFamily="49" charset="0"/>
-              </a:rPr>
-              <a:t>    </a:t>
-            </a:r>
-            <a:r>
-              <a:rPr lang="en-US" b="0" dirty="0">
-                <a:solidFill>
-                  <a:srgbClr val="CE9178"/>
-                </a:solidFill>
-                <a:effectLst/>
-                <a:latin typeface="Consolas" panose="020B0609020204030204" pitchFamily="49" charset="0"/>
-              </a:rPr>
-              <a:t>'Bb'</a:t>
-            </a:r>
-            <a:r>
-              <a:rPr lang="en-US" b="0" dirty="0">
-                <a:solidFill>
-                  <a:srgbClr val="D4D4D4"/>
-                </a:solidFill>
-                <a:effectLst/>
-                <a:latin typeface="Consolas" panose="020B0609020204030204" pitchFamily="49" charset="0"/>
-              </a:rPr>
-              <a:t>: </a:t>
-            </a:r>
-            <a:r>
-              <a:rPr lang="en-US" b="0" dirty="0">
-                <a:solidFill>
-                  <a:srgbClr val="B5CEA8"/>
-                </a:solidFill>
-                <a:effectLst/>
-                <a:latin typeface="Consolas" panose="020B0609020204030204" pitchFamily="49" charset="0"/>
-              </a:rPr>
-              <a:t>10</a:t>
-            </a:r>
-            <a:r>
-              <a:rPr lang="en-US" b="0" dirty="0">
-                <a:solidFill>
-                  <a:srgbClr val="D4D4D4"/>
-                </a:solidFill>
-                <a:effectLst/>
-                <a:latin typeface="Consolas" panose="020B0609020204030204" pitchFamily="49" charset="0"/>
-              </a:rPr>
-              <a:t>,</a:t>
-            </a:r>
-          </a:p>
-          <a:p>
-            <a:r>
-              <a:rPr lang="en-US" b="0" dirty="0">
-                <a:solidFill>
-                  <a:srgbClr val="D4D4D4"/>
-                </a:solidFill>
-                <a:effectLst/>
-                <a:latin typeface="Consolas" panose="020B0609020204030204" pitchFamily="49" charset="0"/>
-              </a:rPr>
-              <a:t>    </a:t>
-            </a:r>
-            <a:r>
-              <a:rPr lang="en-US" b="0" dirty="0">
-                <a:solidFill>
-                  <a:srgbClr val="CE9178"/>
-                </a:solidFill>
-                <a:effectLst/>
-                <a:latin typeface="Consolas" panose="020B0609020204030204" pitchFamily="49" charset="0"/>
-              </a:rPr>
-              <a:t>'Eb'</a:t>
-            </a:r>
-            <a:r>
-              <a:rPr lang="en-US" b="0" dirty="0">
-                <a:solidFill>
-                  <a:srgbClr val="D4D4D4"/>
-                </a:solidFill>
-                <a:effectLst/>
-                <a:latin typeface="Consolas" panose="020B0609020204030204" pitchFamily="49" charset="0"/>
-              </a:rPr>
-              <a:t>: </a:t>
-            </a:r>
-            <a:r>
-              <a:rPr lang="en-US" b="0" dirty="0">
-                <a:solidFill>
-                  <a:srgbClr val="B5CEA8"/>
-                </a:solidFill>
-                <a:effectLst/>
-                <a:latin typeface="Consolas" panose="020B0609020204030204" pitchFamily="49" charset="0"/>
-              </a:rPr>
-              <a:t>3</a:t>
-            </a:r>
-            <a:r>
-              <a:rPr lang="en-US" b="0" dirty="0">
-                <a:solidFill>
-                  <a:srgbClr val="D4D4D4"/>
-                </a:solidFill>
-                <a:effectLst/>
-                <a:latin typeface="Consolas" panose="020B0609020204030204" pitchFamily="49" charset="0"/>
-              </a:rPr>
-              <a:t>,</a:t>
-            </a:r>
-          </a:p>
-          <a:p>
-            <a:r>
-              <a:rPr lang="en-US" b="0" dirty="0">
-                <a:solidFill>
-                  <a:srgbClr val="D4D4D4"/>
-                </a:solidFill>
-                <a:effectLst/>
-                <a:latin typeface="Consolas" panose="020B0609020204030204" pitchFamily="49" charset="0"/>
-              </a:rPr>
-              <a:t>    </a:t>
-            </a:r>
-            <a:r>
-              <a:rPr lang="en-US" b="0" dirty="0">
-                <a:solidFill>
-                  <a:srgbClr val="CE9178"/>
-                </a:solidFill>
-                <a:effectLst/>
-                <a:latin typeface="Consolas" panose="020B0609020204030204" pitchFamily="49" charset="0"/>
-              </a:rPr>
-              <a:t>'Ab'</a:t>
-            </a:r>
-            <a:r>
-              <a:rPr lang="en-US" b="0" dirty="0">
-                <a:solidFill>
-                  <a:srgbClr val="D4D4D4"/>
-                </a:solidFill>
-                <a:effectLst/>
-                <a:latin typeface="Consolas" panose="020B0609020204030204" pitchFamily="49" charset="0"/>
-              </a:rPr>
-              <a:t>: </a:t>
-            </a:r>
-            <a:r>
-              <a:rPr lang="en-US" b="0" dirty="0">
-                <a:solidFill>
-                  <a:srgbClr val="B5CEA8"/>
-                </a:solidFill>
-                <a:effectLst/>
-                <a:latin typeface="Consolas" panose="020B0609020204030204" pitchFamily="49" charset="0"/>
-              </a:rPr>
-              <a:t>8</a:t>
-            </a:r>
-            <a:r>
-              <a:rPr lang="en-US" b="0" dirty="0">
-                <a:solidFill>
-                  <a:srgbClr val="D4D4D4"/>
-                </a:solidFill>
-                <a:effectLst/>
-                <a:latin typeface="Consolas" panose="020B0609020204030204" pitchFamily="49" charset="0"/>
-              </a:rPr>
-              <a:t>,</a:t>
-            </a:r>
-          </a:p>
-          <a:p>
-            <a:r>
-              <a:rPr lang="en-US" b="0" dirty="0">
-                <a:solidFill>
-                  <a:srgbClr val="D4D4D4"/>
-                </a:solidFill>
-                <a:effectLst/>
-                <a:latin typeface="Consolas" panose="020B0609020204030204" pitchFamily="49" charset="0"/>
-              </a:rPr>
-              <a:t>    </a:t>
-            </a:r>
-            <a:r>
-              <a:rPr lang="en-US" b="0" dirty="0">
-                <a:solidFill>
-                  <a:srgbClr val="CE9178"/>
-                </a:solidFill>
-                <a:effectLst/>
-                <a:latin typeface="Consolas" panose="020B0609020204030204" pitchFamily="49" charset="0"/>
-              </a:rPr>
-              <a:t>'Db'</a:t>
-            </a:r>
-            <a:r>
-              <a:rPr lang="en-US" b="0" dirty="0">
-                <a:solidFill>
-                  <a:srgbClr val="D4D4D4"/>
-                </a:solidFill>
-                <a:effectLst/>
-                <a:latin typeface="Consolas" panose="020B0609020204030204" pitchFamily="49" charset="0"/>
-              </a:rPr>
-              <a:t>: </a:t>
-            </a:r>
-            <a:r>
-              <a:rPr lang="en-US" b="0" dirty="0">
-                <a:solidFill>
-                  <a:srgbClr val="B5CEA8"/>
-                </a:solidFill>
-                <a:effectLst/>
-                <a:latin typeface="Consolas" panose="020B0609020204030204" pitchFamily="49" charset="0"/>
-              </a:rPr>
-              <a:t>1</a:t>
-            </a:r>
-            <a:r>
-              <a:rPr lang="en-US" b="0" dirty="0">
-                <a:solidFill>
-                  <a:srgbClr val="D4D4D4"/>
-                </a:solidFill>
-                <a:effectLst/>
-                <a:latin typeface="Consolas" panose="020B0609020204030204" pitchFamily="49" charset="0"/>
-              </a:rPr>
-              <a:t>,</a:t>
-            </a:r>
-          </a:p>
-          <a:p>
-            <a:r>
-              <a:rPr lang="en-US" b="0" dirty="0">
-                <a:solidFill>
-                  <a:srgbClr val="D4D4D4"/>
-                </a:solidFill>
-                <a:effectLst/>
-                <a:latin typeface="Consolas" panose="020B0609020204030204" pitchFamily="49" charset="0"/>
-              </a:rPr>
-              <a:t>    </a:t>
-            </a:r>
-            <a:r>
-              <a:rPr lang="en-US" b="0" dirty="0">
-                <a:solidFill>
-                  <a:srgbClr val="CE9178"/>
-                </a:solidFill>
-                <a:effectLst/>
-                <a:latin typeface="Consolas" panose="020B0609020204030204" pitchFamily="49" charset="0"/>
-              </a:rPr>
-              <a:t>'Gb'</a:t>
-            </a:r>
-            <a:r>
-              <a:rPr lang="en-US" b="0" dirty="0">
-                <a:solidFill>
-                  <a:srgbClr val="D4D4D4"/>
-                </a:solidFill>
-                <a:effectLst/>
-                <a:latin typeface="Consolas" panose="020B0609020204030204" pitchFamily="49" charset="0"/>
-              </a:rPr>
-              <a:t>: </a:t>
-            </a:r>
-            <a:r>
-              <a:rPr lang="en-US" b="0" dirty="0">
-                <a:solidFill>
-                  <a:srgbClr val="B5CEA8"/>
-                </a:solidFill>
-                <a:effectLst/>
-                <a:latin typeface="Consolas" panose="020B0609020204030204" pitchFamily="49" charset="0"/>
-              </a:rPr>
-              <a:t>6</a:t>
-            </a:r>
-            <a:endParaRPr lang="en-US" b="0" dirty="0">
-              <a:solidFill>
-                <a:srgbClr val="D4D4D4"/>
-              </a:solidFill>
-              <a:effectLst/>
-              <a:latin typeface="Consolas" panose="020B0609020204030204" pitchFamily="49" charset="0"/>
-            </a:endParaRPr>
-          </a:p>
-          <a:p>
-            <a:r>
-              <a:rPr lang="en-US" b="0" dirty="0">
-                <a:solidFill>
-                  <a:srgbClr val="D4D4D4"/>
-                </a:solidFill>
-                <a:effectLst/>
-                <a:latin typeface="Consolas" panose="020B0609020204030204" pitchFamily="49" charset="0"/>
-              </a:rPr>
-              <a:t>}</a:t>
-            </a:r>
-          </a:p>
-        </p:txBody>
-      </p:sp>
-      <p:sp>
-        <p:nvSpPr>
-          <p:cNvPr id="6" name="TextBox 5">
-            <a:extLst>
-              <a:ext uri="{FF2B5EF4-FFF2-40B4-BE49-F238E27FC236}">
-                <a16:creationId xmlns:a16="http://schemas.microsoft.com/office/drawing/2014/main" id="{7A651914-7827-498D-B2E3-8772C4478465}"/>
-              </a:ext>
-            </a:extLst>
-          </p:cNvPr>
-          <p:cNvSpPr txBox="1"/>
+      </p:pic>
+      <p:cxnSp>
+        <p:nvCxnSpPr>
+          <p:cNvPr id="9" name="Straight Arrow Connector 8">
+            <a:extLst>
+              <a:ext uri="{FF2B5EF4-FFF2-40B4-BE49-F238E27FC236}">
+                <a16:creationId xmlns:a16="http://schemas.microsoft.com/office/drawing/2014/main" id="{EFACEB00-A614-4FD7-A306-5AFA9DB953E8}"/>
+              </a:ext>
+            </a:extLst>
+          </p:cNvPr>
+          <p:cNvCxnSpPr>
+            <a:cxnSpLocks/>
+            <a:endCxn id="12" idx="1"/>
+          </p:cNvCxnSpPr>
           <p:nvPr/>
-        </p:nvSpPr>
+        </p:nvCxnSpPr>
+        <p:spPr>
+          <a:xfrm flipV="1">
+            <a:off x="2301761" y="4627288"/>
+            <a:ext cx="2018914" cy="151924"/>
+          </a:xfrm>
+          <a:prstGeom prst="straightConnector1">
+            <a:avLst/>
+          </a:prstGeom>
+          <a:ln>
+            <a:solidFill>
+              <a:srgbClr val="FF0000"/>
+            </a:solidFill>
+            <a:tailEnd type="triangle"/>
+          </a:ln>
+        </p:spPr>
+        <p:style>
+          <a:lnRef idx="3">
+            <a:schemeClr val="dk1"/>
+          </a:lnRef>
+          <a:fillRef idx="0">
+            <a:schemeClr val="dk1"/>
+          </a:fillRef>
+          <a:effectRef idx="2">
+            <a:schemeClr val="dk1"/>
+          </a:effectRef>
+          <a:fontRef idx="minor">
+            <a:schemeClr val="tx1"/>
+          </a:fontRef>
+        </p:style>
+      </p:cxnSp>
+      <p:cxnSp>
+        <p:nvCxnSpPr>
+          <p:cNvPr id="10" name="Straight Arrow Connector 9">
+            <a:extLst>
+              <a:ext uri="{FF2B5EF4-FFF2-40B4-BE49-F238E27FC236}">
+                <a16:creationId xmlns:a16="http://schemas.microsoft.com/office/drawing/2014/main" id="{7D2992D0-BC3A-410D-B5DF-986DAB7CBBFB}"/>
+              </a:ext>
+            </a:extLst>
+          </p:cNvPr>
+          <p:cNvCxnSpPr>
+            <a:cxnSpLocks/>
+            <a:endCxn id="7" idx="1"/>
+          </p:cNvCxnSpPr>
+          <p:nvPr/>
+        </p:nvCxnSpPr>
+        <p:spPr>
+          <a:xfrm flipV="1">
+            <a:off x="2301761" y="3823891"/>
+            <a:ext cx="1852031" cy="417634"/>
+          </a:xfrm>
+          <a:prstGeom prst="straightConnector1">
+            <a:avLst/>
+          </a:prstGeom>
+          <a:ln>
+            <a:solidFill>
+              <a:srgbClr val="FF0000"/>
+            </a:solidFill>
+            <a:tailEnd type="triangle"/>
+          </a:ln>
+        </p:spPr>
+        <p:style>
+          <a:lnRef idx="3">
+            <a:schemeClr val="dk1"/>
+          </a:lnRef>
+          <a:fillRef idx="0">
+            <a:schemeClr val="dk1"/>
+          </a:fillRef>
+          <a:effectRef idx="2">
+            <a:schemeClr val="dk1"/>
+          </a:effectRef>
+          <a:fontRef idx="minor">
+            <a:schemeClr val="tx1"/>
+          </a:fontRef>
+        </p:style>
+      </p:cxnSp>
+      <p:pic>
+        <p:nvPicPr>
+          <p:cNvPr id="3" name="Picture 2">
+            <a:extLst>
+              <a:ext uri="{FF2B5EF4-FFF2-40B4-BE49-F238E27FC236}">
+                <a16:creationId xmlns:a16="http://schemas.microsoft.com/office/drawing/2014/main" id="{AB7B13AE-CA69-4E69-AC2C-D2B5388D3435}"/>
+              </a:ext>
+            </a:extLst>
+          </p:cNvPr>
+          <p:cNvPicPr>
+            <a:picLocks noChangeAspect="1"/>
+          </p:cNvPicPr>
+          <p:nvPr/>
+        </p:nvPicPr>
+        <p:blipFill>
+          <a:blip r:embed="rId4"/>
+          <a:stretch>
+            <a:fillRect/>
+          </a:stretch>
+        </p:blipFill>
         <p:spPr>
           <a:xfrm>
-            <a:off x="5559552" y="345316"/>
-            <a:ext cx="2359152" cy="369332"/>
+            <a:off x="838200" y="1064610"/>
+            <a:ext cx="8933333" cy="1961905"/>
           </a:xfrm>
           <a:prstGeom prst="rect">
             <a:avLst/>
           </a:prstGeom>
-          <a:noFill/>
         </p:spPr>
-        <p:txBody>
-          <a:bodyPr wrap="square" rtlCol="0">
-            <a:spAutoFit/>
-          </a:bodyPr>
-          <a:lstStyle/>
-          <a:p>
-            <a:r>
-              <a:rPr lang="en-US" dirty="0"/>
-              <a:t>#</a:t>
-            </a:r>
-            <a:r>
-              <a:rPr lang="en-US" altLang="zh-CN" dirty="0"/>
-              <a:t>TODO: </a:t>
-            </a:r>
-            <a:r>
-              <a:rPr lang="zh-CN" altLang="en-US" dirty="0"/>
-              <a:t>挑几个典型的</a:t>
-            </a:r>
-            <a:endParaRPr lang="en-US" dirty="0"/>
-          </a:p>
-        </p:txBody>
-      </p:sp>
+      </p:pic>
+      <p:pic>
+        <p:nvPicPr>
+          <p:cNvPr id="12" name="Picture 11">
+            <a:extLst>
+              <a:ext uri="{FF2B5EF4-FFF2-40B4-BE49-F238E27FC236}">
+                <a16:creationId xmlns:a16="http://schemas.microsoft.com/office/drawing/2014/main" id="{09AD1A37-14AB-47E3-9C65-EA441F6417E7}"/>
+              </a:ext>
+            </a:extLst>
+          </p:cNvPr>
+          <p:cNvPicPr>
+            <a:picLocks noChangeAspect="1"/>
+          </p:cNvPicPr>
+          <p:nvPr/>
+        </p:nvPicPr>
+        <p:blipFill>
+          <a:blip r:embed="rId5"/>
+          <a:stretch>
+            <a:fillRect/>
+          </a:stretch>
+        </p:blipFill>
+        <p:spPr>
+          <a:xfrm>
+            <a:off x="4320675" y="4255859"/>
+            <a:ext cx="1676190" cy="742857"/>
+          </a:xfrm>
+          <a:prstGeom prst="rect">
+            <a:avLst/>
+          </a:prstGeom>
+        </p:spPr>
+      </p:pic>
     </p:spTree>
     <p:extLst>
       <p:ext uri="{BB962C8B-B14F-4D97-AF65-F5344CB8AC3E}">
-        <p14:creationId xmlns:p14="http://schemas.microsoft.com/office/powerpoint/2010/main" val="4260916381"/>
+        <p14:creationId xmlns:p14="http://schemas.microsoft.com/office/powerpoint/2010/main" val="782009402"/>
       </p:ext>
     </p:extLst>
   </p:cSld>
@@ -6838,7 +5507,7 @@
           <a:p>
             <a:r>
               <a:rPr lang="zh-CN" altLang="en-US" dirty="0"/>
-              <a:t>新增语言功能</a:t>
+              <a:t>创作过程</a:t>
             </a:r>
             <a:endParaRPr lang="en-US" dirty="0"/>
           </a:p>
@@ -6899,314 +5568,10 @@
           </a:p>
         </p:txBody>
       </p:sp>
-      <p:sp>
-        <p:nvSpPr>
-          <p:cNvPr id="12" name="TextBox 11">
-            <a:extLst>
-              <a:ext uri="{FF2B5EF4-FFF2-40B4-BE49-F238E27FC236}">
-                <a16:creationId xmlns:a16="http://schemas.microsoft.com/office/drawing/2014/main" id="{C1E67249-F272-4782-B4F4-08B4400F2EFD}"/>
-              </a:ext>
-            </a:extLst>
-          </p:cNvPr>
-          <p:cNvSpPr txBox="1"/>
-          <p:nvPr/>
-        </p:nvSpPr>
-        <p:spPr>
-          <a:xfrm>
-            <a:off x="3047238" y="2413338"/>
-            <a:ext cx="6094476" cy="2031325"/>
-          </a:xfrm>
-          <a:prstGeom prst="rect">
-            <a:avLst/>
-          </a:prstGeom>
-          <a:noFill/>
-        </p:spPr>
-        <p:txBody>
-          <a:bodyPr wrap="square">
-            <a:spAutoFit/>
-          </a:bodyPr>
-          <a:lstStyle/>
-          <a:p>
-            <a:r>
-              <a:rPr lang="en-US" altLang="zh-CN" b="0" dirty="0">
-                <a:effectLst/>
-                <a:latin typeface="Consolas" panose="020B0609020204030204" pitchFamily="49" charset="0"/>
-              </a:rPr>
-              <a:t>-</a:t>
-            </a:r>
-            <a:r>
-              <a:rPr lang="zh-CN" altLang="en-US" b="0" dirty="0">
-                <a:effectLst/>
-                <a:latin typeface="Consolas" panose="020B0609020204030204" pitchFamily="49" charset="0"/>
-              </a:rPr>
-              <a:t> 原有的运算</a:t>
-            </a:r>
-          </a:p>
-          <a:p>
-            <a:r>
-              <a:rPr lang="zh-CN" altLang="en-US" b="0" dirty="0">
-                <a:effectLst/>
-                <a:latin typeface="Consolas" panose="020B0609020204030204" pitchFamily="49" charset="0"/>
-              </a:rPr>
-              <a:t>    </a:t>
-            </a:r>
-            <a:r>
-              <a:rPr lang="en-US" altLang="zh-CN" b="0" dirty="0">
-                <a:effectLst/>
-                <a:latin typeface="Consolas" panose="020B0609020204030204" pitchFamily="49" charset="0"/>
-              </a:rPr>
-              <a:t>-</a:t>
-            </a:r>
-            <a:r>
-              <a:rPr lang="zh-CN" altLang="en-US" b="0" dirty="0">
-                <a:effectLst/>
-                <a:latin typeface="Consolas" panose="020B0609020204030204" pitchFamily="49" charset="0"/>
-              </a:rPr>
-              <a:t> </a:t>
-            </a:r>
-            <a:r>
-              <a:rPr lang="en-US" altLang="zh-CN" b="0" dirty="0">
-                <a:effectLst/>
-                <a:latin typeface="Consolas" panose="020B0609020204030204" pitchFamily="49" charset="0"/>
-              </a:rPr>
-              <a:t>+</a:t>
-            </a:r>
-            <a:r>
-              <a:rPr lang="zh-CN" altLang="en-US" b="0" dirty="0">
-                <a:effectLst/>
-                <a:latin typeface="Consolas" panose="020B0609020204030204" pitchFamily="49" charset="0"/>
-              </a:rPr>
-              <a:t>，</a:t>
-            </a:r>
-            <a:r>
-              <a:rPr lang="en-US" altLang="zh-CN" b="0" dirty="0">
-                <a:effectLst/>
-                <a:latin typeface="Consolas" panose="020B0609020204030204" pitchFamily="49" charset="0"/>
-              </a:rPr>
-              <a:t>-</a:t>
-            </a:r>
-            <a:r>
-              <a:rPr lang="zh-CN" altLang="en-US" b="0" dirty="0">
-                <a:effectLst/>
-                <a:latin typeface="Consolas" panose="020B0609020204030204" pitchFamily="49" charset="0"/>
-              </a:rPr>
-              <a:t>，</a:t>
-            </a:r>
-            <a:r>
-              <a:rPr lang="en-US" altLang="zh-CN" b="0" dirty="0">
-                <a:effectLst/>
-                <a:latin typeface="Consolas" panose="020B0609020204030204" pitchFamily="49" charset="0"/>
-              </a:rPr>
-              <a:t>|</a:t>
-            </a:r>
-            <a:r>
-              <a:rPr lang="zh-CN" altLang="en-US" b="0" dirty="0">
-                <a:effectLst/>
-                <a:latin typeface="Consolas" panose="020B0609020204030204" pitchFamily="49" charset="0"/>
-              </a:rPr>
-              <a:t>等</a:t>
-            </a:r>
-          </a:p>
-          <a:p>
-            <a:r>
-              <a:rPr lang="zh-CN" altLang="en-US" b="0" dirty="0">
-                <a:effectLst/>
-                <a:latin typeface="Consolas" panose="020B0609020204030204" pitchFamily="49" charset="0"/>
-              </a:rPr>
-              <a:t>    </a:t>
-            </a:r>
-            <a:r>
-              <a:rPr lang="en-US" altLang="zh-CN" b="0" dirty="0">
-                <a:effectLst/>
-                <a:latin typeface="Consolas" panose="020B0609020204030204" pitchFamily="49" charset="0"/>
-              </a:rPr>
-              <a:t>-</a:t>
-            </a:r>
-            <a:r>
-              <a:rPr lang="zh-CN" altLang="en-US" b="0" dirty="0">
-                <a:effectLst/>
-                <a:latin typeface="Consolas" panose="020B0609020204030204" pitchFamily="49" charset="0"/>
-              </a:rPr>
-              <a:t> 强调新功能</a:t>
-            </a:r>
-          </a:p>
-          <a:p>
-            <a:r>
-              <a:rPr lang="zh-CN" altLang="en-US" b="0" dirty="0">
-                <a:effectLst/>
-                <a:latin typeface="Consolas" panose="020B0609020204030204" pitchFamily="49" charset="0"/>
-              </a:rPr>
-              <a:t>    </a:t>
-            </a:r>
-            <a:r>
-              <a:rPr lang="en-US" altLang="zh-CN" b="0" dirty="0">
-                <a:effectLst/>
-                <a:latin typeface="Consolas" panose="020B0609020204030204" pitchFamily="49" charset="0"/>
-              </a:rPr>
-              <a:t>-</a:t>
-            </a:r>
-            <a:r>
-              <a:rPr lang="zh-CN" altLang="en-US" b="0" dirty="0">
-                <a:effectLst/>
-                <a:latin typeface="Consolas" panose="020B0609020204030204" pitchFamily="49" charset="0"/>
-              </a:rPr>
-              <a:t> 示例：代码</a:t>
-            </a:r>
-            <a:r>
-              <a:rPr lang="en-US" altLang="zh-CN" b="0" dirty="0">
-                <a:effectLst/>
-                <a:latin typeface="Consolas" panose="020B0609020204030204" pitchFamily="49" charset="0"/>
-              </a:rPr>
-              <a:t>+</a:t>
-            </a:r>
-            <a:r>
-              <a:rPr lang="zh-CN" altLang="en-US" b="0" dirty="0">
-                <a:effectLst/>
-                <a:latin typeface="Consolas" panose="020B0609020204030204" pitchFamily="49" charset="0"/>
-              </a:rPr>
-              <a:t>谱例</a:t>
-            </a:r>
-            <a:r>
-              <a:rPr lang="en-US" altLang="zh-CN" b="0" dirty="0">
-                <a:effectLst/>
-                <a:latin typeface="Consolas" panose="020B0609020204030204" pitchFamily="49" charset="0"/>
-              </a:rPr>
-              <a:t>+</a:t>
-            </a:r>
-            <a:r>
-              <a:rPr lang="zh-CN" altLang="en-US" b="0" dirty="0">
-                <a:effectLst/>
-                <a:latin typeface="Consolas" panose="020B0609020204030204" pitchFamily="49" charset="0"/>
-              </a:rPr>
-              <a:t>音频</a:t>
-            </a:r>
-          </a:p>
-          <a:p>
-            <a:r>
-              <a:rPr lang="en-US" altLang="zh-CN" b="0" dirty="0">
-                <a:effectLst/>
-                <a:latin typeface="Consolas" panose="020B0609020204030204" pitchFamily="49" charset="0"/>
-              </a:rPr>
-              <a:t>-</a:t>
-            </a:r>
-            <a:r>
-              <a:rPr lang="zh-CN" altLang="en-US" b="0" dirty="0">
-                <a:effectLst/>
-                <a:latin typeface="Consolas" panose="020B0609020204030204" pitchFamily="49" charset="0"/>
-              </a:rPr>
-              <a:t> 新增文法</a:t>
-            </a:r>
-          </a:p>
-          <a:p>
-            <a:r>
-              <a:rPr lang="zh-CN" altLang="en-US" b="0" dirty="0">
-                <a:effectLst/>
-                <a:latin typeface="Consolas" panose="020B0609020204030204" pitchFamily="49" charset="0"/>
-              </a:rPr>
-              <a:t>    </a:t>
-            </a:r>
-            <a:r>
-              <a:rPr lang="en-US" altLang="zh-CN" b="0" dirty="0">
-                <a:effectLst/>
-                <a:latin typeface="Consolas" panose="020B0609020204030204" pitchFamily="49" charset="0"/>
-              </a:rPr>
-              <a:t>-</a:t>
-            </a:r>
-            <a:r>
-              <a:rPr lang="zh-CN" altLang="en-US" b="0" dirty="0">
-                <a:effectLst/>
-                <a:latin typeface="Consolas" panose="020B0609020204030204" pitchFamily="49" charset="0"/>
-              </a:rPr>
-              <a:t> </a:t>
-            </a:r>
-            <a:r>
-              <a:rPr lang="en-US" altLang="zh-CN" b="0" dirty="0">
-                <a:effectLst/>
-                <a:latin typeface="Consolas" panose="020B0609020204030204" pitchFamily="49" charset="0"/>
-              </a:rPr>
-              <a:t>@</a:t>
-            </a:r>
-            <a:r>
-              <a:rPr lang="zh-CN" altLang="en-US" b="0" dirty="0">
-                <a:effectLst/>
-                <a:latin typeface="Consolas" panose="020B0609020204030204" pitchFamily="49" charset="0"/>
-              </a:rPr>
-              <a:t>等</a:t>
-            </a:r>
-          </a:p>
-          <a:p>
-            <a:r>
-              <a:rPr lang="zh-CN" altLang="en-US" b="0" dirty="0">
-                <a:effectLst/>
-                <a:latin typeface="Consolas" panose="020B0609020204030204" pitchFamily="49" charset="0"/>
-              </a:rPr>
-              <a:t>    </a:t>
-            </a:r>
-            <a:r>
-              <a:rPr lang="en-US" altLang="zh-CN" b="0" dirty="0">
-                <a:effectLst/>
-                <a:latin typeface="Consolas" panose="020B0609020204030204" pitchFamily="49" charset="0"/>
-              </a:rPr>
-              <a:t>-</a:t>
-            </a:r>
-            <a:r>
-              <a:rPr lang="zh-CN" altLang="en-US" b="0" dirty="0">
-                <a:effectLst/>
-                <a:latin typeface="Consolas" panose="020B0609020204030204" pitchFamily="49" charset="0"/>
-              </a:rPr>
-              <a:t> 初始化方式等</a:t>
-            </a:r>
-          </a:p>
-        </p:txBody>
-      </p:sp>
-      <p:sp>
-        <p:nvSpPr>
-          <p:cNvPr id="5" name="TextBox 4">
-            <a:extLst>
-              <a:ext uri="{FF2B5EF4-FFF2-40B4-BE49-F238E27FC236}">
-                <a16:creationId xmlns:a16="http://schemas.microsoft.com/office/drawing/2014/main" id="{26512F5E-EE7A-411A-8A02-BCE079FDFC42}"/>
-              </a:ext>
-            </a:extLst>
-          </p:cNvPr>
-          <p:cNvSpPr txBox="1"/>
-          <p:nvPr/>
-        </p:nvSpPr>
-        <p:spPr>
-          <a:xfrm>
-            <a:off x="5559552" y="345316"/>
-            <a:ext cx="2615184" cy="369332"/>
-          </a:xfrm>
-          <a:prstGeom prst="rect">
-            <a:avLst/>
-          </a:prstGeom>
-          <a:noFill/>
-        </p:spPr>
-        <p:txBody>
-          <a:bodyPr wrap="square" rtlCol="0">
-            <a:spAutoFit/>
-          </a:bodyPr>
-          <a:lstStyle/>
-          <a:p>
-            <a:r>
-              <a:rPr lang="en-US" dirty="0"/>
-              <a:t>#</a:t>
-            </a:r>
-            <a:r>
-              <a:rPr lang="en-US" altLang="zh-CN" dirty="0"/>
-              <a:t>TODO: </a:t>
-            </a:r>
-            <a:r>
-              <a:rPr lang="zh-CN" altLang="en-US" dirty="0"/>
-              <a:t>写好例子我再加</a:t>
-            </a:r>
-            <a:endParaRPr lang="en-US" dirty="0"/>
-          </a:p>
-        </p:txBody>
-      </p:sp>
     </p:spTree>
     <p:extLst>
       <p:ext uri="{BB962C8B-B14F-4D97-AF65-F5344CB8AC3E}">
-        <p14:creationId xmlns:p14="http://schemas.microsoft.com/office/powerpoint/2010/main" val="2712189175"/>
+        <p14:creationId xmlns:p14="http://schemas.microsoft.com/office/powerpoint/2010/main" val="3553267233"/>
       </p:ext>
     </p:extLst>
   </p:cSld>
@@ -7235,146 +5600,6 @@
       </p:grpSpPr>
       <p:sp>
         <p:nvSpPr>
-          <p:cNvPr id="4" name="Title 1">
-            <a:extLst>
-              <a:ext uri="{FF2B5EF4-FFF2-40B4-BE49-F238E27FC236}">
-                <a16:creationId xmlns:a16="http://schemas.microsoft.com/office/drawing/2014/main" id="{6C29CBFD-CEA4-4368-8213-298EAA6FE600}"/>
-              </a:ext>
-            </a:extLst>
-          </p:cNvPr>
-          <p:cNvSpPr txBox="1">
-            <a:spLocks/>
-          </p:cNvSpPr>
-          <p:nvPr/>
-        </p:nvSpPr>
-        <p:spPr>
-          <a:xfrm>
-            <a:off x="838200" y="365125"/>
-            <a:ext cx="3752850" cy="699047"/>
-          </a:xfrm>
-          <a:prstGeom prst="rect">
-            <a:avLst/>
-          </a:prstGeom>
-        </p:spPr>
-        <p:txBody>
-          <a:bodyPr vert="horz" lIns="91440" tIns="45720" rIns="91440" bIns="45720" rtlCol="0" anchor="ctr">
-            <a:normAutofit/>
-          </a:bodyPr>
-          <a:lstStyle>
-            <a:lvl1pPr algn="l" defTabSz="914400" rtl="0" eaLnBrk="1" latinLnBrk="0" hangingPunct="1">
-              <a:lnSpc>
-                <a:spcPct val="90000"/>
-              </a:lnSpc>
-              <a:spcBef>
-                <a:spcPct val="0"/>
-              </a:spcBef>
-              <a:buNone/>
-              <a:defRPr sz="4400" kern="1200">
-                <a:solidFill>
-                  <a:schemeClr val="tx1"/>
-                </a:solidFill>
-                <a:latin typeface="+mj-lt"/>
-                <a:ea typeface="+mj-ea"/>
-                <a:cs typeface="+mj-cs"/>
-              </a:defRPr>
-            </a:lvl1pPr>
-          </a:lstStyle>
-          <a:p>
-            <a:r>
-              <a:rPr lang="zh-CN" altLang="en-US" dirty="0"/>
-              <a:t>创作过程</a:t>
-            </a:r>
-            <a:endParaRPr lang="en-US" dirty="0"/>
-          </a:p>
-        </p:txBody>
-      </p:sp>
-      <p:sp>
-        <p:nvSpPr>
-          <p:cNvPr id="14" name="Title 1">
-            <a:extLst>
-              <a:ext uri="{FF2B5EF4-FFF2-40B4-BE49-F238E27FC236}">
-                <a16:creationId xmlns:a16="http://schemas.microsoft.com/office/drawing/2014/main" id="{0C3D79D7-8064-44B3-A5C0-C0F3F9899B54}"/>
-              </a:ext>
-            </a:extLst>
-          </p:cNvPr>
-          <p:cNvSpPr txBox="1">
-            <a:spLocks/>
-          </p:cNvSpPr>
-          <p:nvPr/>
-        </p:nvSpPr>
-        <p:spPr>
-          <a:xfrm>
-            <a:off x="838197" y="1064172"/>
-            <a:ext cx="8524877" cy="699047"/>
-          </a:xfrm>
-          <a:prstGeom prst="rect">
-            <a:avLst/>
-          </a:prstGeom>
-        </p:spPr>
-        <p:txBody>
-          <a:bodyPr vert="horz" lIns="91440" tIns="45720" rIns="91440" bIns="45720" rtlCol="0" anchor="ctr">
-            <a:noAutofit/>
-          </a:bodyPr>
-          <a:lstStyle>
-            <a:lvl1pPr algn="l" defTabSz="914400" rtl="0" eaLnBrk="1" latinLnBrk="0" hangingPunct="1">
-              <a:lnSpc>
-                <a:spcPct val="90000"/>
-              </a:lnSpc>
-              <a:spcBef>
-                <a:spcPct val="0"/>
-              </a:spcBef>
-              <a:buNone/>
-              <a:defRPr sz="4400" kern="1200">
-                <a:solidFill>
-                  <a:schemeClr val="tx1"/>
-                </a:solidFill>
-                <a:latin typeface="+mj-lt"/>
-                <a:ea typeface="+mj-ea"/>
-                <a:cs typeface="+mj-cs"/>
-              </a:defRPr>
-            </a:lvl1pPr>
-          </a:lstStyle>
-          <a:p>
-            <a:r>
-              <a:rPr lang="zh-CN" altLang="en-US" sz="3200" dirty="0"/>
-              <a:t>副标题</a:t>
-            </a:r>
-            <a:endParaRPr lang="en-US" sz="3200" dirty="0"/>
-          </a:p>
-        </p:txBody>
-      </p:sp>
-    </p:spTree>
-    <p:extLst>
-      <p:ext uri="{BB962C8B-B14F-4D97-AF65-F5344CB8AC3E}">
-        <p14:creationId xmlns:p14="http://schemas.microsoft.com/office/powerpoint/2010/main" val="3553267233"/>
-      </p:ext>
-    </p:extLst>
-  </p:cSld>
-  <p:clrMapOvr>
-    <a:masterClrMapping/>
-  </p:clrMapOvr>
-</p:sld>
-</file>
-
-<file path=ppt/slides/slide13.xml><?xml version="1.0" encoding="utf-8"?>
-<p:sld xmlns:a="http://schemas.openxmlformats.org/drawingml/2006/main" xmlns:r="http://schemas.openxmlformats.org/officeDocument/2006/relationships" xmlns:p="http://schemas.openxmlformats.org/presentationml/2006/main">
-  <p:cSld>
-    <p:spTree>
-      <p:nvGrpSpPr>
-        <p:cNvPr id="1" name=""/>
-        <p:cNvGrpSpPr/>
-        <p:nvPr/>
-      </p:nvGrpSpPr>
-      <p:grpSpPr>
-        <a:xfrm>
-          <a:off x="0" y="0"/>
-          <a:ext cx="0" cy="0"/>
-          <a:chOff x="0" y="0"/>
-          <a:chExt cx="0" cy="0"/>
-        </a:xfrm>
-      </p:grpSpPr>
-      <p:sp>
-        <p:nvSpPr>
           <p:cNvPr id="2" name="Title 1">
             <a:extLst>
               <a:ext uri="{FF2B5EF4-FFF2-40B4-BE49-F238E27FC236}">
@@ -7403,66 +5628,6 @@
             <a:r>
               <a:rPr lang="zh-CN" altLang="en-US" dirty="0"/>
               <a:t>谢谢观看</a:t>
-            </a:r>
-            <a:endParaRPr lang="en-US" dirty="0"/>
-          </a:p>
-        </p:txBody>
-      </p:sp>
-      <p:sp>
-        <p:nvSpPr>
-          <p:cNvPr id="4" name="TextBox 3">
-            <a:extLst>
-              <a:ext uri="{FF2B5EF4-FFF2-40B4-BE49-F238E27FC236}">
-                <a16:creationId xmlns:a16="http://schemas.microsoft.com/office/drawing/2014/main" id="{14CA1D23-A600-4061-9FFA-6672D67D8B96}"/>
-              </a:ext>
-            </a:extLst>
-          </p:cNvPr>
-          <p:cNvSpPr txBox="1"/>
-          <p:nvPr/>
-        </p:nvSpPr>
-        <p:spPr>
-          <a:xfrm>
-            <a:off x="7132320" y="5221224"/>
-            <a:ext cx="4425696" cy="369332"/>
-          </a:xfrm>
-          <a:prstGeom prst="rect">
-            <a:avLst/>
-          </a:prstGeom>
-          <a:noFill/>
-        </p:spPr>
-        <p:txBody>
-          <a:bodyPr wrap="square" rtlCol="0">
-            <a:spAutoFit/>
-          </a:bodyPr>
-          <a:lstStyle/>
-          <a:p>
-            <a:r>
-              <a:rPr lang="en-US" dirty="0"/>
-              <a:t>#</a:t>
-            </a:r>
-            <a:r>
-              <a:rPr lang="en-US" altLang="zh-CN" dirty="0"/>
-              <a:t>TODO</a:t>
-            </a:r>
-            <a:r>
-              <a:rPr lang="zh-CN" altLang="en-US" dirty="0"/>
-              <a:t>：我在</a:t>
-            </a:r>
-            <a:r>
-              <a:rPr lang="en-US" altLang="zh-CN" dirty="0"/>
-              <a:t>pre</a:t>
-            </a:r>
-            <a:r>
-              <a:rPr lang="zh-CN" altLang="en-US" dirty="0"/>
-              <a:t>架构</a:t>
-            </a:r>
-            <a:r>
-              <a:rPr lang="en-US" altLang="zh-CN" dirty="0"/>
-              <a:t>.md</a:t>
-            </a:r>
-            <a:r>
-              <a:rPr lang="zh-CN" altLang="en-US" dirty="0"/>
-              <a:t>里加了一些内容</a:t>
             </a:r>
             <a:endParaRPr lang="en-US" dirty="0"/>
           </a:p>
@@ -8730,7 +6895,7 @@
           </a:lstStyle>
           <a:p>
             <a:r>
-              <a:rPr lang="zh-CN" altLang="en-US"/>
+              <a:rPr lang="zh-CN" altLang="en-US" dirty="0"/>
               <a:t>语言设计驱动</a:t>
             </a:r>
             <a:endParaRPr lang="en-US" dirty="0"/>
@@ -9719,122 +7884,12 @@
           </a:p>
         </p:txBody>
       </p:sp>
-      <p:sp>
-        <p:nvSpPr>
-          <p:cNvPr id="27" name="TextBox 26">
-            <a:extLst>
-              <a:ext uri="{FF2B5EF4-FFF2-40B4-BE49-F238E27FC236}">
-                <a16:creationId xmlns:a16="http://schemas.microsoft.com/office/drawing/2014/main" id="{C71E8FE2-64BE-4E62-AF0A-350C08EFFB45}"/>
-              </a:ext>
-            </a:extLst>
-          </p:cNvPr>
-          <p:cNvSpPr txBox="1"/>
-          <p:nvPr/>
-        </p:nvSpPr>
-        <p:spPr>
-          <a:xfrm>
-            <a:off x="6777036" y="1064172"/>
-            <a:ext cx="5172075" cy="923330"/>
-          </a:xfrm>
-          <a:prstGeom prst="rect">
-            <a:avLst/>
-          </a:prstGeom>
-          <a:noFill/>
-        </p:spPr>
-        <p:txBody>
-          <a:bodyPr wrap="square">
-            <a:spAutoFit/>
-          </a:bodyPr>
-          <a:lstStyle/>
-          <a:p>
-            <a:r>
-              <a:rPr lang="en-US" dirty="0"/>
-              <a:t>Setting </a:t>
-            </a:r>
-            <a:r>
-              <a:rPr lang="zh-CN" altLang="en-US" dirty="0"/>
-              <a:t>表示一个数，一个列表，或者列表的列表，</a:t>
-            </a:r>
-            <a:endParaRPr lang="en-US" altLang="zh-CN" dirty="0"/>
-          </a:p>
-          <a:p>
-            <a:r>
-              <a:rPr lang="zh-CN" altLang="en-US" dirty="0"/>
-              <a:t>用于</a:t>
-            </a:r>
-            <a:r>
-              <a:rPr lang="en-US" altLang="zh-CN" dirty="0"/>
-              <a:t>note</a:t>
-            </a:r>
-            <a:r>
-              <a:rPr lang="zh-CN" altLang="en-US" dirty="0"/>
-              <a:t>、</a:t>
-            </a:r>
-            <a:r>
-              <a:rPr lang="en-US" altLang="zh-CN" dirty="0"/>
-              <a:t>chord</a:t>
-            </a:r>
-            <a:r>
-              <a:rPr lang="zh-CN" altLang="en-US" dirty="0"/>
-              <a:t>和</a:t>
-            </a:r>
-            <a:r>
-              <a:rPr lang="en-US" altLang="zh-CN" dirty="0"/>
-              <a:t>piece</a:t>
-            </a:r>
-            <a:r>
-              <a:rPr lang="zh-CN" altLang="en-US" dirty="0"/>
-              <a:t>的初始化，</a:t>
-            </a:r>
-            <a:endParaRPr lang="en-US" altLang="zh-CN" dirty="0"/>
-          </a:p>
-          <a:p>
-            <a:r>
-              <a:rPr lang="zh-CN" altLang="en-US" dirty="0"/>
-              <a:t>或用于</a:t>
-            </a:r>
-            <a:r>
-              <a:rPr lang="en-US" altLang="zh-CN" dirty="0"/>
-              <a:t>%</a:t>
-            </a:r>
-            <a:r>
-              <a:rPr lang="zh-CN" altLang="en-US" dirty="0"/>
-              <a:t>和</a:t>
-            </a:r>
-            <a:r>
-              <a:rPr lang="en-US" altLang="zh-CN" dirty="0"/>
-              <a:t>@</a:t>
-            </a:r>
-            <a:r>
-              <a:rPr lang="zh-CN" altLang="en-US" dirty="0"/>
-              <a:t>操作符对 </a:t>
-            </a:r>
-            <a:r>
-              <a:rPr lang="en-US" dirty="0"/>
-              <a:t>note </a:t>
-            </a:r>
-            <a:r>
-              <a:rPr lang="zh-CN" altLang="en-US" dirty="0"/>
-              <a:t>或 </a:t>
-            </a:r>
-            <a:r>
-              <a:rPr lang="en-US" dirty="0"/>
-              <a:t>chord </a:t>
-            </a:r>
-            <a:r>
-              <a:rPr lang="zh-CN" altLang="en-US" dirty="0"/>
-              <a:t>做出更改。</a:t>
-            </a:r>
-            <a:endParaRPr lang="en-US" dirty="0"/>
-          </a:p>
-        </p:txBody>
-      </p:sp>
       <p:pic>
         <p:nvPicPr>
-          <p:cNvPr id="23" name="Picture 22">
-            <a:extLst>
-              <a:ext uri="{FF2B5EF4-FFF2-40B4-BE49-F238E27FC236}">
-                <a16:creationId xmlns:a16="http://schemas.microsoft.com/office/drawing/2014/main" id="{E130F56B-F514-4AEE-81C1-8C0BCD84A1CE}"/>
+          <p:cNvPr id="26" name="Picture 25">
+            <a:extLst>
+              <a:ext uri="{FF2B5EF4-FFF2-40B4-BE49-F238E27FC236}">
+                <a16:creationId xmlns:a16="http://schemas.microsoft.com/office/drawing/2014/main" id="{BB255520-C760-4724-AE8F-9BEB182CEF4B}"/>
               </a:ext>
             </a:extLst>
           </p:cNvPr>
@@ -9851,20 +7906,116 @@
         </p:blipFill>
         <p:spPr>
           <a:xfrm>
-            <a:off x="1396000" y="4071333"/>
-            <a:ext cx="4807919" cy="2021960"/>
+            <a:off x="2714626" y="1167952"/>
+            <a:ext cx="6891288" cy="1473214"/>
           </a:xfrm>
           <a:prstGeom prst="rect">
             <a:avLst/>
           </a:prstGeom>
         </p:spPr>
       </p:pic>
+      <p:sp>
+        <p:nvSpPr>
+          <p:cNvPr id="2" name="TextBox 1">
+            <a:extLst>
+              <a:ext uri="{FF2B5EF4-FFF2-40B4-BE49-F238E27FC236}">
+                <a16:creationId xmlns:a16="http://schemas.microsoft.com/office/drawing/2014/main" id="{E3CBB4DD-6E2F-40C2-A1D9-467244293A40}"/>
+              </a:ext>
+            </a:extLst>
+          </p:cNvPr>
+          <p:cNvSpPr txBox="1"/>
+          <p:nvPr/>
+        </p:nvSpPr>
+        <p:spPr>
+          <a:xfrm>
+            <a:off x="2714625" y="2625467"/>
+            <a:ext cx="8924544" cy="646331"/>
+          </a:xfrm>
+          <a:prstGeom prst="rect">
+            <a:avLst/>
+          </a:prstGeom>
+          <a:noFill/>
+        </p:spPr>
+        <p:txBody>
+          <a:bodyPr wrap="square" rtlCol="0">
+            <a:spAutoFit/>
+          </a:bodyPr>
+          <a:lstStyle/>
+          <a:p>
+            <a:r>
+              <a:rPr lang="en-US" dirty="0">
+                <a:latin typeface="Courier New" panose="02070309020205020404" pitchFamily="49" charset="0"/>
+                <a:cs typeface="Courier New" panose="02070309020205020404" pitchFamily="49" charset="0"/>
+              </a:rPr>
+              <a:t>setting s1 = {1/8, 1/8+1/16, 3/16, 1/16}; s1 = {s1, s1, 80}; </a:t>
+            </a:r>
+          </a:p>
+          <a:p>
+            <a:endParaRPr lang="en-US" dirty="0"/>
+          </a:p>
+        </p:txBody>
+      </p:sp>
+      <p:sp>
+        <p:nvSpPr>
+          <p:cNvPr id="3" name="Title 1">
+            <a:extLst>
+              <a:ext uri="{FF2B5EF4-FFF2-40B4-BE49-F238E27FC236}">
+                <a16:creationId xmlns:a16="http://schemas.microsoft.com/office/drawing/2014/main" id="{1DA4D8B9-1B52-4CAF-A334-EBA443B55660}"/>
+              </a:ext>
+            </a:extLst>
+          </p:cNvPr>
+          <p:cNvSpPr txBox="1">
+            <a:spLocks/>
+          </p:cNvSpPr>
+          <p:nvPr/>
+        </p:nvSpPr>
+        <p:spPr>
+          <a:xfrm>
+            <a:off x="838196" y="2839319"/>
+            <a:ext cx="8524877" cy="699047"/>
+          </a:xfrm>
+          <a:prstGeom prst="rect">
+            <a:avLst/>
+          </a:prstGeom>
+        </p:spPr>
+        <p:txBody>
+          <a:bodyPr vert="horz" lIns="91440" tIns="45720" rIns="91440" bIns="45720" rtlCol="0" anchor="ctr">
+            <a:noAutofit/>
+          </a:bodyPr>
+          <a:lstStyle>
+            <a:lvl1pPr algn="l" defTabSz="914400" rtl="0" eaLnBrk="1" latinLnBrk="0" hangingPunct="1">
+              <a:lnSpc>
+                <a:spcPct val="90000"/>
+              </a:lnSpc>
+              <a:spcBef>
+                <a:spcPct val="0"/>
+              </a:spcBef>
+              <a:buNone/>
+              <a:defRPr sz="4400" kern="1200">
+                <a:solidFill>
+                  <a:schemeClr val="tx1"/>
+                </a:solidFill>
+                <a:latin typeface="+mj-lt"/>
+                <a:ea typeface="+mj-ea"/>
+                <a:cs typeface="+mj-cs"/>
+              </a:defRPr>
+            </a:lvl1pPr>
+          </a:lstStyle>
+          <a:p>
+            <a:r>
+              <a:rPr lang="en-US" altLang="zh-CN" sz="3200" dirty="0"/>
+              <a:t>note</a:t>
+            </a:r>
+            <a:endParaRPr lang="en-US" sz="3200" dirty="0"/>
+          </a:p>
+        </p:txBody>
+      </p:sp>
       <p:pic>
         <p:nvPicPr>
-          <p:cNvPr id="26" name="Picture 25">
-            <a:extLst>
-              <a:ext uri="{FF2B5EF4-FFF2-40B4-BE49-F238E27FC236}">
-                <a16:creationId xmlns:a16="http://schemas.microsoft.com/office/drawing/2014/main" id="{BB255520-C760-4724-AE8F-9BEB182CEF4B}"/>
+          <p:cNvPr id="5" name="Picture 4">
+            <a:extLst>
+              <a:ext uri="{FF2B5EF4-FFF2-40B4-BE49-F238E27FC236}">
+                <a16:creationId xmlns:a16="http://schemas.microsoft.com/office/drawing/2014/main" id="{E8EBFEE9-7ED9-440D-B9A6-79C33C1FC24C}"/>
               </a:ext>
             </a:extLst>
           </p:cNvPr>
@@ -9881,8 +8032,8 @@
         </p:blipFill>
         <p:spPr>
           <a:xfrm>
-            <a:off x="1396000" y="2275560"/>
-            <a:ext cx="7052675" cy="1507715"/>
+            <a:off x="2714625" y="3026006"/>
+            <a:ext cx="6382241" cy="443982"/>
           </a:xfrm>
           <a:prstGeom prst="rect">
             <a:avLst/>
@@ -9891,10 +8042,10 @@
       </p:pic>
       <p:sp>
         <p:nvSpPr>
-          <p:cNvPr id="28" name="TextBox 27">
-            <a:extLst>
-              <a:ext uri="{FF2B5EF4-FFF2-40B4-BE49-F238E27FC236}">
-                <a16:creationId xmlns:a16="http://schemas.microsoft.com/office/drawing/2014/main" id="{467ADABA-5B24-4F58-A897-3A15EE7FDE31}"/>
+          <p:cNvPr id="6" name="TextBox 5">
+            <a:extLst>
+              <a:ext uri="{FF2B5EF4-FFF2-40B4-BE49-F238E27FC236}">
+                <a16:creationId xmlns:a16="http://schemas.microsoft.com/office/drawing/2014/main" id="{60156147-A107-4535-ADD7-566BCB0734ED}"/>
               </a:ext>
             </a:extLst>
           </p:cNvPr>
@@ -9903,8 +8054,8 @@
         </p:nvSpPr>
         <p:spPr>
           <a:xfrm>
-            <a:off x="5559552" y="345316"/>
-            <a:ext cx="2697480" cy="369332"/>
+            <a:off x="2714625" y="3538366"/>
+            <a:ext cx="7353202" cy="369332"/>
           </a:xfrm>
           <a:prstGeom prst="rect">
             <a:avLst/>
@@ -9918,18 +8069,267 @@
           <a:lstStyle/>
           <a:p>
             <a:r>
-              <a:rPr lang="en-US" dirty="0"/>
-              <a:t>#</a:t>
-            </a:r>
-            <a:r>
-              <a:rPr lang="en-US" altLang="zh-CN" dirty="0"/>
-              <a:t>TODO: </a:t>
-            </a:r>
-            <a:r>
-              <a:rPr lang="zh-CN" altLang="en-US" dirty="0"/>
-              <a:t>举几个典型例子</a:t>
-            </a:r>
-            <a:endParaRPr lang="en-US" dirty="0"/>
+              <a:rPr lang="en-US" dirty="0">
+                <a:latin typeface="Courier New" panose="02070309020205020404" pitchFamily="49" charset="0"/>
+                <a:cs typeface="Courier New" panose="02070309020205020404" pitchFamily="49" charset="0"/>
+              </a:rPr>
+              <a:t>note a5 = “A5”; note a5 = {“A”, 5, 1}; note a5 = 81;</a:t>
+            </a:r>
+          </a:p>
+        </p:txBody>
+      </p:sp>
+      <p:sp>
+        <p:nvSpPr>
+          <p:cNvPr id="8" name="Title 1">
+            <a:extLst>
+              <a:ext uri="{FF2B5EF4-FFF2-40B4-BE49-F238E27FC236}">
+                <a16:creationId xmlns:a16="http://schemas.microsoft.com/office/drawing/2014/main" id="{73CD3687-23DC-49AB-90FE-8D8E48C4F840}"/>
+              </a:ext>
+            </a:extLst>
+          </p:cNvPr>
+          <p:cNvSpPr txBox="1">
+            <a:spLocks/>
+          </p:cNvSpPr>
+          <p:nvPr/>
+        </p:nvSpPr>
+        <p:spPr>
+          <a:xfrm>
+            <a:off x="838196" y="3832671"/>
+            <a:ext cx="8524877" cy="699047"/>
+          </a:xfrm>
+          <a:prstGeom prst="rect">
+            <a:avLst/>
+          </a:prstGeom>
+        </p:spPr>
+        <p:txBody>
+          <a:bodyPr vert="horz" lIns="91440" tIns="45720" rIns="91440" bIns="45720" rtlCol="0" anchor="ctr">
+            <a:noAutofit/>
+          </a:bodyPr>
+          <a:lstStyle>
+            <a:lvl1pPr algn="l" defTabSz="914400" rtl="0" eaLnBrk="1" latinLnBrk="0" hangingPunct="1">
+              <a:lnSpc>
+                <a:spcPct val="90000"/>
+              </a:lnSpc>
+              <a:spcBef>
+                <a:spcPct val="0"/>
+              </a:spcBef>
+              <a:buNone/>
+              <a:defRPr sz="4400" kern="1200">
+                <a:solidFill>
+                  <a:schemeClr val="tx1"/>
+                </a:solidFill>
+                <a:latin typeface="+mj-lt"/>
+                <a:ea typeface="+mj-ea"/>
+                <a:cs typeface="+mj-cs"/>
+              </a:defRPr>
+            </a:lvl1pPr>
+          </a:lstStyle>
+          <a:p>
+            <a:r>
+              <a:rPr lang="en-US" altLang="zh-CN" sz="3200" dirty="0"/>
+              <a:t>chord</a:t>
+            </a:r>
+            <a:endParaRPr lang="en-US" sz="3200" dirty="0"/>
+          </a:p>
+        </p:txBody>
+      </p:sp>
+      <p:pic>
+        <p:nvPicPr>
+          <p:cNvPr id="10" name="Picture 9">
+            <a:extLst>
+              <a:ext uri="{FF2B5EF4-FFF2-40B4-BE49-F238E27FC236}">
+                <a16:creationId xmlns:a16="http://schemas.microsoft.com/office/drawing/2014/main" id="{2C386258-D481-4380-9DC6-9C428F48143E}"/>
+              </a:ext>
+            </a:extLst>
+          </p:cNvPr>
+          <p:cNvPicPr>
+            <a:picLocks noChangeAspect="1"/>
+          </p:cNvPicPr>
+          <p:nvPr/>
+        </p:nvPicPr>
+        <p:blipFill>
+          <a:blip r:embed="rId5"/>
+          <a:stretch>
+            <a:fillRect/>
+          </a:stretch>
+        </p:blipFill>
+        <p:spPr>
+          <a:xfrm>
+            <a:off x="2714625" y="3962916"/>
+            <a:ext cx="8003651" cy="1039668"/>
+          </a:xfrm>
+          <a:prstGeom prst="rect">
+            <a:avLst/>
+          </a:prstGeom>
+        </p:spPr>
+      </p:pic>
+      <p:sp>
+        <p:nvSpPr>
+          <p:cNvPr id="22" name="TextBox 21">
+            <a:extLst>
+              <a:ext uri="{FF2B5EF4-FFF2-40B4-BE49-F238E27FC236}">
+                <a16:creationId xmlns:a16="http://schemas.microsoft.com/office/drawing/2014/main" id="{2A966E50-8129-464F-9086-B5614F379BC2}"/>
+              </a:ext>
+            </a:extLst>
+          </p:cNvPr>
+          <p:cNvSpPr txBox="1"/>
+          <p:nvPr/>
+        </p:nvSpPr>
+        <p:spPr>
+          <a:xfrm>
+            <a:off x="2714625" y="5057802"/>
+            <a:ext cx="7287214" cy="646331"/>
+          </a:xfrm>
+          <a:prstGeom prst="rect">
+            <a:avLst/>
+          </a:prstGeom>
+          <a:noFill/>
+        </p:spPr>
+        <p:txBody>
+          <a:bodyPr wrap="square">
+            <a:spAutoFit/>
+          </a:bodyPr>
+          <a:lstStyle/>
+          <a:p>
+            <a:r>
+              <a:rPr lang="en-US" dirty="0">
+                <a:latin typeface="Courier New" panose="02070309020205020404" pitchFamily="49" charset="0"/>
+                <a:cs typeface="Courier New" panose="02070309020205020404" pitchFamily="49" charset="0"/>
+              </a:rPr>
+              <a:t>chord melody = {"F3", "A3", "B3", "B3"};</a:t>
+            </a:r>
+          </a:p>
+          <a:p>
+            <a:r>
+              <a:rPr lang="en-US" dirty="0">
+                <a:latin typeface="Courier New" panose="02070309020205020404" pitchFamily="49" charset="0"/>
+                <a:cs typeface="Courier New" panose="02070309020205020404" pitchFamily="49" charset="0"/>
+              </a:rPr>
+              <a:t>melody = melody % s1;</a:t>
+            </a:r>
+          </a:p>
+        </p:txBody>
+      </p:sp>
+      <p:sp>
+        <p:nvSpPr>
+          <p:cNvPr id="15" name="Title 1">
+            <a:extLst>
+              <a:ext uri="{FF2B5EF4-FFF2-40B4-BE49-F238E27FC236}">
+                <a16:creationId xmlns:a16="http://schemas.microsoft.com/office/drawing/2014/main" id="{15B528AF-17CE-414B-A29A-0F6AA9C451BA}"/>
+              </a:ext>
+            </a:extLst>
+          </p:cNvPr>
+          <p:cNvSpPr txBox="1">
+            <a:spLocks/>
+          </p:cNvSpPr>
+          <p:nvPr/>
+        </p:nvSpPr>
+        <p:spPr>
+          <a:xfrm>
+            <a:off x="952498" y="5600036"/>
+            <a:ext cx="8524877" cy="699047"/>
+          </a:xfrm>
+          <a:prstGeom prst="rect">
+            <a:avLst/>
+          </a:prstGeom>
+        </p:spPr>
+        <p:txBody>
+          <a:bodyPr vert="horz" lIns="91440" tIns="45720" rIns="91440" bIns="45720" rtlCol="0" anchor="ctr">
+            <a:noAutofit/>
+          </a:bodyPr>
+          <a:lstStyle>
+            <a:lvl1pPr algn="l" defTabSz="914400" rtl="0" eaLnBrk="1" latinLnBrk="0" hangingPunct="1">
+              <a:lnSpc>
+                <a:spcPct val="90000"/>
+              </a:lnSpc>
+              <a:spcBef>
+                <a:spcPct val="0"/>
+              </a:spcBef>
+              <a:buNone/>
+              <a:defRPr sz="4400" kern="1200">
+                <a:solidFill>
+                  <a:schemeClr val="tx1"/>
+                </a:solidFill>
+                <a:latin typeface="+mj-lt"/>
+                <a:ea typeface="+mj-ea"/>
+                <a:cs typeface="+mj-cs"/>
+              </a:defRPr>
+            </a:lvl1pPr>
+          </a:lstStyle>
+          <a:p>
+            <a:r>
+              <a:rPr lang="en-US" altLang="zh-CN" sz="3200" dirty="0"/>
+              <a:t>piece</a:t>
+            </a:r>
+            <a:endParaRPr lang="en-US" sz="3200" dirty="0"/>
+          </a:p>
+        </p:txBody>
+      </p:sp>
+      <p:pic>
+        <p:nvPicPr>
+          <p:cNvPr id="18" name="Picture 17">
+            <a:extLst>
+              <a:ext uri="{FF2B5EF4-FFF2-40B4-BE49-F238E27FC236}">
+                <a16:creationId xmlns:a16="http://schemas.microsoft.com/office/drawing/2014/main" id="{B9DA45B3-B95B-4AAC-A942-A48DB2F2E158}"/>
+              </a:ext>
+            </a:extLst>
+          </p:cNvPr>
+          <p:cNvPicPr>
+            <a:picLocks noChangeAspect="1"/>
+          </p:cNvPicPr>
+          <p:nvPr/>
+        </p:nvPicPr>
+        <p:blipFill>
+          <a:blip r:embed="rId6"/>
+          <a:stretch>
+            <a:fillRect/>
+          </a:stretch>
+        </p:blipFill>
+        <p:spPr>
+          <a:xfrm>
+            <a:off x="2714625" y="5654321"/>
+            <a:ext cx="5476190" cy="590476"/>
+          </a:xfrm>
+          <a:prstGeom prst="rect">
+            <a:avLst/>
+          </a:prstGeom>
+        </p:spPr>
+      </p:pic>
+      <p:sp>
+        <p:nvSpPr>
+          <p:cNvPr id="29" name="TextBox 28">
+            <a:extLst>
+              <a:ext uri="{FF2B5EF4-FFF2-40B4-BE49-F238E27FC236}">
+                <a16:creationId xmlns:a16="http://schemas.microsoft.com/office/drawing/2014/main" id="{1AE4CB23-A3E7-44E9-90E9-5BF95325BB1D}"/>
+              </a:ext>
+            </a:extLst>
+          </p:cNvPr>
+          <p:cNvSpPr txBox="1"/>
+          <p:nvPr/>
+        </p:nvSpPr>
+        <p:spPr>
+          <a:xfrm>
+            <a:off x="2714625" y="6244797"/>
+            <a:ext cx="8779383" cy="369332"/>
+          </a:xfrm>
+          <a:prstGeom prst="rect">
+            <a:avLst/>
+          </a:prstGeom>
+          <a:noFill/>
+        </p:spPr>
+        <p:txBody>
+          <a:bodyPr wrap="square">
+            <a:spAutoFit/>
+          </a:bodyPr>
+          <a:lstStyle/>
+          <a:p>
+            <a:r>
+              <a:rPr lang="en-US" dirty="0">
+                <a:latin typeface="Courier New" panose="02070309020205020404" pitchFamily="49" charset="0"/>
+                <a:cs typeface="Courier New" panose="02070309020205020404" pitchFamily="49" charset="0"/>
+              </a:rPr>
+              <a:t>piece c = {{melody1, melody2, accompany}, {74, 69, 1}, 60}; </a:t>
+            </a:r>
           </a:p>
         </p:txBody>
       </p:sp>
@@ -10012,7 +8412,7 @@
           <a:p>
             <a:r>
               <a:rPr lang="zh-CN" altLang="en-US" dirty="0"/>
-              <a:t>新增数据类型</a:t>
+              <a:t>保留字</a:t>
             </a:r>
             <a:endParaRPr lang="en-US" dirty="0"/>
           </a:p>
@@ -10020,75 +8420,20 @@
       </p:sp>
       <p:sp>
         <p:nvSpPr>
-          <p:cNvPr id="14" name="Title 1">
-            <a:extLst>
-              <a:ext uri="{FF2B5EF4-FFF2-40B4-BE49-F238E27FC236}">
-                <a16:creationId xmlns:a16="http://schemas.microsoft.com/office/drawing/2014/main" id="{0C3D79D7-8064-44B3-A5C0-C0F3F9899B54}"/>
-              </a:ext>
-            </a:extLst>
-          </p:cNvPr>
-          <p:cNvSpPr txBox="1">
-            <a:spLocks/>
-          </p:cNvSpPr>
+          <p:cNvPr id="5" name="TextBox 4">
+            <a:extLst>
+              <a:ext uri="{FF2B5EF4-FFF2-40B4-BE49-F238E27FC236}">
+                <a16:creationId xmlns:a16="http://schemas.microsoft.com/office/drawing/2014/main" id="{B1F8633A-F87B-4C36-9F9A-26CA200EBC46}"/>
+              </a:ext>
+            </a:extLst>
+          </p:cNvPr>
+          <p:cNvSpPr txBox="1"/>
           <p:nvPr/>
         </p:nvSpPr>
         <p:spPr>
           <a:xfrm>
-            <a:off x="838197" y="1064172"/>
-            <a:ext cx="8524877" cy="699047"/>
-          </a:xfrm>
-          <a:prstGeom prst="rect">
-            <a:avLst/>
-          </a:prstGeom>
-        </p:spPr>
-        <p:txBody>
-          <a:bodyPr vert="horz" lIns="91440" tIns="45720" rIns="91440" bIns="45720" rtlCol="0" anchor="ctr">
-            <a:noAutofit/>
-          </a:bodyPr>
-          <a:lstStyle>
-            <a:lvl1pPr algn="l" defTabSz="914400" rtl="0" eaLnBrk="1" latinLnBrk="0" hangingPunct="1">
-              <a:lnSpc>
-                <a:spcPct val="90000"/>
-              </a:lnSpc>
-              <a:spcBef>
-                <a:spcPct val="0"/>
-              </a:spcBef>
-              <a:buNone/>
-              <a:defRPr sz="4400" kern="1200">
-                <a:solidFill>
-                  <a:schemeClr val="tx1"/>
-                </a:solidFill>
-                <a:latin typeface="+mj-lt"/>
-                <a:ea typeface="+mj-ea"/>
-                <a:cs typeface="+mj-cs"/>
-              </a:defRPr>
-            </a:lvl1pPr>
-          </a:lstStyle>
-          <a:p>
-            <a:r>
-              <a:rPr lang="en-US" altLang="zh-CN" sz="3200" dirty="0"/>
-              <a:t>note</a:t>
-            </a:r>
-            <a:endParaRPr lang="en-US" sz="3200" dirty="0"/>
-          </a:p>
-        </p:txBody>
-      </p:sp>
-      <p:sp>
-        <p:nvSpPr>
-          <p:cNvPr id="27" name="TextBox 26">
-            <a:extLst>
-              <a:ext uri="{FF2B5EF4-FFF2-40B4-BE49-F238E27FC236}">
-                <a16:creationId xmlns:a16="http://schemas.microsoft.com/office/drawing/2014/main" id="{C71E8FE2-64BE-4E62-AF0A-350C08EFFB45}"/>
-              </a:ext>
-            </a:extLst>
-          </p:cNvPr>
-          <p:cNvSpPr txBox="1"/>
-          <p:nvPr/>
-        </p:nvSpPr>
-        <p:spPr>
-          <a:xfrm>
-            <a:off x="6777036" y="1064172"/>
-            <a:ext cx="5172075" cy="2031325"/>
+            <a:off x="532638" y="1143197"/>
+            <a:ext cx="3752850" cy="5632311"/>
           </a:xfrm>
           <a:prstGeom prst="rect">
             <a:avLst/>
@@ -10102,173 +8447,989 @@
           <a:lstStyle/>
           <a:p>
             <a:r>
-              <a:rPr lang="en-US" altLang="zh-CN" dirty="0"/>
-              <a:t>Note </a:t>
-            </a:r>
-            <a:r>
-              <a:rPr lang="zh-CN" altLang="en-US" dirty="0"/>
-              <a:t>表示一个音符，其中包含了音名 </a:t>
-            </a:r>
-            <a:r>
-              <a:rPr lang="en-US" altLang="zh-CN" dirty="0"/>
-              <a:t>(C, E, Gb, ... </a:t>
-            </a:r>
-            <a:r>
-              <a:rPr lang="zh-CN" altLang="en-US" dirty="0"/>
-              <a:t>一个表示音名的字符串</a:t>
-            </a:r>
-            <a:r>
-              <a:rPr lang="en-US" altLang="zh-CN" dirty="0"/>
-              <a:t>) </a:t>
-            </a:r>
-            <a:r>
-              <a:rPr lang="zh-CN" altLang="en-US" dirty="0"/>
-              <a:t>，八度数</a:t>
-            </a:r>
-            <a:r>
-              <a:rPr lang="en-US" altLang="zh-CN" dirty="0"/>
-              <a:t>(</a:t>
-            </a:r>
-            <a:r>
-              <a:rPr lang="zh-CN" altLang="en-US" dirty="0"/>
-              <a:t>和音名一起确定一个音的音高</a:t>
-            </a:r>
-            <a:r>
-              <a:rPr lang="en-US" altLang="zh-CN" dirty="0"/>
-              <a:t>)</a:t>
-            </a:r>
-            <a:r>
-              <a:rPr lang="zh-CN" altLang="en-US" dirty="0"/>
-              <a:t>，时长</a:t>
-            </a:r>
-            <a:r>
-              <a:rPr lang="en-US" altLang="zh-CN" dirty="0"/>
-              <a:t>(</a:t>
-            </a:r>
-            <a:r>
-              <a:rPr lang="zh-CN" altLang="en-US" dirty="0"/>
-              <a:t>音符长度，单位为小节</a:t>
-            </a:r>
-            <a:r>
-              <a:rPr lang="en-US" altLang="zh-CN" dirty="0"/>
-              <a:t>) </a:t>
-            </a:r>
-            <a:r>
-              <a:rPr lang="zh-CN" altLang="en-US" dirty="0"/>
-              <a:t>和音量</a:t>
-            </a:r>
-            <a:r>
-              <a:rPr lang="en-US" altLang="zh-CN" dirty="0"/>
-              <a:t>(</a:t>
-            </a:r>
-            <a:r>
-              <a:rPr lang="zh-CN" altLang="en-US" dirty="0"/>
-              <a:t>音符的力度，范围为 </a:t>
-            </a:r>
-            <a:r>
-              <a:rPr lang="en-US" altLang="zh-CN" dirty="0"/>
-              <a:t>0-127) </a:t>
-            </a:r>
-            <a:r>
-              <a:rPr lang="zh-CN" altLang="en-US" dirty="0"/>
-              <a:t>等信息。可以通过 </a:t>
-            </a:r>
-            <a:r>
-              <a:rPr lang="en-US" altLang="zh-CN" dirty="0"/>
-              <a:t>1.3.1 </a:t>
-            </a:r>
-            <a:r>
-              <a:rPr lang="zh-CN" altLang="en-US" dirty="0"/>
-              <a:t>节中的特定语义的字符串对音 符进行初始化，也可以用 </a:t>
-            </a:r>
-            <a:r>
-              <a:rPr lang="en-US" altLang="zh-CN" dirty="0"/>
-              <a:t>setting </a:t>
-            </a:r>
-            <a:r>
-              <a:rPr lang="zh-CN" altLang="en-US" dirty="0"/>
-              <a:t>对音符进行初始化，还可直接使用音高数进行初始化。</a:t>
-            </a:r>
-            <a:endParaRPr lang="en-US" dirty="0"/>
-          </a:p>
-        </p:txBody>
-      </p:sp>
-      <p:pic>
-        <p:nvPicPr>
-          <p:cNvPr id="6" name="Picture 5">
-            <a:extLst>
-              <a:ext uri="{FF2B5EF4-FFF2-40B4-BE49-F238E27FC236}">
-                <a16:creationId xmlns:a16="http://schemas.microsoft.com/office/drawing/2014/main" id="{1AA70D03-5B4B-45B1-B4CF-21472150B31F}"/>
-              </a:ext>
-            </a:extLst>
-          </p:cNvPr>
-          <p:cNvPicPr>
-            <a:picLocks noChangeAspect="1"/>
-          </p:cNvPicPr>
+              <a:rPr lang="en-US" b="0" dirty="0">
+                <a:solidFill>
+                  <a:srgbClr val="4FC1FF"/>
+                </a:solidFill>
+                <a:effectLst/>
+                <a:latin typeface="Consolas" panose="020B0609020204030204" pitchFamily="49" charset="0"/>
+              </a:rPr>
+              <a:t>INTERVAL</a:t>
+            </a:r>
+            <a:r>
+              <a:rPr lang="en-US" b="0" dirty="0">
+                <a:solidFill>
+                  <a:srgbClr val="D4D4D4"/>
+                </a:solidFill>
+                <a:effectLst/>
+                <a:latin typeface="Consolas" panose="020B0609020204030204" pitchFamily="49" charset="0"/>
+              </a:rPr>
+              <a:t> = {</a:t>
+            </a:r>
+          </a:p>
+          <a:p>
+            <a:r>
+              <a:rPr lang="en-US" b="0" dirty="0">
+                <a:solidFill>
+                  <a:srgbClr val="D4D4D4"/>
+                </a:solidFill>
+                <a:effectLst/>
+                <a:latin typeface="Consolas" panose="020B0609020204030204" pitchFamily="49" charset="0"/>
+              </a:rPr>
+              <a:t>    </a:t>
+            </a:r>
+            <a:r>
+              <a:rPr lang="en-US" b="0" dirty="0">
+                <a:solidFill>
+                  <a:srgbClr val="B5CEA8"/>
+                </a:solidFill>
+                <a:effectLst/>
+                <a:latin typeface="Consolas" panose="020B0609020204030204" pitchFamily="49" charset="0"/>
+              </a:rPr>
+              <a:t>0</a:t>
+            </a:r>
+            <a:r>
+              <a:rPr lang="en-US" b="0" dirty="0">
+                <a:solidFill>
+                  <a:srgbClr val="D4D4D4"/>
+                </a:solidFill>
+                <a:effectLst/>
+                <a:latin typeface="Consolas" panose="020B0609020204030204" pitchFamily="49" charset="0"/>
+              </a:rPr>
+              <a:t>: </a:t>
+            </a:r>
+            <a:r>
+              <a:rPr lang="en-US" b="0" dirty="0">
+                <a:solidFill>
+                  <a:srgbClr val="CE9178"/>
+                </a:solidFill>
+                <a:effectLst/>
+                <a:latin typeface="Consolas" panose="020B0609020204030204" pitchFamily="49" charset="0"/>
+              </a:rPr>
+              <a:t>'perfect unison'</a:t>
+            </a:r>
+            <a:r>
+              <a:rPr lang="en-US" b="0" dirty="0">
+                <a:solidFill>
+                  <a:srgbClr val="D4D4D4"/>
+                </a:solidFill>
+                <a:effectLst/>
+                <a:latin typeface="Consolas" panose="020B0609020204030204" pitchFamily="49" charset="0"/>
+              </a:rPr>
+              <a:t>,</a:t>
+            </a:r>
+          </a:p>
+          <a:p>
+            <a:r>
+              <a:rPr lang="en-US" b="0" dirty="0">
+                <a:solidFill>
+                  <a:srgbClr val="D4D4D4"/>
+                </a:solidFill>
+                <a:effectLst/>
+                <a:latin typeface="Consolas" panose="020B0609020204030204" pitchFamily="49" charset="0"/>
+              </a:rPr>
+              <a:t>    </a:t>
+            </a:r>
+            <a:r>
+              <a:rPr lang="en-US" b="0" dirty="0">
+                <a:solidFill>
+                  <a:srgbClr val="B5CEA8"/>
+                </a:solidFill>
+                <a:effectLst/>
+                <a:latin typeface="Consolas" panose="020B0609020204030204" pitchFamily="49" charset="0"/>
+              </a:rPr>
+              <a:t>1</a:t>
+            </a:r>
+            <a:r>
+              <a:rPr lang="en-US" b="0" dirty="0">
+                <a:solidFill>
+                  <a:srgbClr val="D4D4D4"/>
+                </a:solidFill>
+                <a:effectLst/>
+                <a:latin typeface="Consolas" panose="020B0609020204030204" pitchFamily="49" charset="0"/>
+              </a:rPr>
+              <a:t>: </a:t>
+            </a:r>
+            <a:r>
+              <a:rPr lang="en-US" b="0" dirty="0">
+                <a:solidFill>
+                  <a:srgbClr val="CE9178"/>
+                </a:solidFill>
+                <a:effectLst/>
+                <a:latin typeface="Consolas" panose="020B0609020204030204" pitchFamily="49" charset="0"/>
+              </a:rPr>
+              <a:t>'minor second'</a:t>
+            </a:r>
+            <a:r>
+              <a:rPr lang="en-US" b="0" dirty="0">
+                <a:solidFill>
+                  <a:srgbClr val="D4D4D4"/>
+                </a:solidFill>
+                <a:effectLst/>
+                <a:latin typeface="Consolas" panose="020B0609020204030204" pitchFamily="49" charset="0"/>
+              </a:rPr>
+              <a:t>,</a:t>
+            </a:r>
+          </a:p>
+          <a:p>
+            <a:r>
+              <a:rPr lang="en-US" b="0" dirty="0">
+                <a:solidFill>
+                  <a:srgbClr val="D4D4D4"/>
+                </a:solidFill>
+                <a:effectLst/>
+                <a:latin typeface="Consolas" panose="020B0609020204030204" pitchFamily="49" charset="0"/>
+              </a:rPr>
+              <a:t>    </a:t>
+            </a:r>
+            <a:r>
+              <a:rPr lang="en-US" b="0" dirty="0">
+                <a:solidFill>
+                  <a:srgbClr val="B5CEA8"/>
+                </a:solidFill>
+                <a:effectLst/>
+                <a:latin typeface="Consolas" panose="020B0609020204030204" pitchFamily="49" charset="0"/>
+              </a:rPr>
+              <a:t>2</a:t>
+            </a:r>
+            <a:r>
+              <a:rPr lang="en-US" b="0" dirty="0">
+                <a:solidFill>
+                  <a:srgbClr val="D4D4D4"/>
+                </a:solidFill>
+                <a:effectLst/>
+                <a:latin typeface="Consolas" panose="020B0609020204030204" pitchFamily="49" charset="0"/>
+              </a:rPr>
+              <a:t>: </a:t>
+            </a:r>
+            <a:r>
+              <a:rPr lang="en-US" b="0" dirty="0">
+                <a:solidFill>
+                  <a:srgbClr val="CE9178"/>
+                </a:solidFill>
+                <a:effectLst/>
+                <a:latin typeface="Consolas" panose="020B0609020204030204" pitchFamily="49" charset="0"/>
+              </a:rPr>
+              <a:t>'major second'</a:t>
+            </a:r>
+            <a:r>
+              <a:rPr lang="en-US" b="0" dirty="0">
+                <a:solidFill>
+                  <a:srgbClr val="D4D4D4"/>
+                </a:solidFill>
+                <a:effectLst/>
+                <a:latin typeface="Consolas" panose="020B0609020204030204" pitchFamily="49" charset="0"/>
+              </a:rPr>
+              <a:t>,</a:t>
+            </a:r>
+          </a:p>
+          <a:p>
+            <a:r>
+              <a:rPr lang="en-US" b="0" dirty="0">
+                <a:solidFill>
+                  <a:srgbClr val="D4D4D4"/>
+                </a:solidFill>
+                <a:effectLst/>
+                <a:latin typeface="Consolas" panose="020B0609020204030204" pitchFamily="49" charset="0"/>
+              </a:rPr>
+              <a:t>    </a:t>
+            </a:r>
+            <a:r>
+              <a:rPr lang="en-US" b="0" dirty="0">
+                <a:solidFill>
+                  <a:srgbClr val="B5CEA8"/>
+                </a:solidFill>
+                <a:effectLst/>
+                <a:latin typeface="Consolas" panose="020B0609020204030204" pitchFamily="49" charset="0"/>
+              </a:rPr>
+              <a:t>3</a:t>
+            </a:r>
+            <a:r>
+              <a:rPr lang="en-US" b="0" dirty="0">
+                <a:solidFill>
+                  <a:srgbClr val="D4D4D4"/>
+                </a:solidFill>
+                <a:effectLst/>
+                <a:latin typeface="Consolas" panose="020B0609020204030204" pitchFamily="49" charset="0"/>
+              </a:rPr>
+              <a:t>: </a:t>
+            </a:r>
+            <a:r>
+              <a:rPr lang="en-US" b="0" dirty="0">
+                <a:solidFill>
+                  <a:srgbClr val="CE9178"/>
+                </a:solidFill>
+                <a:effectLst/>
+                <a:latin typeface="Consolas" panose="020B0609020204030204" pitchFamily="49" charset="0"/>
+              </a:rPr>
+              <a:t>'minor third'</a:t>
+            </a:r>
+            <a:r>
+              <a:rPr lang="en-US" b="0" dirty="0">
+                <a:solidFill>
+                  <a:srgbClr val="D4D4D4"/>
+                </a:solidFill>
+                <a:effectLst/>
+                <a:latin typeface="Consolas" panose="020B0609020204030204" pitchFamily="49" charset="0"/>
+              </a:rPr>
+              <a:t>,</a:t>
+            </a:r>
+          </a:p>
+          <a:p>
+            <a:r>
+              <a:rPr lang="en-US" b="0" dirty="0">
+                <a:solidFill>
+                  <a:srgbClr val="D4D4D4"/>
+                </a:solidFill>
+                <a:effectLst/>
+                <a:latin typeface="Consolas" panose="020B0609020204030204" pitchFamily="49" charset="0"/>
+              </a:rPr>
+              <a:t>    </a:t>
+            </a:r>
+            <a:r>
+              <a:rPr lang="en-US" b="0" dirty="0">
+                <a:solidFill>
+                  <a:srgbClr val="B5CEA8"/>
+                </a:solidFill>
+                <a:effectLst/>
+                <a:latin typeface="Consolas" panose="020B0609020204030204" pitchFamily="49" charset="0"/>
+              </a:rPr>
+              <a:t>4</a:t>
+            </a:r>
+            <a:r>
+              <a:rPr lang="en-US" b="0" dirty="0">
+                <a:solidFill>
+                  <a:srgbClr val="D4D4D4"/>
+                </a:solidFill>
+                <a:effectLst/>
+                <a:latin typeface="Consolas" panose="020B0609020204030204" pitchFamily="49" charset="0"/>
+              </a:rPr>
+              <a:t>: </a:t>
+            </a:r>
+            <a:r>
+              <a:rPr lang="en-US" b="0" dirty="0">
+                <a:solidFill>
+                  <a:srgbClr val="CE9178"/>
+                </a:solidFill>
+                <a:effectLst/>
+                <a:latin typeface="Consolas" panose="020B0609020204030204" pitchFamily="49" charset="0"/>
+              </a:rPr>
+              <a:t>'major third'</a:t>
+            </a:r>
+            <a:r>
+              <a:rPr lang="en-US" b="0" dirty="0">
+                <a:solidFill>
+                  <a:srgbClr val="D4D4D4"/>
+                </a:solidFill>
+                <a:effectLst/>
+                <a:latin typeface="Consolas" panose="020B0609020204030204" pitchFamily="49" charset="0"/>
+              </a:rPr>
+              <a:t>,</a:t>
+            </a:r>
+          </a:p>
+          <a:p>
+            <a:r>
+              <a:rPr lang="en-US" b="0" dirty="0">
+                <a:solidFill>
+                  <a:srgbClr val="D4D4D4"/>
+                </a:solidFill>
+                <a:effectLst/>
+                <a:latin typeface="Consolas" panose="020B0609020204030204" pitchFamily="49" charset="0"/>
+              </a:rPr>
+              <a:t>    </a:t>
+            </a:r>
+            <a:r>
+              <a:rPr lang="en-US" b="0" dirty="0">
+                <a:solidFill>
+                  <a:srgbClr val="B5CEA8"/>
+                </a:solidFill>
+                <a:effectLst/>
+                <a:latin typeface="Consolas" panose="020B0609020204030204" pitchFamily="49" charset="0"/>
+              </a:rPr>
+              <a:t>5</a:t>
+            </a:r>
+            <a:r>
+              <a:rPr lang="en-US" b="0" dirty="0">
+                <a:solidFill>
+                  <a:srgbClr val="D4D4D4"/>
+                </a:solidFill>
+                <a:effectLst/>
+                <a:latin typeface="Consolas" panose="020B0609020204030204" pitchFamily="49" charset="0"/>
+              </a:rPr>
+              <a:t>: </a:t>
+            </a:r>
+            <a:r>
+              <a:rPr lang="en-US" b="0" dirty="0">
+                <a:solidFill>
+                  <a:srgbClr val="CE9178"/>
+                </a:solidFill>
+                <a:effectLst/>
+                <a:latin typeface="Consolas" panose="020B0609020204030204" pitchFamily="49" charset="0"/>
+              </a:rPr>
+              <a:t>'perfect fourth'</a:t>
+            </a:r>
+            <a:r>
+              <a:rPr lang="en-US" b="0" dirty="0">
+                <a:solidFill>
+                  <a:srgbClr val="D4D4D4"/>
+                </a:solidFill>
+                <a:effectLst/>
+                <a:latin typeface="Consolas" panose="020B0609020204030204" pitchFamily="49" charset="0"/>
+              </a:rPr>
+              <a:t>,</a:t>
+            </a:r>
+          </a:p>
+          <a:p>
+            <a:r>
+              <a:rPr lang="en-US" b="0" dirty="0">
+                <a:solidFill>
+                  <a:srgbClr val="D4D4D4"/>
+                </a:solidFill>
+                <a:effectLst/>
+                <a:latin typeface="Consolas" panose="020B0609020204030204" pitchFamily="49" charset="0"/>
+              </a:rPr>
+              <a:t>    </a:t>
+            </a:r>
+            <a:r>
+              <a:rPr lang="en-US" b="0" dirty="0">
+                <a:solidFill>
+                  <a:srgbClr val="B5CEA8"/>
+                </a:solidFill>
+                <a:effectLst/>
+                <a:latin typeface="Consolas" panose="020B0609020204030204" pitchFamily="49" charset="0"/>
+              </a:rPr>
+              <a:t>6</a:t>
+            </a:r>
+            <a:r>
+              <a:rPr lang="en-US" b="0" dirty="0">
+                <a:solidFill>
+                  <a:srgbClr val="D4D4D4"/>
+                </a:solidFill>
+                <a:effectLst/>
+                <a:latin typeface="Consolas" panose="020B0609020204030204" pitchFamily="49" charset="0"/>
+              </a:rPr>
+              <a:t>: </a:t>
+            </a:r>
+            <a:r>
+              <a:rPr lang="en-US" b="0" dirty="0">
+                <a:solidFill>
+                  <a:srgbClr val="CE9178"/>
+                </a:solidFill>
+                <a:effectLst/>
+                <a:latin typeface="Consolas" panose="020B0609020204030204" pitchFamily="49" charset="0"/>
+              </a:rPr>
+              <a:t>'diminished fifth'</a:t>
+            </a:r>
+            <a:r>
+              <a:rPr lang="en-US" b="0" dirty="0">
+                <a:solidFill>
+                  <a:srgbClr val="D4D4D4"/>
+                </a:solidFill>
+                <a:effectLst/>
+                <a:latin typeface="Consolas" panose="020B0609020204030204" pitchFamily="49" charset="0"/>
+              </a:rPr>
+              <a:t>,</a:t>
+            </a:r>
+          </a:p>
+          <a:p>
+            <a:r>
+              <a:rPr lang="en-US" b="0" dirty="0">
+                <a:solidFill>
+                  <a:srgbClr val="D4D4D4"/>
+                </a:solidFill>
+                <a:effectLst/>
+                <a:latin typeface="Consolas" panose="020B0609020204030204" pitchFamily="49" charset="0"/>
+              </a:rPr>
+              <a:t>    </a:t>
+            </a:r>
+            <a:r>
+              <a:rPr lang="en-US" b="0" dirty="0">
+                <a:solidFill>
+                  <a:srgbClr val="B5CEA8"/>
+                </a:solidFill>
+                <a:effectLst/>
+                <a:latin typeface="Consolas" panose="020B0609020204030204" pitchFamily="49" charset="0"/>
+              </a:rPr>
+              <a:t>7</a:t>
+            </a:r>
+            <a:r>
+              <a:rPr lang="en-US" b="0" dirty="0">
+                <a:solidFill>
+                  <a:srgbClr val="D4D4D4"/>
+                </a:solidFill>
+                <a:effectLst/>
+                <a:latin typeface="Consolas" panose="020B0609020204030204" pitchFamily="49" charset="0"/>
+              </a:rPr>
+              <a:t>: </a:t>
+            </a:r>
+            <a:r>
+              <a:rPr lang="en-US" b="0" dirty="0">
+                <a:solidFill>
+                  <a:srgbClr val="CE9178"/>
+                </a:solidFill>
+                <a:effectLst/>
+                <a:latin typeface="Consolas" panose="020B0609020204030204" pitchFamily="49" charset="0"/>
+              </a:rPr>
+              <a:t>'perfect fifth'</a:t>
+            </a:r>
+            <a:r>
+              <a:rPr lang="en-US" b="0" dirty="0">
+                <a:solidFill>
+                  <a:srgbClr val="D4D4D4"/>
+                </a:solidFill>
+                <a:effectLst/>
+                <a:latin typeface="Consolas" panose="020B0609020204030204" pitchFamily="49" charset="0"/>
+              </a:rPr>
+              <a:t>,</a:t>
+            </a:r>
+          </a:p>
+          <a:p>
+            <a:r>
+              <a:rPr lang="en-US" b="0" dirty="0">
+                <a:solidFill>
+                  <a:srgbClr val="D4D4D4"/>
+                </a:solidFill>
+                <a:effectLst/>
+                <a:latin typeface="Consolas" panose="020B0609020204030204" pitchFamily="49" charset="0"/>
+              </a:rPr>
+              <a:t>    </a:t>
+            </a:r>
+            <a:r>
+              <a:rPr lang="en-US" b="0" dirty="0">
+                <a:solidFill>
+                  <a:srgbClr val="B5CEA8"/>
+                </a:solidFill>
+                <a:effectLst/>
+                <a:latin typeface="Consolas" panose="020B0609020204030204" pitchFamily="49" charset="0"/>
+              </a:rPr>
+              <a:t>8</a:t>
+            </a:r>
+            <a:r>
+              <a:rPr lang="en-US" b="0" dirty="0">
+                <a:solidFill>
+                  <a:srgbClr val="D4D4D4"/>
+                </a:solidFill>
+                <a:effectLst/>
+                <a:latin typeface="Consolas" panose="020B0609020204030204" pitchFamily="49" charset="0"/>
+              </a:rPr>
+              <a:t>: </a:t>
+            </a:r>
+            <a:r>
+              <a:rPr lang="en-US" b="0" dirty="0">
+                <a:solidFill>
+                  <a:srgbClr val="CE9178"/>
+                </a:solidFill>
+                <a:effectLst/>
+                <a:latin typeface="Consolas" panose="020B0609020204030204" pitchFamily="49" charset="0"/>
+              </a:rPr>
+              <a:t>'minor sixth'</a:t>
+            </a:r>
+            <a:r>
+              <a:rPr lang="en-US" b="0" dirty="0">
+                <a:solidFill>
+                  <a:srgbClr val="D4D4D4"/>
+                </a:solidFill>
+                <a:effectLst/>
+                <a:latin typeface="Consolas" panose="020B0609020204030204" pitchFamily="49" charset="0"/>
+              </a:rPr>
+              <a:t>,</a:t>
+            </a:r>
+          </a:p>
+          <a:p>
+            <a:r>
+              <a:rPr lang="en-US" b="0" dirty="0">
+                <a:solidFill>
+                  <a:srgbClr val="D4D4D4"/>
+                </a:solidFill>
+                <a:effectLst/>
+                <a:latin typeface="Consolas" panose="020B0609020204030204" pitchFamily="49" charset="0"/>
+              </a:rPr>
+              <a:t>    </a:t>
+            </a:r>
+            <a:r>
+              <a:rPr lang="en-US" b="0" dirty="0">
+                <a:solidFill>
+                  <a:srgbClr val="B5CEA8"/>
+                </a:solidFill>
+                <a:effectLst/>
+                <a:latin typeface="Consolas" panose="020B0609020204030204" pitchFamily="49" charset="0"/>
+              </a:rPr>
+              <a:t>9</a:t>
+            </a:r>
+            <a:r>
+              <a:rPr lang="en-US" b="0" dirty="0">
+                <a:solidFill>
+                  <a:srgbClr val="D4D4D4"/>
+                </a:solidFill>
+                <a:effectLst/>
+                <a:latin typeface="Consolas" panose="020B0609020204030204" pitchFamily="49" charset="0"/>
+              </a:rPr>
+              <a:t>: </a:t>
+            </a:r>
+            <a:r>
+              <a:rPr lang="en-US" b="0" dirty="0">
+                <a:solidFill>
+                  <a:srgbClr val="CE9178"/>
+                </a:solidFill>
+                <a:effectLst/>
+                <a:latin typeface="Consolas" panose="020B0609020204030204" pitchFamily="49" charset="0"/>
+              </a:rPr>
+              <a:t>'major sixth'</a:t>
+            </a:r>
+            <a:r>
+              <a:rPr lang="en-US" b="0" dirty="0">
+                <a:solidFill>
+                  <a:srgbClr val="D4D4D4"/>
+                </a:solidFill>
+                <a:effectLst/>
+                <a:latin typeface="Consolas" panose="020B0609020204030204" pitchFamily="49" charset="0"/>
+              </a:rPr>
+              <a:t>,</a:t>
+            </a:r>
+          </a:p>
+          <a:p>
+            <a:r>
+              <a:rPr lang="en-US" b="0" dirty="0">
+                <a:solidFill>
+                  <a:srgbClr val="D4D4D4"/>
+                </a:solidFill>
+                <a:effectLst/>
+                <a:latin typeface="Consolas" panose="020B0609020204030204" pitchFamily="49" charset="0"/>
+              </a:rPr>
+              <a:t>    </a:t>
+            </a:r>
+            <a:r>
+              <a:rPr lang="en-US" b="0" dirty="0">
+                <a:solidFill>
+                  <a:srgbClr val="B5CEA8"/>
+                </a:solidFill>
+                <a:effectLst/>
+                <a:latin typeface="Consolas" panose="020B0609020204030204" pitchFamily="49" charset="0"/>
+              </a:rPr>
+              <a:t>10</a:t>
+            </a:r>
+            <a:r>
+              <a:rPr lang="en-US" b="0" dirty="0">
+                <a:solidFill>
+                  <a:srgbClr val="D4D4D4"/>
+                </a:solidFill>
+                <a:effectLst/>
+                <a:latin typeface="Consolas" panose="020B0609020204030204" pitchFamily="49" charset="0"/>
+              </a:rPr>
+              <a:t>: </a:t>
+            </a:r>
+            <a:r>
+              <a:rPr lang="en-US" b="0" dirty="0">
+                <a:solidFill>
+                  <a:srgbClr val="CE9178"/>
+                </a:solidFill>
+                <a:effectLst/>
+                <a:latin typeface="Consolas" panose="020B0609020204030204" pitchFamily="49" charset="0"/>
+              </a:rPr>
+              <a:t>'minor seventh'</a:t>
+            </a:r>
+            <a:r>
+              <a:rPr lang="en-US" b="0" dirty="0">
+                <a:solidFill>
+                  <a:srgbClr val="D4D4D4"/>
+                </a:solidFill>
+                <a:effectLst/>
+                <a:latin typeface="Consolas" panose="020B0609020204030204" pitchFamily="49" charset="0"/>
+              </a:rPr>
+              <a:t>,</a:t>
+            </a:r>
+          </a:p>
+          <a:p>
+            <a:r>
+              <a:rPr lang="en-US" b="0" dirty="0">
+                <a:solidFill>
+                  <a:srgbClr val="D4D4D4"/>
+                </a:solidFill>
+                <a:effectLst/>
+                <a:latin typeface="Consolas" panose="020B0609020204030204" pitchFamily="49" charset="0"/>
+              </a:rPr>
+              <a:t>    </a:t>
+            </a:r>
+            <a:r>
+              <a:rPr lang="en-US" b="0" dirty="0">
+                <a:solidFill>
+                  <a:srgbClr val="B5CEA8"/>
+                </a:solidFill>
+                <a:effectLst/>
+                <a:latin typeface="Consolas" panose="020B0609020204030204" pitchFamily="49" charset="0"/>
+              </a:rPr>
+              <a:t>11</a:t>
+            </a:r>
+            <a:r>
+              <a:rPr lang="en-US" b="0" dirty="0">
+                <a:solidFill>
+                  <a:srgbClr val="D4D4D4"/>
+                </a:solidFill>
+                <a:effectLst/>
+                <a:latin typeface="Consolas" panose="020B0609020204030204" pitchFamily="49" charset="0"/>
+              </a:rPr>
+              <a:t>: </a:t>
+            </a:r>
+            <a:r>
+              <a:rPr lang="en-US" b="0" dirty="0">
+                <a:solidFill>
+                  <a:srgbClr val="CE9178"/>
+                </a:solidFill>
+                <a:effectLst/>
+                <a:latin typeface="Consolas" panose="020B0609020204030204" pitchFamily="49" charset="0"/>
+              </a:rPr>
+              <a:t>'major seventh'</a:t>
+            </a:r>
+            <a:r>
+              <a:rPr lang="en-US" b="0" dirty="0">
+                <a:solidFill>
+                  <a:srgbClr val="D4D4D4"/>
+                </a:solidFill>
+                <a:effectLst/>
+                <a:latin typeface="Consolas" panose="020B0609020204030204" pitchFamily="49" charset="0"/>
+              </a:rPr>
+              <a:t>,</a:t>
+            </a:r>
+          </a:p>
+          <a:p>
+            <a:r>
+              <a:rPr lang="en-US" b="0" dirty="0">
+                <a:solidFill>
+                  <a:srgbClr val="D4D4D4"/>
+                </a:solidFill>
+                <a:effectLst/>
+                <a:latin typeface="Consolas" panose="020B0609020204030204" pitchFamily="49" charset="0"/>
+              </a:rPr>
+              <a:t>    </a:t>
+            </a:r>
+            <a:r>
+              <a:rPr lang="en-US" b="0" dirty="0">
+                <a:solidFill>
+                  <a:srgbClr val="B5CEA8"/>
+                </a:solidFill>
+                <a:effectLst/>
+                <a:latin typeface="Consolas" panose="020B0609020204030204" pitchFamily="49" charset="0"/>
+              </a:rPr>
+              <a:t>12</a:t>
+            </a:r>
+            <a:r>
+              <a:rPr lang="en-US" b="0" dirty="0">
+                <a:solidFill>
+                  <a:srgbClr val="D4D4D4"/>
+                </a:solidFill>
+                <a:effectLst/>
+                <a:latin typeface="Consolas" panose="020B0609020204030204" pitchFamily="49" charset="0"/>
+              </a:rPr>
+              <a:t>: </a:t>
+            </a:r>
+            <a:r>
+              <a:rPr lang="en-US" b="0" dirty="0">
+                <a:solidFill>
+                  <a:srgbClr val="CE9178"/>
+                </a:solidFill>
+                <a:effectLst/>
+                <a:latin typeface="Consolas" panose="020B0609020204030204" pitchFamily="49" charset="0"/>
+              </a:rPr>
+              <a:t>'perfect octave'</a:t>
+            </a:r>
+            <a:r>
+              <a:rPr lang="en-US" b="0" dirty="0">
+                <a:solidFill>
+                  <a:srgbClr val="D4D4D4"/>
+                </a:solidFill>
+                <a:effectLst/>
+                <a:latin typeface="Consolas" panose="020B0609020204030204" pitchFamily="49" charset="0"/>
+              </a:rPr>
+              <a:t>,</a:t>
+            </a:r>
+          </a:p>
+          <a:p>
+            <a:r>
+              <a:rPr lang="en-US" b="0" dirty="0">
+                <a:solidFill>
+                  <a:srgbClr val="D4D4D4"/>
+                </a:solidFill>
+                <a:effectLst/>
+                <a:latin typeface="Consolas" panose="020B0609020204030204" pitchFamily="49" charset="0"/>
+              </a:rPr>
+              <a:t>    </a:t>
+            </a:r>
+            <a:r>
+              <a:rPr lang="en-US" b="0" dirty="0">
+                <a:solidFill>
+                  <a:srgbClr val="B5CEA8"/>
+                </a:solidFill>
+                <a:effectLst/>
+                <a:latin typeface="Consolas" panose="020B0609020204030204" pitchFamily="49" charset="0"/>
+              </a:rPr>
+              <a:t>13</a:t>
+            </a:r>
+            <a:r>
+              <a:rPr lang="en-US" b="0" dirty="0">
+                <a:solidFill>
+                  <a:srgbClr val="D4D4D4"/>
+                </a:solidFill>
+                <a:effectLst/>
+                <a:latin typeface="Consolas" panose="020B0609020204030204" pitchFamily="49" charset="0"/>
+              </a:rPr>
+              <a:t>: </a:t>
+            </a:r>
+            <a:r>
+              <a:rPr lang="en-US" b="0" dirty="0">
+                <a:solidFill>
+                  <a:srgbClr val="CE9178"/>
+                </a:solidFill>
+                <a:effectLst/>
+                <a:latin typeface="Consolas" panose="020B0609020204030204" pitchFamily="49" charset="0"/>
+              </a:rPr>
+              <a:t>'minor ninth'</a:t>
+            </a:r>
+            <a:r>
+              <a:rPr lang="en-US" b="0" dirty="0">
+                <a:solidFill>
+                  <a:srgbClr val="D4D4D4"/>
+                </a:solidFill>
+                <a:effectLst/>
+                <a:latin typeface="Consolas" panose="020B0609020204030204" pitchFamily="49" charset="0"/>
+              </a:rPr>
+              <a:t>,</a:t>
+            </a:r>
+          </a:p>
+          <a:p>
+            <a:r>
+              <a:rPr lang="en-US" b="0" dirty="0">
+                <a:solidFill>
+                  <a:srgbClr val="D4D4D4"/>
+                </a:solidFill>
+                <a:effectLst/>
+                <a:latin typeface="Consolas" panose="020B0609020204030204" pitchFamily="49" charset="0"/>
+              </a:rPr>
+              <a:t>    </a:t>
+            </a:r>
+            <a:r>
+              <a:rPr lang="en-US" b="0" dirty="0">
+                <a:solidFill>
+                  <a:srgbClr val="B5CEA8"/>
+                </a:solidFill>
+                <a:effectLst/>
+                <a:latin typeface="Consolas" panose="020B0609020204030204" pitchFamily="49" charset="0"/>
+              </a:rPr>
+              <a:t>14</a:t>
+            </a:r>
+            <a:r>
+              <a:rPr lang="en-US" b="0" dirty="0">
+                <a:solidFill>
+                  <a:srgbClr val="D4D4D4"/>
+                </a:solidFill>
+                <a:effectLst/>
+                <a:latin typeface="Consolas" panose="020B0609020204030204" pitchFamily="49" charset="0"/>
+              </a:rPr>
+              <a:t>: </a:t>
+            </a:r>
+            <a:r>
+              <a:rPr lang="en-US" b="0" dirty="0">
+                <a:solidFill>
+                  <a:srgbClr val="CE9178"/>
+                </a:solidFill>
+                <a:effectLst/>
+                <a:latin typeface="Consolas" panose="020B0609020204030204" pitchFamily="49" charset="0"/>
+              </a:rPr>
+              <a:t>'major ninth'</a:t>
+            </a:r>
+            <a:r>
+              <a:rPr lang="en-US" b="0" dirty="0">
+                <a:solidFill>
+                  <a:srgbClr val="D4D4D4"/>
+                </a:solidFill>
+                <a:effectLst/>
+                <a:latin typeface="Consolas" panose="020B0609020204030204" pitchFamily="49" charset="0"/>
+              </a:rPr>
+              <a:t>,</a:t>
+            </a:r>
+          </a:p>
+          <a:p>
+            <a:r>
+              <a:rPr lang="en-US" b="0" dirty="0">
+                <a:solidFill>
+                  <a:srgbClr val="D4D4D4"/>
+                </a:solidFill>
+                <a:effectLst/>
+                <a:latin typeface="Consolas" panose="020B0609020204030204" pitchFamily="49" charset="0"/>
+              </a:rPr>
+              <a:t>    </a:t>
+            </a:r>
+            <a:r>
+              <a:rPr lang="en-US" b="0" dirty="0">
+                <a:solidFill>
+                  <a:srgbClr val="B5CEA8"/>
+                </a:solidFill>
+                <a:effectLst/>
+                <a:latin typeface="Consolas" panose="020B0609020204030204" pitchFamily="49" charset="0"/>
+              </a:rPr>
+              <a:t>17</a:t>
+            </a:r>
+            <a:r>
+              <a:rPr lang="en-US" b="0" dirty="0">
+                <a:solidFill>
+                  <a:srgbClr val="D4D4D4"/>
+                </a:solidFill>
+                <a:effectLst/>
+                <a:latin typeface="Consolas" panose="020B0609020204030204" pitchFamily="49" charset="0"/>
+              </a:rPr>
+              <a:t>: </a:t>
+            </a:r>
+            <a:r>
+              <a:rPr lang="en-US" b="0" dirty="0">
+                <a:solidFill>
+                  <a:srgbClr val="CE9178"/>
+                </a:solidFill>
+                <a:effectLst/>
+                <a:latin typeface="Consolas" panose="020B0609020204030204" pitchFamily="49" charset="0"/>
+              </a:rPr>
+              <a:t>'perfect eleventh'</a:t>
+            </a:r>
+            <a:r>
+              <a:rPr lang="en-US" b="0" dirty="0">
+                <a:solidFill>
+                  <a:srgbClr val="D4D4D4"/>
+                </a:solidFill>
+                <a:effectLst/>
+                <a:latin typeface="Consolas" panose="020B0609020204030204" pitchFamily="49" charset="0"/>
+              </a:rPr>
+              <a:t>,</a:t>
+            </a:r>
+          </a:p>
+          <a:p>
+            <a:r>
+              <a:rPr lang="en-US" b="0" dirty="0">
+                <a:solidFill>
+                  <a:srgbClr val="D4D4D4"/>
+                </a:solidFill>
+                <a:effectLst/>
+                <a:latin typeface="Consolas" panose="020B0609020204030204" pitchFamily="49" charset="0"/>
+              </a:rPr>
+              <a:t>    </a:t>
+            </a:r>
+            <a:r>
+              <a:rPr lang="en-US" b="0" dirty="0">
+                <a:solidFill>
+                  <a:srgbClr val="B5CEA8"/>
+                </a:solidFill>
+                <a:effectLst/>
+                <a:latin typeface="Consolas" panose="020B0609020204030204" pitchFamily="49" charset="0"/>
+              </a:rPr>
+              <a:t>20</a:t>
+            </a:r>
+            <a:r>
+              <a:rPr lang="en-US" b="0" dirty="0">
+                <a:solidFill>
+                  <a:srgbClr val="D4D4D4"/>
+                </a:solidFill>
+                <a:effectLst/>
+                <a:latin typeface="Consolas" panose="020B0609020204030204" pitchFamily="49" charset="0"/>
+              </a:rPr>
+              <a:t>: </a:t>
+            </a:r>
+            <a:r>
+              <a:rPr lang="en-US" b="0" dirty="0">
+                <a:solidFill>
+                  <a:srgbClr val="CE9178"/>
+                </a:solidFill>
+                <a:effectLst/>
+                <a:latin typeface="Consolas" panose="020B0609020204030204" pitchFamily="49" charset="0"/>
+              </a:rPr>
+              <a:t>'minor thirteenth'</a:t>
+            </a:r>
+            <a:r>
+              <a:rPr lang="en-US" b="0" dirty="0">
+                <a:solidFill>
+                  <a:srgbClr val="D4D4D4"/>
+                </a:solidFill>
+                <a:effectLst/>
+                <a:latin typeface="Consolas" panose="020B0609020204030204" pitchFamily="49" charset="0"/>
+              </a:rPr>
+              <a:t>,</a:t>
+            </a:r>
+          </a:p>
+          <a:p>
+            <a:r>
+              <a:rPr lang="en-US" b="0" dirty="0">
+                <a:solidFill>
+                  <a:srgbClr val="D4D4D4"/>
+                </a:solidFill>
+                <a:effectLst/>
+                <a:latin typeface="Consolas" panose="020B0609020204030204" pitchFamily="49" charset="0"/>
+              </a:rPr>
+              <a:t>    </a:t>
+            </a:r>
+            <a:r>
+              <a:rPr lang="en-US" b="0" dirty="0">
+                <a:solidFill>
+                  <a:srgbClr val="B5CEA8"/>
+                </a:solidFill>
+                <a:effectLst/>
+                <a:latin typeface="Consolas" panose="020B0609020204030204" pitchFamily="49" charset="0"/>
+              </a:rPr>
+              <a:t>21</a:t>
+            </a:r>
+            <a:r>
+              <a:rPr lang="en-US" b="0" dirty="0">
+                <a:solidFill>
+                  <a:srgbClr val="D4D4D4"/>
+                </a:solidFill>
+                <a:effectLst/>
+                <a:latin typeface="Consolas" panose="020B0609020204030204" pitchFamily="49" charset="0"/>
+              </a:rPr>
+              <a:t>: </a:t>
+            </a:r>
+            <a:r>
+              <a:rPr lang="en-US" b="0" dirty="0">
+                <a:solidFill>
+                  <a:srgbClr val="CE9178"/>
+                </a:solidFill>
+                <a:effectLst/>
+                <a:latin typeface="Consolas" panose="020B0609020204030204" pitchFamily="49" charset="0"/>
+              </a:rPr>
+              <a:t>'major thirteenth'</a:t>
+            </a:r>
+            <a:endParaRPr lang="en-US" b="0" dirty="0">
+              <a:solidFill>
+                <a:srgbClr val="D4D4D4"/>
+              </a:solidFill>
+              <a:effectLst/>
+              <a:latin typeface="Consolas" panose="020B0609020204030204" pitchFamily="49" charset="0"/>
+            </a:endParaRPr>
+          </a:p>
+          <a:p>
+            <a:r>
+              <a:rPr lang="en-US" b="0" dirty="0">
+                <a:solidFill>
+                  <a:srgbClr val="D4D4D4"/>
+                </a:solidFill>
+                <a:effectLst/>
+                <a:latin typeface="Consolas" panose="020B0609020204030204" pitchFamily="49" charset="0"/>
+              </a:rPr>
+              <a:t>}</a:t>
+            </a:r>
+          </a:p>
+        </p:txBody>
+      </p:sp>
+      <p:sp>
+        <p:nvSpPr>
+          <p:cNvPr id="7" name="TextBox 6">
+            <a:extLst>
+              <a:ext uri="{FF2B5EF4-FFF2-40B4-BE49-F238E27FC236}">
+                <a16:creationId xmlns:a16="http://schemas.microsoft.com/office/drawing/2014/main" id="{45970BE8-668F-469E-B025-B5BC16DF7338}"/>
+              </a:ext>
+            </a:extLst>
+          </p:cNvPr>
+          <p:cNvSpPr txBox="1"/>
           <p:nvPr/>
-        </p:nvPicPr>
-        <p:blipFill>
-          <a:blip r:embed="rId3"/>
-          <a:stretch>
-            <a:fillRect/>
-          </a:stretch>
-        </p:blipFill>
+        </p:nvSpPr>
         <p:spPr>
           <a:xfrm>
-            <a:off x="1314884" y="3305361"/>
-            <a:ext cx="6571429" cy="457143"/>
-          </a:xfrm>
-          <a:prstGeom prst="rect">
-            <a:avLst/>
-          </a:prstGeom>
-        </p:spPr>
-      </p:pic>
-      <p:pic>
-        <p:nvPicPr>
-          <p:cNvPr id="8" name="Picture 7">
-            <a:extLst>
-              <a:ext uri="{FF2B5EF4-FFF2-40B4-BE49-F238E27FC236}">
-                <a16:creationId xmlns:a16="http://schemas.microsoft.com/office/drawing/2014/main" id="{6EB15A4F-D5D4-4DDE-B1A0-B1D6D5776E71}"/>
-              </a:ext>
-            </a:extLst>
-          </p:cNvPr>
-          <p:cNvPicPr>
-            <a:picLocks noChangeAspect="1"/>
-          </p:cNvPicPr>
-          <p:nvPr/>
-        </p:nvPicPr>
-        <p:blipFill>
-          <a:blip r:embed="rId4"/>
-          <a:stretch>
-            <a:fillRect/>
-          </a:stretch>
-        </p:blipFill>
-        <p:spPr>
-          <a:xfrm>
-            <a:off x="1314884" y="4138806"/>
-            <a:ext cx="5137913" cy="1728594"/>
-          </a:xfrm>
-          <a:prstGeom prst="rect">
-            <a:avLst/>
-          </a:prstGeom>
-        </p:spPr>
-      </p:pic>
-      <p:sp>
-        <p:nvSpPr>
-          <p:cNvPr id="9" name="TextBox 8">
-            <a:extLst>
-              <a:ext uri="{FF2B5EF4-FFF2-40B4-BE49-F238E27FC236}">
-                <a16:creationId xmlns:a16="http://schemas.microsoft.com/office/drawing/2014/main" id="{8C04769E-F232-4AE4-831D-A8E4FA1CE363}"/>
-              </a:ext>
-            </a:extLst>
-          </p:cNvPr>
-          <p:cNvSpPr txBox="1"/>
-          <p:nvPr/>
-        </p:nvSpPr>
-        <p:spPr>
-          <a:xfrm>
-            <a:off x="5559552" y="345316"/>
-            <a:ext cx="2697480" cy="369332"/>
+            <a:off x="4062222" y="1143197"/>
+            <a:ext cx="1917954" cy="5355312"/>
           </a:xfrm>
           <a:prstGeom prst="rect">
             <a:avLst/>
@@ -10276,6 +9437,950 @@
           <a:noFill/>
         </p:spPr>
         <p:txBody>
+          <a:bodyPr wrap="square">
+            <a:spAutoFit/>
+          </a:bodyPr>
+          <a:lstStyle/>
+          <a:p>
+            <a:r>
+              <a:rPr lang="en-US" b="0" dirty="0">
+                <a:solidFill>
+                  <a:srgbClr val="9CDCFE"/>
+                </a:solidFill>
+                <a:effectLst/>
+                <a:latin typeface="Consolas" panose="020B0609020204030204" pitchFamily="49" charset="0"/>
+              </a:rPr>
+              <a:t>standard</a:t>
+            </a:r>
+            <a:r>
+              <a:rPr lang="en-US" b="0" dirty="0">
+                <a:solidFill>
+                  <a:srgbClr val="D4D4D4"/>
+                </a:solidFill>
+                <a:effectLst/>
+                <a:latin typeface="Consolas" panose="020B0609020204030204" pitchFamily="49" charset="0"/>
+              </a:rPr>
+              <a:t> = {</a:t>
+            </a:r>
+          </a:p>
+          <a:p>
+            <a:r>
+              <a:rPr lang="en-US" b="0" dirty="0">
+                <a:solidFill>
+                  <a:srgbClr val="D4D4D4"/>
+                </a:solidFill>
+                <a:effectLst/>
+                <a:latin typeface="Consolas" panose="020B0609020204030204" pitchFamily="49" charset="0"/>
+              </a:rPr>
+              <a:t>    </a:t>
+            </a:r>
+            <a:r>
+              <a:rPr lang="en-US" b="0" dirty="0">
+                <a:solidFill>
+                  <a:srgbClr val="CE9178"/>
+                </a:solidFill>
+                <a:effectLst/>
+                <a:latin typeface="Consolas" panose="020B0609020204030204" pitchFamily="49" charset="0"/>
+              </a:rPr>
+              <a:t>'C'</a:t>
+            </a:r>
+            <a:r>
+              <a:rPr lang="en-US" b="0" dirty="0">
+                <a:solidFill>
+                  <a:srgbClr val="D4D4D4"/>
+                </a:solidFill>
+                <a:effectLst/>
+                <a:latin typeface="Consolas" panose="020B0609020204030204" pitchFamily="49" charset="0"/>
+              </a:rPr>
+              <a:t>: </a:t>
+            </a:r>
+            <a:r>
+              <a:rPr lang="en-US" b="0" dirty="0">
+                <a:solidFill>
+                  <a:srgbClr val="B5CEA8"/>
+                </a:solidFill>
+                <a:effectLst/>
+                <a:latin typeface="Consolas" panose="020B0609020204030204" pitchFamily="49" charset="0"/>
+              </a:rPr>
+              <a:t>0</a:t>
+            </a:r>
+            <a:r>
+              <a:rPr lang="en-US" b="0" dirty="0">
+                <a:solidFill>
+                  <a:srgbClr val="D4D4D4"/>
+                </a:solidFill>
+                <a:effectLst/>
+                <a:latin typeface="Consolas" panose="020B0609020204030204" pitchFamily="49" charset="0"/>
+              </a:rPr>
+              <a:t>,</a:t>
+            </a:r>
+          </a:p>
+          <a:p>
+            <a:r>
+              <a:rPr lang="en-US" b="0" dirty="0">
+                <a:solidFill>
+                  <a:srgbClr val="D4D4D4"/>
+                </a:solidFill>
+                <a:effectLst/>
+                <a:latin typeface="Consolas" panose="020B0609020204030204" pitchFamily="49" charset="0"/>
+              </a:rPr>
+              <a:t>    </a:t>
+            </a:r>
+            <a:r>
+              <a:rPr lang="en-US" b="0" dirty="0">
+                <a:solidFill>
+                  <a:srgbClr val="CE9178"/>
+                </a:solidFill>
+                <a:effectLst/>
+                <a:latin typeface="Consolas" panose="020B0609020204030204" pitchFamily="49" charset="0"/>
+              </a:rPr>
+              <a:t>'C#'</a:t>
+            </a:r>
+            <a:r>
+              <a:rPr lang="en-US" b="0" dirty="0">
+                <a:solidFill>
+                  <a:srgbClr val="D4D4D4"/>
+                </a:solidFill>
+                <a:effectLst/>
+                <a:latin typeface="Consolas" panose="020B0609020204030204" pitchFamily="49" charset="0"/>
+              </a:rPr>
+              <a:t>: </a:t>
+            </a:r>
+            <a:r>
+              <a:rPr lang="en-US" b="0" dirty="0">
+                <a:solidFill>
+                  <a:srgbClr val="B5CEA8"/>
+                </a:solidFill>
+                <a:effectLst/>
+                <a:latin typeface="Consolas" panose="020B0609020204030204" pitchFamily="49" charset="0"/>
+              </a:rPr>
+              <a:t>1</a:t>
+            </a:r>
+            <a:r>
+              <a:rPr lang="en-US" b="0" dirty="0">
+                <a:solidFill>
+                  <a:srgbClr val="D4D4D4"/>
+                </a:solidFill>
+                <a:effectLst/>
+                <a:latin typeface="Consolas" panose="020B0609020204030204" pitchFamily="49" charset="0"/>
+              </a:rPr>
+              <a:t>,</a:t>
+            </a:r>
+          </a:p>
+          <a:p>
+            <a:r>
+              <a:rPr lang="en-US" b="0" dirty="0">
+                <a:solidFill>
+                  <a:srgbClr val="D4D4D4"/>
+                </a:solidFill>
+                <a:effectLst/>
+                <a:latin typeface="Consolas" panose="020B0609020204030204" pitchFamily="49" charset="0"/>
+              </a:rPr>
+              <a:t>    </a:t>
+            </a:r>
+            <a:r>
+              <a:rPr lang="en-US" b="0" dirty="0">
+                <a:solidFill>
+                  <a:srgbClr val="CE9178"/>
+                </a:solidFill>
+                <a:effectLst/>
+                <a:latin typeface="Consolas" panose="020B0609020204030204" pitchFamily="49" charset="0"/>
+              </a:rPr>
+              <a:t>'D'</a:t>
+            </a:r>
+            <a:r>
+              <a:rPr lang="en-US" b="0" dirty="0">
+                <a:solidFill>
+                  <a:srgbClr val="D4D4D4"/>
+                </a:solidFill>
+                <a:effectLst/>
+                <a:latin typeface="Consolas" panose="020B0609020204030204" pitchFamily="49" charset="0"/>
+              </a:rPr>
+              <a:t>: </a:t>
+            </a:r>
+            <a:r>
+              <a:rPr lang="en-US" b="0" dirty="0">
+                <a:solidFill>
+                  <a:srgbClr val="B5CEA8"/>
+                </a:solidFill>
+                <a:effectLst/>
+                <a:latin typeface="Consolas" panose="020B0609020204030204" pitchFamily="49" charset="0"/>
+              </a:rPr>
+              <a:t>2</a:t>
+            </a:r>
+            <a:r>
+              <a:rPr lang="en-US" b="0" dirty="0">
+                <a:solidFill>
+                  <a:srgbClr val="D4D4D4"/>
+                </a:solidFill>
+                <a:effectLst/>
+                <a:latin typeface="Consolas" panose="020B0609020204030204" pitchFamily="49" charset="0"/>
+              </a:rPr>
+              <a:t>,</a:t>
+            </a:r>
+          </a:p>
+          <a:p>
+            <a:r>
+              <a:rPr lang="en-US" b="0" dirty="0">
+                <a:solidFill>
+                  <a:srgbClr val="D4D4D4"/>
+                </a:solidFill>
+                <a:effectLst/>
+                <a:latin typeface="Consolas" panose="020B0609020204030204" pitchFamily="49" charset="0"/>
+              </a:rPr>
+              <a:t>    </a:t>
+            </a:r>
+            <a:r>
+              <a:rPr lang="en-US" b="0" dirty="0">
+                <a:solidFill>
+                  <a:srgbClr val="CE9178"/>
+                </a:solidFill>
+                <a:effectLst/>
+                <a:latin typeface="Consolas" panose="020B0609020204030204" pitchFamily="49" charset="0"/>
+              </a:rPr>
+              <a:t>'D#'</a:t>
+            </a:r>
+            <a:r>
+              <a:rPr lang="en-US" b="0" dirty="0">
+                <a:solidFill>
+                  <a:srgbClr val="D4D4D4"/>
+                </a:solidFill>
+                <a:effectLst/>
+                <a:latin typeface="Consolas" panose="020B0609020204030204" pitchFamily="49" charset="0"/>
+              </a:rPr>
+              <a:t>: </a:t>
+            </a:r>
+            <a:r>
+              <a:rPr lang="en-US" b="0" dirty="0">
+                <a:solidFill>
+                  <a:srgbClr val="B5CEA8"/>
+                </a:solidFill>
+                <a:effectLst/>
+                <a:latin typeface="Consolas" panose="020B0609020204030204" pitchFamily="49" charset="0"/>
+              </a:rPr>
+              <a:t>3</a:t>
+            </a:r>
+            <a:r>
+              <a:rPr lang="en-US" b="0" dirty="0">
+                <a:solidFill>
+                  <a:srgbClr val="D4D4D4"/>
+                </a:solidFill>
+                <a:effectLst/>
+                <a:latin typeface="Consolas" panose="020B0609020204030204" pitchFamily="49" charset="0"/>
+              </a:rPr>
+              <a:t>,</a:t>
+            </a:r>
+          </a:p>
+          <a:p>
+            <a:r>
+              <a:rPr lang="en-US" b="0" dirty="0">
+                <a:solidFill>
+                  <a:srgbClr val="D4D4D4"/>
+                </a:solidFill>
+                <a:effectLst/>
+                <a:latin typeface="Consolas" panose="020B0609020204030204" pitchFamily="49" charset="0"/>
+              </a:rPr>
+              <a:t>    </a:t>
+            </a:r>
+            <a:r>
+              <a:rPr lang="en-US" b="0" dirty="0">
+                <a:solidFill>
+                  <a:srgbClr val="CE9178"/>
+                </a:solidFill>
+                <a:effectLst/>
+                <a:latin typeface="Consolas" panose="020B0609020204030204" pitchFamily="49" charset="0"/>
+              </a:rPr>
+              <a:t>'E'</a:t>
+            </a:r>
+            <a:r>
+              <a:rPr lang="en-US" b="0" dirty="0">
+                <a:solidFill>
+                  <a:srgbClr val="D4D4D4"/>
+                </a:solidFill>
+                <a:effectLst/>
+                <a:latin typeface="Consolas" panose="020B0609020204030204" pitchFamily="49" charset="0"/>
+              </a:rPr>
+              <a:t>: </a:t>
+            </a:r>
+            <a:r>
+              <a:rPr lang="en-US" b="0" dirty="0">
+                <a:solidFill>
+                  <a:srgbClr val="B5CEA8"/>
+                </a:solidFill>
+                <a:effectLst/>
+                <a:latin typeface="Consolas" panose="020B0609020204030204" pitchFamily="49" charset="0"/>
+              </a:rPr>
+              <a:t>4</a:t>
+            </a:r>
+            <a:r>
+              <a:rPr lang="en-US" b="0" dirty="0">
+                <a:solidFill>
+                  <a:srgbClr val="D4D4D4"/>
+                </a:solidFill>
+                <a:effectLst/>
+                <a:latin typeface="Consolas" panose="020B0609020204030204" pitchFamily="49" charset="0"/>
+              </a:rPr>
+              <a:t>,</a:t>
+            </a:r>
+          </a:p>
+          <a:p>
+            <a:r>
+              <a:rPr lang="en-US" b="0" dirty="0">
+                <a:solidFill>
+                  <a:srgbClr val="D4D4D4"/>
+                </a:solidFill>
+                <a:effectLst/>
+                <a:latin typeface="Consolas" panose="020B0609020204030204" pitchFamily="49" charset="0"/>
+              </a:rPr>
+              <a:t>    </a:t>
+            </a:r>
+            <a:r>
+              <a:rPr lang="en-US" b="0" dirty="0">
+                <a:solidFill>
+                  <a:srgbClr val="CE9178"/>
+                </a:solidFill>
+                <a:effectLst/>
+                <a:latin typeface="Consolas" panose="020B0609020204030204" pitchFamily="49" charset="0"/>
+              </a:rPr>
+              <a:t>'F'</a:t>
+            </a:r>
+            <a:r>
+              <a:rPr lang="en-US" b="0" dirty="0">
+                <a:solidFill>
+                  <a:srgbClr val="D4D4D4"/>
+                </a:solidFill>
+                <a:effectLst/>
+                <a:latin typeface="Consolas" panose="020B0609020204030204" pitchFamily="49" charset="0"/>
+              </a:rPr>
+              <a:t>: </a:t>
+            </a:r>
+            <a:r>
+              <a:rPr lang="en-US" b="0" dirty="0">
+                <a:solidFill>
+                  <a:srgbClr val="B5CEA8"/>
+                </a:solidFill>
+                <a:effectLst/>
+                <a:latin typeface="Consolas" panose="020B0609020204030204" pitchFamily="49" charset="0"/>
+              </a:rPr>
+              <a:t>5</a:t>
+            </a:r>
+            <a:r>
+              <a:rPr lang="en-US" b="0" dirty="0">
+                <a:solidFill>
+                  <a:srgbClr val="D4D4D4"/>
+                </a:solidFill>
+                <a:effectLst/>
+                <a:latin typeface="Consolas" panose="020B0609020204030204" pitchFamily="49" charset="0"/>
+              </a:rPr>
+              <a:t>,</a:t>
+            </a:r>
+          </a:p>
+          <a:p>
+            <a:r>
+              <a:rPr lang="en-US" b="0" dirty="0">
+                <a:solidFill>
+                  <a:srgbClr val="D4D4D4"/>
+                </a:solidFill>
+                <a:effectLst/>
+                <a:latin typeface="Consolas" panose="020B0609020204030204" pitchFamily="49" charset="0"/>
+              </a:rPr>
+              <a:t>    </a:t>
+            </a:r>
+            <a:r>
+              <a:rPr lang="en-US" b="0" dirty="0">
+                <a:solidFill>
+                  <a:srgbClr val="CE9178"/>
+                </a:solidFill>
+                <a:effectLst/>
+                <a:latin typeface="Consolas" panose="020B0609020204030204" pitchFamily="49" charset="0"/>
+              </a:rPr>
+              <a:t>'F#'</a:t>
+            </a:r>
+            <a:r>
+              <a:rPr lang="en-US" b="0" dirty="0">
+                <a:solidFill>
+                  <a:srgbClr val="D4D4D4"/>
+                </a:solidFill>
+                <a:effectLst/>
+                <a:latin typeface="Consolas" panose="020B0609020204030204" pitchFamily="49" charset="0"/>
+              </a:rPr>
+              <a:t>: </a:t>
+            </a:r>
+            <a:r>
+              <a:rPr lang="en-US" b="0" dirty="0">
+                <a:solidFill>
+                  <a:srgbClr val="B5CEA8"/>
+                </a:solidFill>
+                <a:effectLst/>
+                <a:latin typeface="Consolas" panose="020B0609020204030204" pitchFamily="49" charset="0"/>
+              </a:rPr>
+              <a:t>6</a:t>
+            </a:r>
+            <a:r>
+              <a:rPr lang="en-US" b="0" dirty="0">
+                <a:solidFill>
+                  <a:srgbClr val="D4D4D4"/>
+                </a:solidFill>
+                <a:effectLst/>
+                <a:latin typeface="Consolas" panose="020B0609020204030204" pitchFamily="49" charset="0"/>
+              </a:rPr>
+              <a:t>,</a:t>
+            </a:r>
+          </a:p>
+          <a:p>
+            <a:r>
+              <a:rPr lang="en-US" b="0" dirty="0">
+                <a:solidFill>
+                  <a:srgbClr val="D4D4D4"/>
+                </a:solidFill>
+                <a:effectLst/>
+                <a:latin typeface="Consolas" panose="020B0609020204030204" pitchFamily="49" charset="0"/>
+              </a:rPr>
+              <a:t>    </a:t>
+            </a:r>
+            <a:r>
+              <a:rPr lang="en-US" b="0" dirty="0">
+                <a:solidFill>
+                  <a:srgbClr val="CE9178"/>
+                </a:solidFill>
+                <a:effectLst/>
+                <a:latin typeface="Consolas" panose="020B0609020204030204" pitchFamily="49" charset="0"/>
+              </a:rPr>
+              <a:t>'G'</a:t>
+            </a:r>
+            <a:r>
+              <a:rPr lang="en-US" b="0" dirty="0">
+                <a:solidFill>
+                  <a:srgbClr val="D4D4D4"/>
+                </a:solidFill>
+                <a:effectLst/>
+                <a:latin typeface="Consolas" panose="020B0609020204030204" pitchFamily="49" charset="0"/>
+              </a:rPr>
+              <a:t>: </a:t>
+            </a:r>
+            <a:r>
+              <a:rPr lang="en-US" b="0" dirty="0">
+                <a:solidFill>
+                  <a:srgbClr val="B5CEA8"/>
+                </a:solidFill>
+                <a:effectLst/>
+                <a:latin typeface="Consolas" panose="020B0609020204030204" pitchFamily="49" charset="0"/>
+              </a:rPr>
+              <a:t>7</a:t>
+            </a:r>
+            <a:r>
+              <a:rPr lang="en-US" b="0" dirty="0">
+                <a:solidFill>
+                  <a:srgbClr val="D4D4D4"/>
+                </a:solidFill>
+                <a:effectLst/>
+                <a:latin typeface="Consolas" panose="020B0609020204030204" pitchFamily="49" charset="0"/>
+              </a:rPr>
+              <a:t>,</a:t>
+            </a:r>
+          </a:p>
+          <a:p>
+            <a:r>
+              <a:rPr lang="en-US" b="0" dirty="0">
+                <a:solidFill>
+                  <a:srgbClr val="D4D4D4"/>
+                </a:solidFill>
+                <a:effectLst/>
+                <a:latin typeface="Consolas" panose="020B0609020204030204" pitchFamily="49" charset="0"/>
+              </a:rPr>
+              <a:t>    </a:t>
+            </a:r>
+            <a:r>
+              <a:rPr lang="en-US" b="0" dirty="0">
+                <a:solidFill>
+                  <a:srgbClr val="CE9178"/>
+                </a:solidFill>
+                <a:effectLst/>
+                <a:latin typeface="Consolas" panose="020B0609020204030204" pitchFamily="49" charset="0"/>
+              </a:rPr>
+              <a:t>'G#'</a:t>
+            </a:r>
+            <a:r>
+              <a:rPr lang="en-US" b="0" dirty="0">
+                <a:solidFill>
+                  <a:srgbClr val="D4D4D4"/>
+                </a:solidFill>
+                <a:effectLst/>
+                <a:latin typeface="Consolas" panose="020B0609020204030204" pitchFamily="49" charset="0"/>
+              </a:rPr>
+              <a:t>: </a:t>
+            </a:r>
+            <a:r>
+              <a:rPr lang="en-US" b="0" dirty="0">
+                <a:solidFill>
+                  <a:srgbClr val="B5CEA8"/>
+                </a:solidFill>
+                <a:effectLst/>
+                <a:latin typeface="Consolas" panose="020B0609020204030204" pitchFamily="49" charset="0"/>
+              </a:rPr>
+              <a:t>8</a:t>
+            </a:r>
+            <a:r>
+              <a:rPr lang="en-US" b="0" dirty="0">
+                <a:solidFill>
+                  <a:srgbClr val="D4D4D4"/>
+                </a:solidFill>
+                <a:effectLst/>
+                <a:latin typeface="Consolas" panose="020B0609020204030204" pitchFamily="49" charset="0"/>
+              </a:rPr>
+              <a:t>,</a:t>
+            </a:r>
+          </a:p>
+          <a:p>
+            <a:r>
+              <a:rPr lang="en-US" b="0" dirty="0">
+                <a:solidFill>
+                  <a:srgbClr val="D4D4D4"/>
+                </a:solidFill>
+                <a:effectLst/>
+                <a:latin typeface="Consolas" panose="020B0609020204030204" pitchFamily="49" charset="0"/>
+              </a:rPr>
+              <a:t>    </a:t>
+            </a:r>
+            <a:r>
+              <a:rPr lang="en-US" b="0" dirty="0">
+                <a:solidFill>
+                  <a:srgbClr val="CE9178"/>
+                </a:solidFill>
+                <a:effectLst/>
+                <a:latin typeface="Consolas" panose="020B0609020204030204" pitchFamily="49" charset="0"/>
+              </a:rPr>
+              <a:t>'A'</a:t>
+            </a:r>
+            <a:r>
+              <a:rPr lang="en-US" b="0" dirty="0">
+                <a:solidFill>
+                  <a:srgbClr val="D4D4D4"/>
+                </a:solidFill>
+                <a:effectLst/>
+                <a:latin typeface="Consolas" panose="020B0609020204030204" pitchFamily="49" charset="0"/>
+              </a:rPr>
+              <a:t>: </a:t>
+            </a:r>
+            <a:r>
+              <a:rPr lang="en-US" b="0" dirty="0">
+                <a:solidFill>
+                  <a:srgbClr val="B5CEA8"/>
+                </a:solidFill>
+                <a:effectLst/>
+                <a:latin typeface="Consolas" panose="020B0609020204030204" pitchFamily="49" charset="0"/>
+              </a:rPr>
+              <a:t>9</a:t>
+            </a:r>
+            <a:r>
+              <a:rPr lang="en-US" b="0" dirty="0">
+                <a:solidFill>
+                  <a:srgbClr val="D4D4D4"/>
+                </a:solidFill>
+                <a:effectLst/>
+                <a:latin typeface="Consolas" panose="020B0609020204030204" pitchFamily="49" charset="0"/>
+              </a:rPr>
+              <a:t>,</a:t>
+            </a:r>
+          </a:p>
+          <a:p>
+            <a:r>
+              <a:rPr lang="en-US" b="0" dirty="0">
+                <a:solidFill>
+                  <a:srgbClr val="D4D4D4"/>
+                </a:solidFill>
+                <a:effectLst/>
+                <a:latin typeface="Consolas" panose="020B0609020204030204" pitchFamily="49" charset="0"/>
+              </a:rPr>
+              <a:t>    </a:t>
+            </a:r>
+            <a:r>
+              <a:rPr lang="en-US" b="0" dirty="0">
+                <a:solidFill>
+                  <a:srgbClr val="CE9178"/>
+                </a:solidFill>
+                <a:effectLst/>
+                <a:latin typeface="Consolas" panose="020B0609020204030204" pitchFamily="49" charset="0"/>
+              </a:rPr>
+              <a:t>'A#'</a:t>
+            </a:r>
+            <a:r>
+              <a:rPr lang="en-US" b="0" dirty="0">
+                <a:solidFill>
+                  <a:srgbClr val="D4D4D4"/>
+                </a:solidFill>
+                <a:effectLst/>
+                <a:latin typeface="Consolas" panose="020B0609020204030204" pitchFamily="49" charset="0"/>
+              </a:rPr>
+              <a:t>: </a:t>
+            </a:r>
+            <a:r>
+              <a:rPr lang="en-US" b="0" dirty="0">
+                <a:solidFill>
+                  <a:srgbClr val="B5CEA8"/>
+                </a:solidFill>
+                <a:effectLst/>
+                <a:latin typeface="Consolas" panose="020B0609020204030204" pitchFamily="49" charset="0"/>
+              </a:rPr>
+              <a:t>10</a:t>
+            </a:r>
+            <a:r>
+              <a:rPr lang="en-US" b="0" dirty="0">
+                <a:solidFill>
+                  <a:srgbClr val="D4D4D4"/>
+                </a:solidFill>
+                <a:effectLst/>
+                <a:latin typeface="Consolas" panose="020B0609020204030204" pitchFamily="49" charset="0"/>
+              </a:rPr>
+              <a:t>,</a:t>
+            </a:r>
+          </a:p>
+          <a:p>
+            <a:r>
+              <a:rPr lang="en-US" b="0" dirty="0">
+                <a:solidFill>
+                  <a:srgbClr val="D4D4D4"/>
+                </a:solidFill>
+                <a:effectLst/>
+                <a:latin typeface="Consolas" panose="020B0609020204030204" pitchFamily="49" charset="0"/>
+              </a:rPr>
+              <a:t>    </a:t>
+            </a:r>
+            <a:r>
+              <a:rPr lang="en-US" b="0" dirty="0">
+                <a:solidFill>
+                  <a:srgbClr val="CE9178"/>
+                </a:solidFill>
+                <a:effectLst/>
+                <a:latin typeface="Consolas" panose="020B0609020204030204" pitchFamily="49" charset="0"/>
+              </a:rPr>
+              <a:t>'B'</a:t>
+            </a:r>
+            <a:r>
+              <a:rPr lang="en-US" b="0" dirty="0">
+                <a:solidFill>
+                  <a:srgbClr val="D4D4D4"/>
+                </a:solidFill>
+                <a:effectLst/>
+                <a:latin typeface="Consolas" panose="020B0609020204030204" pitchFamily="49" charset="0"/>
+              </a:rPr>
+              <a:t>: </a:t>
+            </a:r>
+            <a:r>
+              <a:rPr lang="en-US" b="0" dirty="0">
+                <a:solidFill>
+                  <a:srgbClr val="B5CEA8"/>
+                </a:solidFill>
+                <a:effectLst/>
+                <a:latin typeface="Consolas" panose="020B0609020204030204" pitchFamily="49" charset="0"/>
+              </a:rPr>
+              <a:t>11</a:t>
+            </a:r>
+            <a:r>
+              <a:rPr lang="en-US" b="0" dirty="0">
+                <a:solidFill>
+                  <a:srgbClr val="D4D4D4"/>
+                </a:solidFill>
+                <a:effectLst/>
+                <a:latin typeface="Consolas" panose="020B0609020204030204" pitchFamily="49" charset="0"/>
+              </a:rPr>
+              <a:t>,</a:t>
+            </a:r>
+          </a:p>
+          <a:p>
+            <a:r>
+              <a:rPr lang="en-US" b="0" dirty="0">
+                <a:solidFill>
+                  <a:srgbClr val="D4D4D4"/>
+                </a:solidFill>
+                <a:effectLst/>
+                <a:latin typeface="Consolas" panose="020B0609020204030204" pitchFamily="49" charset="0"/>
+              </a:rPr>
+              <a:t>    </a:t>
+            </a:r>
+            <a:r>
+              <a:rPr lang="en-US" b="0" dirty="0">
+                <a:solidFill>
+                  <a:srgbClr val="CE9178"/>
+                </a:solidFill>
+                <a:effectLst/>
+                <a:latin typeface="Consolas" panose="020B0609020204030204" pitchFamily="49" charset="0"/>
+              </a:rPr>
+              <a:t>'Bb'</a:t>
+            </a:r>
+            <a:r>
+              <a:rPr lang="en-US" b="0" dirty="0">
+                <a:solidFill>
+                  <a:srgbClr val="D4D4D4"/>
+                </a:solidFill>
+                <a:effectLst/>
+                <a:latin typeface="Consolas" panose="020B0609020204030204" pitchFamily="49" charset="0"/>
+              </a:rPr>
+              <a:t>: </a:t>
+            </a:r>
+            <a:r>
+              <a:rPr lang="en-US" b="0" dirty="0">
+                <a:solidFill>
+                  <a:srgbClr val="B5CEA8"/>
+                </a:solidFill>
+                <a:effectLst/>
+                <a:latin typeface="Consolas" panose="020B0609020204030204" pitchFamily="49" charset="0"/>
+              </a:rPr>
+              <a:t>10</a:t>
+            </a:r>
+            <a:r>
+              <a:rPr lang="en-US" b="0" dirty="0">
+                <a:solidFill>
+                  <a:srgbClr val="D4D4D4"/>
+                </a:solidFill>
+                <a:effectLst/>
+                <a:latin typeface="Consolas" panose="020B0609020204030204" pitchFamily="49" charset="0"/>
+              </a:rPr>
+              <a:t>,</a:t>
+            </a:r>
+          </a:p>
+          <a:p>
+            <a:r>
+              <a:rPr lang="en-US" b="0" dirty="0">
+                <a:solidFill>
+                  <a:srgbClr val="D4D4D4"/>
+                </a:solidFill>
+                <a:effectLst/>
+                <a:latin typeface="Consolas" panose="020B0609020204030204" pitchFamily="49" charset="0"/>
+              </a:rPr>
+              <a:t>    </a:t>
+            </a:r>
+            <a:r>
+              <a:rPr lang="en-US" b="0" dirty="0">
+                <a:solidFill>
+                  <a:srgbClr val="CE9178"/>
+                </a:solidFill>
+                <a:effectLst/>
+                <a:latin typeface="Consolas" panose="020B0609020204030204" pitchFamily="49" charset="0"/>
+              </a:rPr>
+              <a:t>'Eb'</a:t>
+            </a:r>
+            <a:r>
+              <a:rPr lang="en-US" b="0" dirty="0">
+                <a:solidFill>
+                  <a:srgbClr val="D4D4D4"/>
+                </a:solidFill>
+                <a:effectLst/>
+                <a:latin typeface="Consolas" panose="020B0609020204030204" pitchFamily="49" charset="0"/>
+              </a:rPr>
+              <a:t>: </a:t>
+            </a:r>
+            <a:r>
+              <a:rPr lang="en-US" b="0" dirty="0">
+                <a:solidFill>
+                  <a:srgbClr val="B5CEA8"/>
+                </a:solidFill>
+                <a:effectLst/>
+                <a:latin typeface="Consolas" panose="020B0609020204030204" pitchFamily="49" charset="0"/>
+              </a:rPr>
+              <a:t>3</a:t>
+            </a:r>
+            <a:r>
+              <a:rPr lang="en-US" b="0" dirty="0">
+                <a:solidFill>
+                  <a:srgbClr val="D4D4D4"/>
+                </a:solidFill>
+                <a:effectLst/>
+                <a:latin typeface="Consolas" panose="020B0609020204030204" pitchFamily="49" charset="0"/>
+              </a:rPr>
+              <a:t>,</a:t>
+            </a:r>
+          </a:p>
+          <a:p>
+            <a:r>
+              <a:rPr lang="en-US" b="0" dirty="0">
+                <a:solidFill>
+                  <a:srgbClr val="D4D4D4"/>
+                </a:solidFill>
+                <a:effectLst/>
+                <a:latin typeface="Consolas" panose="020B0609020204030204" pitchFamily="49" charset="0"/>
+              </a:rPr>
+              <a:t>    </a:t>
+            </a:r>
+            <a:r>
+              <a:rPr lang="en-US" b="0" dirty="0">
+                <a:solidFill>
+                  <a:srgbClr val="CE9178"/>
+                </a:solidFill>
+                <a:effectLst/>
+                <a:latin typeface="Consolas" panose="020B0609020204030204" pitchFamily="49" charset="0"/>
+              </a:rPr>
+              <a:t>'Ab'</a:t>
+            </a:r>
+            <a:r>
+              <a:rPr lang="en-US" b="0" dirty="0">
+                <a:solidFill>
+                  <a:srgbClr val="D4D4D4"/>
+                </a:solidFill>
+                <a:effectLst/>
+                <a:latin typeface="Consolas" panose="020B0609020204030204" pitchFamily="49" charset="0"/>
+              </a:rPr>
+              <a:t>: </a:t>
+            </a:r>
+            <a:r>
+              <a:rPr lang="en-US" b="0" dirty="0">
+                <a:solidFill>
+                  <a:srgbClr val="B5CEA8"/>
+                </a:solidFill>
+                <a:effectLst/>
+                <a:latin typeface="Consolas" panose="020B0609020204030204" pitchFamily="49" charset="0"/>
+              </a:rPr>
+              <a:t>8</a:t>
+            </a:r>
+            <a:r>
+              <a:rPr lang="en-US" b="0" dirty="0">
+                <a:solidFill>
+                  <a:srgbClr val="D4D4D4"/>
+                </a:solidFill>
+                <a:effectLst/>
+                <a:latin typeface="Consolas" panose="020B0609020204030204" pitchFamily="49" charset="0"/>
+              </a:rPr>
+              <a:t>,</a:t>
+            </a:r>
+          </a:p>
+          <a:p>
+            <a:r>
+              <a:rPr lang="en-US" b="0" dirty="0">
+                <a:solidFill>
+                  <a:srgbClr val="D4D4D4"/>
+                </a:solidFill>
+                <a:effectLst/>
+                <a:latin typeface="Consolas" panose="020B0609020204030204" pitchFamily="49" charset="0"/>
+              </a:rPr>
+              <a:t>    </a:t>
+            </a:r>
+            <a:r>
+              <a:rPr lang="en-US" b="0" dirty="0">
+                <a:solidFill>
+                  <a:srgbClr val="CE9178"/>
+                </a:solidFill>
+                <a:effectLst/>
+                <a:latin typeface="Consolas" panose="020B0609020204030204" pitchFamily="49" charset="0"/>
+              </a:rPr>
+              <a:t>'Db'</a:t>
+            </a:r>
+            <a:r>
+              <a:rPr lang="en-US" b="0" dirty="0">
+                <a:solidFill>
+                  <a:srgbClr val="D4D4D4"/>
+                </a:solidFill>
+                <a:effectLst/>
+                <a:latin typeface="Consolas" panose="020B0609020204030204" pitchFamily="49" charset="0"/>
+              </a:rPr>
+              <a:t>: </a:t>
+            </a:r>
+            <a:r>
+              <a:rPr lang="en-US" b="0" dirty="0">
+                <a:solidFill>
+                  <a:srgbClr val="B5CEA8"/>
+                </a:solidFill>
+                <a:effectLst/>
+                <a:latin typeface="Consolas" panose="020B0609020204030204" pitchFamily="49" charset="0"/>
+              </a:rPr>
+              <a:t>1</a:t>
+            </a:r>
+            <a:r>
+              <a:rPr lang="en-US" b="0" dirty="0">
+                <a:solidFill>
+                  <a:srgbClr val="D4D4D4"/>
+                </a:solidFill>
+                <a:effectLst/>
+                <a:latin typeface="Consolas" panose="020B0609020204030204" pitchFamily="49" charset="0"/>
+              </a:rPr>
+              <a:t>,</a:t>
+            </a:r>
+          </a:p>
+          <a:p>
+            <a:r>
+              <a:rPr lang="en-US" b="0" dirty="0">
+                <a:solidFill>
+                  <a:srgbClr val="D4D4D4"/>
+                </a:solidFill>
+                <a:effectLst/>
+                <a:latin typeface="Consolas" panose="020B0609020204030204" pitchFamily="49" charset="0"/>
+              </a:rPr>
+              <a:t>    </a:t>
+            </a:r>
+            <a:r>
+              <a:rPr lang="en-US" b="0" dirty="0">
+                <a:solidFill>
+                  <a:srgbClr val="CE9178"/>
+                </a:solidFill>
+                <a:effectLst/>
+                <a:latin typeface="Consolas" panose="020B0609020204030204" pitchFamily="49" charset="0"/>
+              </a:rPr>
+              <a:t>'Gb'</a:t>
+            </a:r>
+            <a:r>
+              <a:rPr lang="en-US" b="0" dirty="0">
+                <a:solidFill>
+                  <a:srgbClr val="D4D4D4"/>
+                </a:solidFill>
+                <a:effectLst/>
+                <a:latin typeface="Consolas" panose="020B0609020204030204" pitchFamily="49" charset="0"/>
+              </a:rPr>
+              <a:t>: </a:t>
+            </a:r>
+            <a:r>
+              <a:rPr lang="en-US" b="0" dirty="0">
+                <a:solidFill>
+                  <a:srgbClr val="B5CEA8"/>
+                </a:solidFill>
+                <a:effectLst/>
+                <a:latin typeface="Consolas" panose="020B0609020204030204" pitchFamily="49" charset="0"/>
+              </a:rPr>
+              <a:t>6</a:t>
+            </a:r>
+            <a:endParaRPr lang="en-US" b="0" dirty="0">
+              <a:solidFill>
+                <a:srgbClr val="D4D4D4"/>
+              </a:solidFill>
+              <a:effectLst/>
+              <a:latin typeface="Consolas" panose="020B0609020204030204" pitchFamily="49" charset="0"/>
+            </a:endParaRPr>
+          </a:p>
+          <a:p>
+            <a:r>
+              <a:rPr lang="en-US" b="0" dirty="0">
+                <a:solidFill>
+                  <a:srgbClr val="D4D4D4"/>
+                </a:solidFill>
+                <a:effectLst/>
+                <a:latin typeface="Consolas" panose="020B0609020204030204" pitchFamily="49" charset="0"/>
+              </a:rPr>
+              <a:t>}</a:t>
+            </a:r>
+          </a:p>
+        </p:txBody>
+      </p:sp>
+      <p:sp>
+        <p:nvSpPr>
+          <p:cNvPr id="6" name="TextBox 5">
+            <a:extLst>
+              <a:ext uri="{FF2B5EF4-FFF2-40B4-BE49-F238E27FC236}">
+                <a16:creationId xmlns:a16="http://schemas.microsoft.com/office/drawing/2014/main" id="{7A651914-7827-498D-B2E3-8772C4478465}"/>
+              </a:ext>
+            </a:extLst>
+          </p:cNvPr>
+          <p:cNvSpPr txBox="1"/>
+          <p:nvPr/>
+        </p:nvSpPr>
+        <p:spPr>
+          <a:xfrm>
+            <a:off x="5559552" y="345316"/>
+            <a:ext cx="2359152" cy="369332"/>
+          </a:xfrm>
+          <a:prstGeom prst="rect">
+            <a:avLst/>
+          </a:prstGeom>
+          <a:noFill/>
+        </p:spPr>
+        <p:txBody>
           <a:bodyPr wrap="square" rtlCol="0">
             <a:spAutoFit/>
           </a:bodyPr>
@@ -10291,7 +10396,7 @@
             </a:r>
             <a:r>
               <a:rPr lang="zh-CN" altLang="en-US" dirty="0"/>
-              <a:t>举几个典型例子</a:t>
+              <a:t>挑几个典型的</a:t>
             </a:r>
             <a:endParaRPr lang="en-US" dirty="0"/>
           </a:p>
@@ -10300,7 +10405,7 @@
     </p:spTree>
     <p:extLst>
       <p:ext uri="{BB962C8B-B14F-4D97-AF65-F5344CB8AC3E}">
-        <p14:creationId xmlns:p14="http://schemas.microsoft.com/office/powerpoint/2010/main" val="2376456471"/>
+        <p14:creationId xmlns:p14="http://schemas.microsoft.com/office/powerpoint/2010/main" val="4260916381"/>
       </p:ext>
     </p:extLst>
   </p:cSld>
@@ -10376,158 +10481,7 @@
           <a:p>
             <a:r>
               <a:rPr lang="zh-CN" altLang="en-US" dirty="0"/>
-              <a:t>新增数据类型</a:t>
-            </a:r>
-            <a:endParaRPr lang="en-US" dirty="0"/>
-          </a:p>
-        </p:txBody>
-      </p:sp>
-      <p:sp>
-        <p:nvSpPr>
-          <p:cNvPr id="14" name="Title 1">
-            <a:extLst>
-              <a:ext uri="{FF2B5EF4-FFF2-40B4-BE49-F238E27FC236}">
-                <a16:creationId xmlns:a16="http://schemas.microsoft.com/office/drawing/2014/main" id="{0C3D79D7-8064-44B3-A5C0-C0F3F9899B54}"/>
-              </a:ext>
-            </a:extLst>
-          </p:cNvPr>
-          <p:cNvSpPr txBox="1">
-            <a:spLocks/>
-          </p:cNvSpPr>
-          <p:nvPr/>
-        </p:nvSpPr>
-        <p:spPr>
-          <a:xfrm>
-            <a:off x="838197" y="1064172"/>
-            <a:ext cx="8524877" cy="699047"/>
-          </a:xfrm>
-          <a:prstGeom prst="rect">
-            <a:avLst/>
-          </a:prstGeom>
-        </p:spPr>
-        <p:txBody>
-          <a:bodyPr vert="horz" lIns="91440" tIns="45720" rIns="91440" bIns="45720" rtlCol="0" anchor="ctr">
-            <a:noAutofit/>
-          </a:bodyPr>
-          <a:lstStyle>
-            <a:lvl1pPr algn="l" defTabSz="914400" rtl="0" eaLnBrk="1" latinLnBrk="0" hangingPunct="1">
-              <a:lnSpc>
-                <a:spcPct val="90000"/>
-              </a:lnSpc>
-              <a:spcBef>
-                <a:spcPct val="0"/>
-              </a:spcBef>
-              <a:buNone/>
-              <a:defRPr sz="4400" kern="1200">
-                <a:solidFill>
-                  <a:schemeClr val="tx1"/>
-                </a:solidFill>
-                <a:latin typeface="+mj-lt"/>
-                <a:ea typeface="+mj-ea"/>
-                <a:cs typeface="+mj-cs"/>
-              </a:defRPr>
-            </a:lvl1pPr>
-          </a:lstStyle>
-          <a:p>
-            <a:r>
-              <a:rPr lang="en-US" altLang="zh-CN" sz="3200" dirty="0"/>
-              <a:t>chord</a:t>
-            </a:r>
-            <a:endParaRPr lang="en-US" sz="3200" dirty="0"/>
-          </a:p>
-        </p:txBody>
-      </p:sp>
-      <p:sp>
-        <p:nvSpPr>
-          <p:cNvPr id="27" name="TextBox 26">
-            <a:extLst>
-              <a:ext uri="{FF2B5EF4-FFF2-40B4-BE49-F238E27FC236}">
-                <a16:creationId xmlns:a16="http://schemas.microsoft.com/office/drawing/2014/main" id="{C71E8FE2-64BE-4E62-AF0A-350C08EFFB45}"/>
-              </a:ext>
-            </a:extLst>
-          </p:cNvPr>
-          <p:cNvSpPr txBox="1"/>
-          <p:nvPr/>
-        </p:nvSpPr>
-        <p:spPr>
-          <a:xfrm>
-            <a:off x="6777036" y="1064172"/>
-            <a:ext cx="5172075" cy="2031325"/>
-          </a:xfrm>
-          <a:prstGeom prst="rect">
-            <a:avLst/>
-          </a:prstGeom>
-          <a:noFill/>
-        </p:spPr>
-        <p:txBody>
-          <a:bodyPr wrap="square">
-            <a:spAutoFit/>
-          </a:bodyPr>
-          <a:lstStyle/>
-          <a:p>
-            <a:r>
-              <a:rPr lang="en-US" altLang="zh-CN" dirty="0"/>
-              <a:t>Chord </a:t>
-            </a:r>
-            <a:r>
-              <a:rPr lang="zh-CN" altLang="en-US" dirty="0"/>
-              <a:t>被定义为一组音符的集合，这个定义或许比乐理里面的和弦定义更为 广义化，因为按照这个定义，一首完整的乐曲也可以完全装进和弦类里面。</a:t>
-            </a:r>
-            <a:r>
-              <a:rPr lang="en-US" altLang="zh-CN" dirty="0"/>
-              <a:t>Chord </a:t>
-            </a:r>
-            <a:r>
-              <a:rPr lang="zh-CN" altLang="en-US" dirty="0"/>
-              <a:t>包含了音符</a:t>
-            </a:r>
-            <a:r>
-              <a:rPr lang="en-US" altLang="zh-CN" dirty="0"/>
-              <a:t>(</a:t>
-            </a:r>
-            <a:r>
-              <a:rPr lang="zh-CN" altLang="en-US" dirty="0"/>
-              <a:t>音符列表，为一个记载着这个和弦所有音符的列表</a:t>
-            </a:r>
-            <a:r>
-              <a:rPr lang="en-US" altLang="zh-CN" dirty="0"/>
-              <a:t>)</a:t>
-            </a:r>
-            <a:r>
-              <a:rPr lang="zh-CN" altLang="en-US" dirty="0"/>
-              <a:t>，时长</a:t>
-            </a:r>
-            <a:r>
-              <a:rPr lang="en-US" altLang="zh-CN" dirty="0"/>
-              <a:t>(</a:t>
-            </a:r>
-            <a:r>
-              <a:rPr lang="zh-CN" altLang="en-US" dirty="0"/>
-              <a:t>和弦的每 个音符各自的音符长度</a:t>
-            </a:r>
-            <a:r>
-              <a:rPr lang="en-US" altLang="zh-CN" dirty="0"/>
-              <a:t>)</a:t>
-            </a:r>
-            <a:r>
-              <a:rPr lang="zh-CN" altLang="en-US" dirty="0"/>
-              <a:t>和间隔</a:t>
-            </a:r>
-            <a:r>
-              <a:rPr lang="en-US" altLang="zh-CN" dirty="0"/>
-              <a:t>(</a:t>
-            </a:r>
-            <a:r>
-              <a:rPr lang="zh-CN" altLang="en-US" dirty="0"/>
-              <a:t>每两个连续音符之间的间隔，单位为小节</a:t>
-            </a:r>
-            <a:r>
-              <a:rPr lang="en-US" altLang="zh-CN" dirty="0"/>
-              <a:t>)</a:t>
-            </a:r>
-            <a:r>
-              <a:rPr lang="zh-CN" altLang="en-US" dirty="0"/>
-              <a:t>。 </a:t>
+              <a:t>新增语言功能</a:t>
             </a:r>
             <a:endParaRPr lang="en-US" dirty="0"/>
           </a:p>
@@ -10538,7 +10492,7 @@
           <p:cNvPr id="3" name="Picture 2">
             <a:extLst>
               <a:ext uri="{FF2B5EF4-FFF2-40B4-BE49-F238E27FC236}">
-                <a16:creationId xmlns:a16="http://schemas.microsoft.com/office/drawing/2014/main" id="{E7910C6D-753B-4FB0-95FC-1690746B1EEF}"/>
+                <a16:creationId xmlns:a16="http://schemas.microsoft.com/office/drawing/2014/main" id="{6108A0C0-3CA5-44B7-A2E6-B74759065215}"/>
               </a:ext>
             </a:extLst>
           </p:cNvPr>
@@ -10555,20 +10509,94 @@
         </p:blipFill>
         <p:spPr>
           <a:xfrm>
-            <a:off x="1176869" y="3390393"/>
-            <a:ext cx="8504762" cy="1104762"/>
+            <a:off x="838200" y="1159718"/>
+            <a:ext cx="8019048" cy="1952381"/>
           </a:xfrm>
           <a:prstGeom prst="rect">
             <a:avLst/>
           </a:prstGeom>
         </p:spPr>
       </p:pic>
+      <p:sp>
+        <p:nvSpPr>
+          <p:cNvPr id="13" name="TextBox 12">
+            <a:extLst>
+              <a:ext uri="{FF2B5EF4-FFF2-40B4-BE49-F238E27FC236}">
+                <a16:creationId xmlns:a16="http://schemas.microsoft.com/office/drawing/2014/main" id="{98AC60D1-198D-48A5-93B7-0E414C76A910}"/>
+              </a:ext>
+            </a:extLst>
+          </p:cNvPr>
+          <p:cNvSpPr txBox="1"/>
+          <p:nvPr/>
+        </p:nvSpPr>
+        <p:spPr>
+          <a:xfrm>
+            <a:off x="1257299" y="5257800"/>
+            <a:ext cx="2981325" cy="1477328"/>
+          </a:xfrm>
+          <a:prstGeom prst="rect">
+            <a:avLst/>
+          </a:prstGeom>
+          <a:noFill/>
+        </p:spPr>
+        <p:txBody>
+          <a:bodyPr wrap="square" rtlCol="0">
+            <a:spAutoFit/>
+          </a:bodyPr>
+          <a:lstStyle/>
+          <a:p>
+            <a:r>
+              <a:rPr lang="en-US" dirty="0">
+                <a:latin typeface="Courier New" panose="02070309020205020404" pitchFamily="49" charset="0"/>
+                <a:cs typeface="Courier New" panose="02070309020205020404" pitchFamily="49" charset="0"/>
+              </a:rPr>
+              <a:t>chord C = “C”;</a:t>
+            </a:r>
+          </a:p>
+          <a:p>
+            <a:r>
+              <a:rPr lang="en-US" dirty="0">
+                <a:latin typeface="Courier New" panose="02070309020205020404" pitchFamily="49" charset="0"/>
+                <a:cs typeface="Courier New" panose="02070309020205020404" pitchFamily="49" charset="0"/>
+              </a:rPr>
+              <a:t>C = C @ {1, 2, 3};</a:t>
+            </a:r>
+          </a:p>
+          <a:p>
+            <a:r>
+              <a:rPr lang="en-US" dirty="0">
+                <a:latin typeface="Courier New" panose="02070309020205020404" pitchFamily="49" charset="0"/>
+                <a:cs typeface="Courier New" panose="02070309020205020404" pitchFamily="49" charset="0"/>
+              </a:rPr>
+              <a:t>score(C);</a:t>
+            </a:r>
+          </a:p>
+          <a:p>
+            <a:r>
+              <a:rPr lang="en-US" dirty="0">
+                <a:latin typeface="Courier New" panose="02070309020205020404" pitchFamily="49" charset="0"/>
+                <a:cs typeface="Courier New" panose="02070309020205020404" pitchFamily="49" charset="0"/>
+              </a:rPr>
+              <a:t>C = C + 1;</a:t>
+            </a:r>
+          </a:p>
+          <a:p>
+            <a:r>
+              <a:rPr lang="en-US" dirty="0">
+                <a:latin typeface="Courier New" panose="02070309020205020404" pitchFamily="49" charset="0"/>
+                <a:cs typeface="Courier New" panose="02070309020205020404" pitchFamily="49" charset="0"/>
+              </a:rPr>
+              <a:t>score(C);</a:t>
+            </a:r>
+          </a:p>
+        </p:txBody>
+      </p:sp>
       <p:pic>
         <p:nvPicPr>
-          <p:cNvPr id="6" name="Picture 5">
-            <a:extLst>
-              <a:ext uri="{FF2B5EF4-FFF2-40B4-BE49-F238E27FC236}">
-                <a16:creationId xmlns:a16="http://schemas.microsoft.com/office/drawing/2014/main" id="{A099322A-CC83-477D-A315-143F2E5C88AA}"/>
+          <p:cNvPr id="16" name="Picture 15">
+            <a:extLst>
+              <a:ext uri="{FF2B5EF4-FFF2-40B4-BE49-F238E27FC236}">
+                <a16:creationId xmlns:a16="http://schemas.microsoft.com/office/drawing/2014/main" id="{211D3593-792C-4432-BD6D-08FCE58DB84F}"/>
               </a:ext>
             </a:extLst>
           </p:cNvPr>
@@ -10585,62 +10613,178 @@
         </p:blipFill>
         <p:spPr>
           <a:xfrm>
-            <a:off x="1176869" y="4790051"/>
-            <a:ext cx="7552582" cy="1251427"/>
+            <a:off x="838200" y="3112099"/>
+            <a:ext cx="9295238" cy="1914286"/>
           </a:xfrm>
           <a:prstGeom prst="rect">
             <a:avLst/>
           </a:prstGeom>
         </p:spPr>
       </p:pic>
-      <p:sp>
-        <p:nvSpPr>
-          <p:cNvPr id="7" name="TextBox 6">
-            <a:extLst>
-              <a:ext uri="{FF2B5EF4-FFF2-40B4-BE49-F238E27FC236}">
-                <a16:creationId xmlns:a16="http://schemas.microsoft.com/office/drawing/2014/main" id="{FBC363B9-2012-4AF3-8F0C-4F0391B1A802}"/>
-              </a:ext>
-            </a:extLst>
-          </p:cNvPr>
-          <p:cNvSpPr txBox="1"/>
+      <p:pic>
+        <p:nvPicPr>
+          <p:cNvPr id="18" name="Picture 17" descr="A picture containing chart&#10;&#10;Description automatically generated">
+            <a:extLst>
+              <a:ext uri="{FF2B5EF4-FFF2-40B4-BE49-F238E27FC236}">
+                <a16:creationId xmlns:a16="http://schemas.microsoft.com/office/drawing/2014/main" id="{B03E34E0-911F-4CFE-8648-F8F47F8E00E2}"/>
+              </a:ext>
+            </a:extLst>
+          </p:cNvPr>
+          <p:cNvPicPr>
+            <a:picLocks noChangeAspect="1"/>
+          </p:cNvPicPr>
           <p:nvPr/>
-        </p:nvSpPr>
+        </p:nvPicPr>
+        <p:blipFill>
+          <a:blip r:embed="rId5">
+            <a:extLst>
+              <a:ext uri="{28A0092B-C50C-407E-A947-70E740481C1C}">
+                <a14:useLocalDpi xmlns:a14="http://schemas.microsoft.com/office/drawing/2010/main" val="0"/>
+              </a:ext>
+            </a:extLst>
+          </a:blip>
+          <a:stretch>
+            <a:fillRect/>
+          </a:stretch>
+        </p:blipFill>
         <p:spPr>
           <a:xfrm>
-            <a:off x="5559552" y="345316"/>
-            <a:ext cx="2697480" cy="369332"/>
+            <a:off x="4471406" y="5064480"/>
+            <a:ext cx="2028825" cy="1028700"/>
           </a:xfrm>
           <a:prstGeom prst="rect">
             <a:avLst/>
           </a:prstGeom>
-          <a:noFill/>
         </p:spPr>
-        <p:txBody>
-          <a:bodyPr wrap="square" rtlCol="0">
-            <a:spAutoFit/>
-          </a:bodyPr>
-          <a:lstStyle/>
-          <a:p>
-            <a:r>
-              <a:rPr lang="en-US" dirty="0"/>
-              <a:t>#</a:t>
-            </a:r>
-            <a:r>
-              <a:rPr lang="en-US" altLang="zh-CN" dirty="0"/>
-              <a:t>TODO: </a:t>
-            </a:r>
-            <a:r>
-              <a:rPr lang="zh-CN" altLang="en-US" dirty="0"/>
-              <a:t>举几个典型例子</a:t>
-            </a:r>
-            <a:endParaRPr lang="en-US" dirty="0"/>
-          </a:p>
-        </p:txBody>
-      </p:sp>
+      </p:pic>
+      <p:pic>
+        <p:nvPicPr>
+          <p:cNvPr id="20" name="Picture 19">
+            <a:extLst>
+              <a:ext uri="{FF2B5EF4-FFF2-40B4-BE49-F238E27FC236}">
+                <a16:creationId xmlns:a16="http://schemas.microsoft.com/office/drawing/2014/main" id="{FDB83219-7B3D-4607-93B3-D935A0221491}"/>
+              </a:ext>
+            </a:extLst>
+          </p:cNvPr>
+          <p:cNvPicPr>
+            <a:picLocks noChangeAspect="1"/>
+          </p:cNvPicPr>
+          <p:nvPr/>
+        </p:nvPicPr>
+        <p:blipFill rotWithShape="1">
+          <a:blip r:embed="rId6">
+            <a:extLst>
+              <a:ext uri="{28A0092B-C50C-407E-A947-70E740481C1C}">
+                <a14:useLocalDpi xmlns:a14="http://schemas.microsoft.com/office/drawing/2010/main" val="0"/>
+              </a:ext>
+            </a:extLst>
+          </a:blip>
+          <a:srcRect l="6790" t="11906" r="15466" b="15872"/>
+          <a:stretch/>
+        </p:blipFill>
+        <p:spPr>
+          <a:xfrm>
+            <a:off x="4638289" y="5948839"/>
+            <a:ext cx="1799448" cy="866775"/>
+          </a:xfrm>
+          <a:prstGeom prst="rect">
+            <a:avLst/>
+          </a:prstGeom>
+        </p:spPr>
+      </p:pic>
+      <p:cxnSp>
+        <p:nvCxnSpPr>
+          <p:cNvPr id="22" name="Straight Arrow Connector 21">
+            <a:extLst>
+              <a:ext uri="{FF2B5EF4-FFF2-40B4-BE49-F238E27FC236}">
+                <a16:creationId xmlns:a16="http://schemas.microsoft.com/office/drawing/2014/main" id="{AE91DAF4-897D-45CD-8913-D0EF596F85D4}"/>
+              </a:ext>
+            </a:extLst>
+          </p:cNvPr>
+          <p:cNvCxnSpPr>
+            <a:endCxn id="20" idx="1"/>
+          </p:cNvCxnSpPr>
+          <p:nvPr/>
+        </p:nvCxnSpPr>
+        <p:spPr>
+          <a:xfrm flipV="1">
+            <a:off x="2619375" y="6382227"/>
+            <a:ext cx="2018914" cy="151923"/>
+          </a:xfrm>
+          <a:prstGeom prst="straightConnector1">
+            <a:avLst/>
+          </a:prstGeom>
+          <a:ln>
+            <a:solidFill>
+              <a:srgbClr val="FF0000"/>
+            </a:solidFill>
+            <a:tailEnd type="triangle"/>
+          </a:ln>
+        </p:spPr>
+        <p:style>
+          <a:lnRef idx="3">
+            <a:schemeClr val="dk1"/>
+          </a:lnRef>
+          <a:fillRef idx="0">
+            <a:schemeClr val="dk1"/>
+          </a:fillRef>
+          <a:effectRef idx="2">
+            <a:schemeClr val="dk1"/>
+          </a:effectRef>
+          <a:fontRef idx="minor">
+            <a:schemeClr val="tx1"/>
+          </a:fontRef>
+        </p:style>
+      </p:cxnSp>
+      <p:cxnSp>
+        <p:nvCxnSpPr>
+          <p:cNvPr id="24" name="Straight Arrow Connector 23">
+            <a:extLst>
+              <a:ext uri="{FF2B5EF4-FFF2-40B4-BE49-F238E27FC236}">
+                <a16:creationId xmlns:a16="http://schemas.microsoft.com/office/drawing/2014/main" id="{CD3BBFF7-8D30-4AC8-9E0A-92A924CD0432}"/>
+              </a:ext>
+            </a:extLst>
+          </p:cNvPr>
+          <p:cNvCxnSpPr>
+            <a:cxnSpLocks/>
+            <a:endCxn id="18" idx="1"/>
+          </p:cNvCxnSpPr>
+          <p:nvPr/>
+        </p:nvCxnSpPr>
+        <p:spPr>
+          <a:xfrm flipV="1">
+            <a:off x="2619375" y="5578830"/>
+            <a:ext cx="1852031" cy="417634"/>
+          </a:xfrm>
+          <a:prstGeom prst="straightConnector1">
+            <a:avLst/>
+          </a:prstGeom>
+          <a:ln>
+            <a:solidFill>
+              <a:srgbClr val="FF0000"/>
+            </a:solidFill>
+            <a:tailEnd type="triangle"/>
+          </a:ln>
+        </p:spPr>
+        <p:style>
+          <a:lnRef idx="3">
+            <a:schemeClr val="dk1"/>
+          </a:lnRef>
+          <a:fillRef idx="0">
+            <a:schemeClr val="dk1"/>
+          </a:fillRef>
+          <a:effectRef idx="2">
+            <a:schemeClr val="dk1"/>
+          </a:effectRef>
+          <a:fontRef idx="minor">
+            <a:schemeClr val="tx1"/>
+          </a:fontRef>
+        </p:style>
+      </p:cxnSp>
     </p:spTree>
     <p:extLst>
       <p:ext uri="{BB962C8B-B14F-4D97-AF65-F5344CB8AC3E}">
-        <p14:creationId xmlns:p14="http://schemas.microsoft.com/office/powerpoint/2010/main" val="3093293645"/>
+        <p14:creationId xmlns:p14="http://schemas.microsoft.com/office/powerpoint/2010/main" val="2712189175"/>
       </p:ext>
     </p:extLst>
   </p:cSld>
@@ -10716,118 +10860,7 @@
           <a:p>
             <a:r>
               <a:rPr lang="zh-CN" altLang="en-US" dirty="0"/>
-              <a:t>新增数据类型</a:t>
-            </a:r>
-            <a:endParaRPr lang="en-US" dirty="0"/>
-          </a:p>
-        </p:txBody>
-      </p:sp>
-      <p:sp>
-        <p:nvSpPr>
-          <p:cNvPr id="14" name="Title 1">
-            <a:extLst>
-              <a:ext uri="{FF2B5EF4-FFF2-40B4-BE49-F238E27FC236}">
-                <a16:creationId xmlns:a16="http://schemas.microsoft.com/office/drawing/2014/main" id="{0C3D79D7-8064-44B3-A5C0-C0F3F9899B54}"/>
-              </a:ext>
-            </a:extLst>
-          </p:cNvPr>
-          <p:cNvSpPr txBox="1">
-            <a:spLocks/>
-          </p:cNvSpPr>
-          <p:nvPr/>
-        </p:nvSpPr>
-        <p:spPr>
-          <a:xfrm>
-            <a:off x="838197" y="1064172"/>
-            <a:ext cx="8524877" cy="699047"/>
-          </a:xfrm>
-          <a:prstGeom prst="rect">
-            <a:avLst/>
-          </a:prstGeom>
-        </p:spPr>
-        <p:txBody>
-          <a:bodyPr vert="horz" lIns="91440" tIns="45720" rIns="91440" bIns="45720" rtlCol="0" anchor="ctr">
-            <a:noAutofit/>
-          </a:bodyPr>
-          <a:lstStyle>
-            <a:lvl1pPr algn="l" defTabSz="914400" rtl="0" eaLnBrk="1" latinLnBrk="0" hangingPunct="1">
-              <a:lnSpc>
-                <a:spcPct val="90000"/>
-              </a:lnSpc>
-              <a:spcBef>
-                <a:spcPct val="0"/>
-              </a:spcBef>
-              <a:buNone/>
-              <a:defRPr sz="4400" kern="1200">
-                <a:solidFill>
-                  <a:schemeClr val="tx1"/>
-                </a:solidFill>
-                <a:latin typeface="+mj-lt"/>
-                <a:ea typeface="+mj-ea"/>
-                <a:cs typeface="+mj-cs"/>
-              </a:defRPr>
-            </a:lvl1pPr>
-          </a:lstStyle>
-          <a:p>
-            <a:r>
-              <a:rPr lang="en-US" altLang="zh-CN" sz="3200" dirty="0"/>
-              <a:t>piece</a:t>
-            </a:r>
-            <a:endParaRPr lang="en-US" sz="3200" dirty="0"/>
-          </a:p>
-        </p:txBody>
-      </p:sp>
-      <p:sp>
-        <p:nvSpPr>
-          <p:cNvPr id="27" name="TextBox 26">
-            <a:extLst>
-              <a:ext uri="{FF2B5EF4-FFF2-40B4-BE49-F238E27FC236}">
-                <a16:creationId xmlns:a16="http://schemas.microsoft.com/office/drawing/2014/main" id="{C71E8FE2-64BE-4E62-AF0A-350C08EFFB45}"/>
-              </a:ext>
-            </a:extLst>
-          </p:cNvPr>
-          <p:cNvSpPr txBox="1"/>
-          <p:nvPr/>
-        </p:nvSpPr>
-        <p:spPr>
-          <a:xfrm>
-            <a:off x="6777036" y="1064172"/>
-            <a:ext cx="5172075" cy="646331"/>
-          </a:xfrm>
-          <a:prstGeom prst="rect">
-            <a:avLst/>
-          </a:prstGeom>
-          <a:noFill/>
-        </p:spPr>
-        <p:txBody>
-          <a:bodyPr wrap="square">
-            <a:spAutoFit/>
-          </a:bodyPr>
-          <a:lstStyle/>
-          <a:p>
-            <a:r>
-              <a:rPr lang="en-US" altLang="zh-CN" dirty="0"/>
-              <a:t>Piece</a:t>
-            </a:r>
-            <a:r>
-              <a:rPr lang="zh-CN" altLang="en-US" dirty="0"/>
-              <a:t>用于将多个</a:t>
-            </a:r>
-            <a:r>
-              <a:rPr lang="en-US" altLang="zh-CN" dirty="0"/>
-              <a:t>chord</a:t>
-            </a:r>
-            <a:r>
-              <a:rPr lang="zh-CN" altLang="en-US" dirty="0"/>
-              <a:t>合并起来，为每个</a:t>
-            </a:r>
-            <a:r>
-              <a:rPr lang="en-US" altLang="zh-CN" dirty="0"/>
-              <a:t>chord</a:t>
-            </a:r>
-            <a:r>
-              <a:rPr lang="zh-CN" altLang="en-US" dirty="0"/>
-              <a:t>设置不同的乐器，生成多音轨的音乐</a:t>
+              <a:t>新增语言功能</a:t>
             </a:r>
             <a:endParaRPr lang="en-US" dirty="0"/>
           </a:p>
@@ -10835,10 +10868,10 @@
       </p:sp>
       <p:pic>
         <p:nvPicPr>
-          <p:cNvPr id="6" name="Picture 5">
-            <a:extLst>
-              <a:ext uri="{FF2B5EF4-FFF2-40B4-BE49-F238E27FC236}">
-                <a16:creationId xmlns:a16="http://schemas.microsoft.com/office/drawing/2014/main" id="{11006D2A-2C73-40C7-B509-E6E5A84E2E6F}"/>
+          <p:cNvPr id="5" name="Picture 4">
+            <a:extLst>
+              <a:ext uri="{FF2B5EF4-FFF2-40B4-BE49-F238E27FC236}">
+                <a16:creationId xmlns:a16="http://schemas.microsoft.com/office/drawing/2014/main" id="{F26A043C-5758-40C6-8642-A6EA31710229}"/>
               </a:ext>
             </a:extLst>
           </p:cNvPr>
@@ -10855,101 +10888,20 @@
         </p:blipFill>
         <p:spPr>
           <a:xfrm>
-            <a:off x="1167400" y="2326799"/>
-            <a:ext cx="5476190" cy="590476"/>
+            <a:off x="838200" y="1064172"/>
+            <a:ext cx="9219048" cy="1961905"/>
           </a:xfrm>
           <a:prstGeom prst="rect">
             <a:avLst/>
           </a:prstGeom>
         </p:spPr>
       </p:pic>
-      <p:grpSp>
-        <p:nvGrpSpPr>
-          <p:cNvPr id="11" name="Group 10">
-            <a:extLst>
-              <a:ext uri="{FF2B5EF4-FFF2-40B4-BE49-F238E27FC236}">
-                <a16:creationId xmlns:a16="http://schemas.microsoft.com/office/drawing/2014/main" id="{66F2BBB5-688B-4FF6-A6CC-671585B914CE}"/>
-              </a:ext>
-            </a:extLst>
-          </p:cNvPr>
-          <p:cNvGrpSpPr/>
-          <p:nvPr/>
-        </p:nvGrpSpPr>
-        <p:grpSpPr>
-          <a:xfrm>
-            <a:off x="734041" y="3940725"/>
-            <a:ext cx="7087778" cy="1154057"/>
-            <a:chOff x="1105515" y="4279542"/>
-            <a:chExt cx="9847619" cy="1514286"/>
-          </a:xfrm>
-        </p:grpSpPr>
-        <p:pic>
-          <p:nvPicPr>
-            <p:cNvPr id="8" name="Picture 7">
-              <a:extLst>
-                <a:ext uri="{FF2B5EF4-FFF2-40B4-BE49-F238E27FC236}">
-                  <a16:creationId xmlns:a16="http://schemas.microsoft.com/office/drawing/2014/main" id="{BB721C64-74FF-4D05-8748-74104EE032FE}"/>
-                </a:ext>
-              </a:extLst>
-            </p:cNvPr>
-            <p:cNvPicPr>
-              <a:picLocks noChangeAspect="1"/>
-            </p:cNvPicPr>
-            <p:nvPr/>
-          </p:nvPicPr>
-          <p:blipFill>
-            <a:blip r:embed="rId4"/>
-            <a:stretch>
-              <a:fillRect/>
-            </a:stretch>
-          </p:blipFill>
-          <p:spPr>
-            <a:xfrm>
-              <a:off x="1105515" y="4298590"/>
-              <a:ext cx="9847619" cy="1495238"/>
-            </a:xfrm>
-            <a:prstGeom prst="rect">
-              <a:avLst/>
-            </a:prstGeom>
-          </p:spPr>
-        </p:pic>
-        <p:pic>
-          <p:nvPicPr>
-            <p:cNvPr id="10" name="Picture 9">
-              <a:extLst>
-                <a:ext uri="{FF2B5EF4-FFF2-40B4-BE49-F238E27FC236}">
-                  <a16:creationId xmlns:a16="http://schemas.microsoft.com/office/drawing/2014/main" id="{8894F089-E483-4AF4-87F6-6B474FC72EAA}"/>
-                </a:ext>
-              </a:extLst>
-            </p:cNvPr>
-            <p:cNvPicPr>
-              <a:picLocks noChangeAspect="1"/>
-            </p:cNvPicPr>
-            <p:nvPr/>
-          </p:nvPicPr>
-          <p:blipFill>
-            <a:blip r:embed="rId5"/>
-            <a:stretch>
-              <a:fillRect/>
-            </a:stretch>
-          </p:blipFill>
-          <p:spPr>
-            <a:xfrm>
-              <a:off x="1105515" y="4279542"/>
-              <a:ext cx="9847619" cy="19048"/>
-            </a:xfrm>
-            <a:prstGeom prst="rect">
-              <a:avLst/>
-            </a:prstGeom>
-          </p:spPr>
-        </p:pic>
-      </p:grpSp>
-      <p:sp>
-        <p:nvSpPr>
-          <p:cNvPr id="12" name="TextBox 11">
-            <a:extLst>
-              <a:ext uri="{FF2B5EF4-FFF2-40B4-BE49-F238E27FC236}">
-                <a16:creationId xmlns:a16="http://schemas.microsoft.com/office/drawing/2014/main" id="{A912D947-692A-4EB0-85CD-8806805AB35C}"/>
+      <p:sp>
+        <p:nvSpPr>
+          <p:cNvPr id="6" name="TextBox 5">
+            <a:extLst>
+              <a:ext uri="{FF2B5EF4-FFF2-40B4-BE49-F238E27FC236}">
+                <a16:creationId xmlns:a16="http://schemas.microsoft.com/office/drawing/2014/main" id="{260B4CA1-2706-4310-A54E-5B53BAD22992}"/>
               </a:ext>
             </a:extLst>
           </p:cNvPr>
@@ -10958,8 +10910,8 @@
         </p:nvSpPr>
         <p:spPr>
           <a:xfrm>
-            <a:off x="5559552" y="345316"/>
-            <a:ext cx="2697480" cy="369332"/>
+            <a:off x="853068" y="3436014"/>
+            <a:ext cx="2981325" cy="2031325"/>
           </a:xfrm>
           <a:prstGeom prst="rect">
             <a:avLst/>
@@ -10973,25 +10925,309 @@
           <a:lstStyle/>
           <a:p>
             <a:r>
-              <a:rPr lang="en-US" dirty="0"/>
-              <a:t>#</a:t>
-            </a:r>
-            <a:r>
-              <a:rPr lang="en-US" altLang="zh-CN" dirty="0"/>
-              <a:t>TODO: </a:t>
-            </a:r>
-            <a:r>
-              <a:rPr lang="zh-CN" altLang="en-US" dirty="0"/>
-              <a:t>举几个典型例子</a:t>
-            </a:r>
-            <a:endParaRPr lang="en-US" dirty="0"/>
-          </a:p>
-        </p:txBody>
-      </p:sp>
+              <a:rPr lang="en-US" dirty="0">
+                <a:latin typeface="Courier New" panose="02070309020205020404" pitchFamily="49" charset="0"/>
+                <a:cs typeface="Courier New" panose="02070309020205020404" pitchFamily="49" charset="0"/>
+              </a:rPr>
+              <a:t>chord C = “C”;</a:t>
+            </a:r>
+          </a:p>
+          <a:p>
+            <a:r>
+              <a:rPr lang="en-US" dirty="0">
+                <a:latin typeface="Courier New" panose="02070309020205020404" pitchFamily="49" charset="0"/>
+                <a:cs typeface="Courier New" panose="02070309020205020404" pitchFamily="49" charset="0"/>
+              </a:rPr>
+              <a:t>C = C @ {1, 2, 3};</a:t>
+            </a:r>
+          </a:p>
+          <a:p>
+            <a:r>
+              <a:rPr lang="en-US" dirty="0">
+                <a:latin typeface="Courier New" panose="02070309020205020404" pitchFamily="49" charset="0"/>
+                <a:cs typeface="Courier New" panose="02070309020205020404" pitchFamily="49" charset="0"/>
+              </a:rPr>
+              <a:t>score(C);</a:t>
+            </a:r>
+          </a:p>
+          <a:p>
+            <a:r>
+              <a:rPr lang="en-US" dirty="0">
+                <a:latin typeface="Courier New" panose="02070309020205020404" pitchFamily="49" charset="0"/>
+                <a:cs typeface="Courier New" panose="02070309020205020404" pitchFamily="49" charset="0"/>
+              </a:rPr>
+              <a:t>C = C + 1;</a:t>
+            </a:r>
+          </a:p>
+          <a:p>
+            <a:r>
+              <a:rPr lang="en-US" dirty="0">
+                <a:latin typeface="Courier New" panose="02070309020205020404" pitchFamily="49" charset="0"/>
+                <a:cs typeface="Courier New" panose="02070309020205020404" pitchFamily="49" charset="0"/>
+              </a:rPr>
+              <a:t>score(C);</a:t>
+            </a:r>
+          </a:p>
+          <a:p>
+            <a:r>
+              <a:rPr lang="en-US" dirty="0">
+                <a:latin typeface="Courier New" panose="02070309020205020404" pitchFamily="49" charset="0"/>
+                <a:cs typeface="Courier New" panose="02070309020205020404" pitchFamily="49" charset="0"/>
+              </a:rPr>
+              <a:t>C = C % {1/8, 1/8};</a:t>
+            </a:r>
+          </a:p>
+          <a:p>
+            <a:r>
+              <a:rPr lang="en-US" dirty="0">
+                <a:latin typeface="Courier New" panose="02070309020205020404" pitchFamily="49" charset="0"/>
+                <a:cs typeface="Courier New" panose="02070309020205020404" pitchFamily="49" charset="0"/>
+              </a:rPr>
+              <a:t>score(C);</a:t>
+            </a:r>
+          </a:p>
+        </p:txBody>
+      </p:sp>
+      <p:pic>
+        <p:nvPicPr>
+          <p:cNvPr id="7" name="Picture 6" descr="A picture containing chart&#10;&#10;Description automatically generated">
+            <a:extLst>
+              <a:ext uri="{FF2B5EF4-FFF2-40B4-BE49-F238E27FC236}">
+                <a16:creationId xmlns:a16="http://schemas.microsoft.com/office/drawing/2014/main" id="{81BF4C51-3FC7-4AB6-8097-B1031EC6ABEE}"/>
+              </a:ext>
+            </a:extLst>
+          </p:cNvPr>
+          <p:cNvPicPr>
+            <a:picLocks noChangeAspect="1"/>
+          </p:cNvPicPr>
+          <p:nvPr/>
+        </p:nvPicPr>
+        <p:blipFill>
+          <a:blip r:embed="rId4">
+            <a:extLst>
+              <a:ext uri="{28A0092B-C50C-407E-A947-70E740481C1C}">
+                <a14:useLocalDpi xmlns:a14="http://schemas.microsoft.com/office/drawing/2010/main" val="0"/>
+              </a:ext>
+            </a:extLst>
+          </a:blip>
+          <a:stretch>
+            <a:fillRect/>
+          </a:stretch>
+        </p:blipFill>
+        <p:spPr>
+          <a:xfrm>
+            <a:off x="4067175" y="3242694"/>
+            <a:ext cx="2028825" cy="1028700"/>
+          </a:xfrm>
+          <a:prstGeom prst="rect">
+            <a:avLst/>
+          </a:prstGeom>
+        </p:spPr>
+      </p:pic>
+      <p:pic>
+        <p:nvPicPr>
+          <p:cNvPr id="8" name="Picture 7">
+            <a:extLst>
+              <a:ext uri="{FF2B5EF4-FFF2-40B4-BE49-F238E27FC236}">
+                <a16:creationId xmlns:a16="http://schemas.microsoft.com/office/drawing/2014/main" id="{4219E86B-0C1D-463D-943E-74C7A37BB25E}"/>
+              </a:ext>
+            </a:extLst>
+          </p:cNvPr>
+          <p:cNvPicPr>
+            <a:picLocks noChangeAspect="1"/>
+          </p:cNvPicPr>
+          <p:nvPr/>
+        </p:nvPicPr>
+        <p:blipFill rotWithShape="1">
+          <a:blip r:embed="rId5">
+            <a:extLst>
+              <a:ext uri="{28A0092B-C50C-407E-A947-70E740481C1C}">
+                <a14:useLocalDpi xmlns:a14="http://schemas.microsoft.com/office/drawing/2010/main" val="0"/>
+              </a:ext>
+            </a:extLst>
+          </a:blip>
+          <a:srcRect l="6790" t="11906" r="15466" b="15872"/>
+          <a:stretch/>
+        </p:blipFill>
+        <p:spPr>
+          <a:xfrm>
+            <a:off x="4234058" y="4127053"/>
+            <a:ext cx="1799448" cy="866775"/>
+          </a:xfrm>
+          <a:prstGeom prst="rect">
+            <a:avLst/>
+          </a:prstGeom>
+        </p:spPr>
+      </p:pic>
+      <p:cxnSp>
+        <p:nvCxnSpPr>
+          <p:cNvPr id="9" name="Straight Arrow Connector 8">
+            <a:extLst>
+              <a:ext uri="{FF2B5EF4-FFF2-40B4-BE49-F238E27FC236}">
+                <a16:creationId xmlns:a16="http://schemas.microsoft.com/office/drawing/2014/main" id="{EFACEB00-A614-4FD7-A306-5AFA9DB953E8}"/>
+              </a:ext>
+            </a:extLst>
+          </p:cNvPr>
+          <p:cNvCxnSpPr>
+            <a:cxnSpLocks/>
+            <a:endCxn id="8" idx="1"/>
+          </p:cNvCxnSpPr>
+          <p:nvPr/>
+        </p:nvCxnSpPr>
+        <p:spPr>
+          <a:xfrm flipV="1">
+            <a:off x="2215144" y="4560441"/>
+            <a:ext cx="2018914" cy="151924"/>
+          </a:xfrm>
+          <a:prstGeom prst="straightConnector1">
+            <a:avLst/>
+          </a:prstGeom>
+          <a:ln>
+            <a:solidFill>
+              <a:srgbClr val="FF0000"/>
+            </a:solidFill>
+            <a:tailEnd type="triangle"/>
+          </a:ln>
+        </p:spPr>
+        <p:style>
+          <a:lnRef idx="3">
+            <a:schemeClr val="dk1"/>
+          </a:lnRef>
+          <a:fillRef idx="0">
+            <a:schemeClr val="dk1"/>
+          </a:fillRef>
+          <a:effectRef idx="2">
+            <a:schemeClr val="dk1"/>
+          </a:effectRef>
+          <a:fontRef idx="minor">
+            <a:schemeClr val="tx1"/>
+          </a:fontRef>
+        </p:style>
+      </p:cxnSp>
+      <p:cxnSp>
+        <p:nvCxnSpPr>
+          <p:cNvPr id="10" name="Straight Arrow Connector 9">
+            <a:extLst>
+              <a:ext uri="{FF2B5EF4-FFF2-40B4-BE49-F238E27FC236}">
+                <a16:creationId xmlns:a16="http://schemas.microsoft.com/office/drawing/2014/main" id="{7D2992D0-BC3A-410D-B5DF-986DAB7CBBFB}"/>
+              </a:ext>
+            </a:extLst>
+          </p:cNvPr>
+          <p:cNvCxnSpPr>
+            <a:cxnSpLocks/>
+            <a:endCxn id="7" idx="1"/>
+          </p:cNvCxnSpPr>
+          <p:nvPr/>
+        </p:nvCxnSpPr>
+        <p:spPr>
+          <a:xfrm flipV="1">
+            <a:off x="2215144" y="3757044"/>
+            <a:ext cx="1852031" cy="417634"/>
+          </a:xfrm>
+          <a:prstGeom prst="straightConnector1">
+            <a:avLst/>
+          </a:prstGeom>
+          <a:ln>
+            <a:solidFill>
+              <a:srgbClr val="FF0000"/>
+            </a:solidFill>
+            <a:tailEnd type="triangle"/>
+          </a:ln>
+        </p:spPr>
+        <p:style>
+          <a:lnRef idx="3">
+            <a:schemeClr val="dk1"/>
+          </a:lnRef>
+          <a:fillRef idx="0">
+            <a:schemeClr val="dk1"/>
+          </a:fillRef>
+          <a:effectRef idx="2">
+            <a:schemeClr val="dk1"/>
+          </a:effectRef>
+          <a:fontRef idx="minor">
+            <a:schemeClr val="tx1"/>
+          </a:fontRef>
+        </p:style>
+      </p:cxnSp>
+      <p:pic>
+        <p:nvPicPr>
+          <p:cNvPr id="15" name="Picture 14">
+            <a:extLst>
+              <a:ext uri="{FF2B5EF4-FFF2-40B4-BE49-F238E27FC236}">
+                <a16:creationId xmlns:a16="http://schemas.microsoft.com/office/drawing/2014/main" id="{369E92BB-E81C-4B81-99C8-ACD6B811A4CB}"/>
+              </a:ext>
+            </a:extLst>
+          </p:cNvPr>
+          <p:cNvPicPr>
+            <a:picLocks noChangeAspect="1"/>
+          </p:cNvPicPr>
+          <p:nvPr/>
+        </p:nvPicPr>
+        <p:blipFill>
+          <a:blip r:embed="rId6"/>
+          <a:stretch>
+            <a:fillRect/>
+          </a:stretch>
+        </p:blipFill>
+        <p:spPr>
+          <a:xfrm>
+            <a:off x="4234058" y="4993828"/>
+            <a:ext cx="1647619" cy="800000"/>
+          </a:xfrm>
+          <a:prstGeom prst="rect">
+            <a:avLst/>
+          </a:prstGeom>
+        </p:spPr>
+      </p:pic>
+      <p:cxnSp>
+        <p:nvCxnSpPr>
+          <p:cNvPr id="23" name="Straight Arrow Connector 22">
+            <a:extLst>
+              <a:ext uri="{FF2B5EF4-FFF2-40B4-BE49-F238E27FC236}">
+                <a16:creationId xmlns:a16="http://schemas.microsoft.com/office/drawing/2014/main" id="{AD9646A2-F239-45B1-97F3-3E4F0898F875}"/>
+              </a:ext>
+            </a:extLst>
+          </p:cNvPr>
+          <p:cNvCxnSpPr>
+            <a:cxnSpLocks/>
+            <a:endCxn id="15" idx="1"/>
+          </p:cNvCxnSpPr>
+          <p:nvPr/>
+        </p:nvCxnSpPr>
+        <p:spPr>
+          <a:xfrm>
+            <a:off x="2215144" y="5273249"/>
+            <a:ext cx="2018914" cy="120579"/>
+          </a:xfrm>
+          <a:prstGeom prst="straightConnector1">
+            <a:avLst/>
+          </a:prstGeom>
+          <a:ln>
+            <a:solidFill>
+              <a:srgbClr val="FF0000"/>
+            </a:solidFill>
+            <a:tailEnd type="triangle"/>
+          </a:ln>
+        </p:spPr>
+        <p:style>
+          <a:lnRef idx="3">
+            <a:schemeClr val="dk1"/>
+          </a:lnRef>
+          <a:fillRef idx="0">
+            <a:schemeClr val="dk1"/>
+          </a:fillRef>
+          <a:effectRef idx="2">
+            <a:schemeClr val="dk1"/>
+          </a:effectRef>
+          <a:fontRef idx="minor">
+            <a:schemeClr val="tx1"/>
+          </a:fontRef>
+        </p:style>
+      </p:cxnSp>
     </p:spTree>
     <p:extLst>
       <p:ext uri="{BB962C8B-B14F-4D97-AF65-F5344CB8AC3E}">
-        <p14:creationId xmlns:p14="http://schemas.microsoft.com/office/powerpoint/2010/main" val="1254035179"/>
+        <p14:creationId xmlns:p14="http://schemas.microsoft.com/office/powerpoint/2010/main" val="2594244787"/>
       </p:ext>
     </p:extLst>
   </p:cSld>
